--- a/slides for meetings/meeting March 5.pptx
+++ b/slides for meetings/meeting March 5.pptx
@@ -12,16 +12,17 @@
     <p:sldId id="322" r:id="rId7"/>
     <p:sldId id="323" r:id="rId8"/>
     <p:sldId id="302" r:id="rId9"/>
-    <p:sldId id="303" r:id="rId10"/>
-    <p:sldId id="300" r:id="rId11"/>
-    <p:sldId id="328" r:id="rId12"/>
-    <p:sldId id="297" r:id="rId13"/>
-    <p:sldId id="291" r:id="rId14"/>
+    <p:sldId id="330" r:id="rId10"/>
+    <p:sldId id="303" r:id="rId11"/>
+    <p:sldId id="300" r:id="rId12"/>
+    <p:sldId id="328" r:id="rId13"/>
+    <p:sldId id="297" r:id="rId14"/>
+    <p:sldId id="291" r:id="rId15"/>
   </p:sldIdLst>
   <p:sldSz cx="12192000" cy="6858000"/>
   <p:notesSz cx="6858000" cy="9144000"/>
   <p:custDataLst>
-    <p:tags r:id="rId18"/>
+    <p:tags r:id="rId19"/>
   </p:custDataLst>
   <p:defaultTextStyle>
     <a:defPPr>
@@ -3189,2997 +3190,6 @@
         </p:nvSpPr>
         <p:spPr>
           <a:xfrm>
-            <a:off x="295910" y="301625"/>
-            <a:ext cx="11336655" cy="1384935"/>
-          </a:xfrm>
-        </p:spPr>
-        <p:txBody>
-          <a:bodyPr>
-            <a:normAutofit fontScale="90000"/>
-          </a:bodyPr>
-          <a:p>
-            <a:pPr algn="l"/>
-            <a:r>
-              <a:rPr lang="en-US" altLang="zh-CN">
-                <a:solidFill>
-                  <a:schemeClr val="bg1">
-                    <a:alpha val="72000"/>
-                  </a:schemeClr>
-                </a:solidFill>
-              </a:rPr>
-              <a:t>Bugs</a:t>
-            </a:r>
-            <a:br>
-              <a:rPr lang="en-US" altLang="zh-CN">
-                <a:solidFill>
-                  <a:schemeClr val="bg1">
-                    <a:alpha val="72000"/>
-                  </a:schemeClr>
-                </a:solidFill>
-              </a:rPr>
-            </a:br>
-            <a:endParaRPr lang="en-US" altLang="zh-CN" sz="4000">
-              <a:solidFill>
-                <a:schemeClr val="bg1">
-                  <a:alpha val="72000"/>
-                </a:schemeClr>
-              </a:solidFill>
-            </a:endParaRPr>
-          </a:p>
-        </p:txBody>
-      </p:sp>
-      <p:cxnSp>
-        <p:nvCxnSpPr>
-          <p:cNvPr id="2" name="直接连接符 1"/>
-          <p:cNvCxnSpPr/>
-          <p:nvPr/>
-        </p:nvCxnSpPr>
-        <p:spPr>
-          <a:xfrm>
-            <a:off x="295910" y="1195070"/>
-            <a:ext cx="2485390" cy="0"/>
-          </a:xfrm>
-          <a:prstGeom prst="line">
-            <a:avLst/>
-          </a:prstGeom>
-          <a:ln w="38100">
-            <a:gradFill>
-              <a:gsLst>
-                <a:gs pos="0">
-                  <a:schemeClr val="accent1">
-                    <a:hueOff val="-4200000"/>
-                    <a:lumMod val="99000"/>
-                    <a:alpha val="61000"/>
-                  </a:schemeClr>
-                </a:gs>
-                <a:gs pos="100000">
-                  <a:schemeClr val="accent1"/>
-                </a:gs>
-              </a:gsLst>
-            </a:gradFill>
-          </a:ln>
-        </p:spPr>
-        <p:style>
-          <a:lnRef idx="0">
-            <a:srgbClr val="FFFFFF"/>
-          </a:lnRef>
-          <a:fillRef idx="0">
-            <a:srgbClr val="FFFFFF"/>
-          </a:fillRef>
-          <a:effectRef idx="0">
-            <a:srgbClr val="FFFFFF"/>
-          </a:effectRef>
-          <a:fontRef idx="minor">
-            <a:schemeClr val="tx1"/>
-          </a:fontRef>
-        </p:style>
-      </p:cxnSp>
-      <p:sp>
-        <p:nvSpPr>
-          <p:cNvPr id="4" name="标题 5"/>
-          <p:cNvSpPr>
-            <a:spLocks noGrp="1"/>
-          </p:cNvSpPr>
-          <p:nvPr/>
-        </p:nvSpPr>
-        <p:spPr>
-          <a:xfrm>
-            <a:off x="295910" y="1426845"/>
-            <a:ext cx="11623040" cy="3604260"/>
-          </a:xfrm>
-          <a:prstGeom prst="rect">
-            <a:avLst/>
-          </a:prstGeom>
-        </p:spPr>
-        <p:txBody>
-          <a:bodyPr vert="horz" lIns="91440" tIns="45720" rIns="91440" bIns="45720" rtlCol="0" anchor="b"/>
-          <a:lstStyle>
-            <a:lvl1pPr algn="ctr" defTabSz="914400" rtl="0" eaLnBrk="1" latinLnBrk="0" hangingPunct="1">
-              <a:lnSpc>
-                <a:spcPct val="90000"/>
-              </a:lnSpc>
-              <a:spcBef>
-                <a:spcPct val="0"/>
-              </a:spcBef>
-              <a:buNone/>
-              <a:defRPr sz="6000" kern="1200">
-                <a:solidFill>
-                  <a:schemeClr val="tx1"/>
-                </a:solidFill>
-                <a:latin typeface="+mj-lt"/>
-                <a:ea typeface="+mj-ea"/>
-                <a:cs typeface="+mj-cs"/>
-              </a:defRPr>
-            </a:lvl1pPr>
-          </a:lstStyle>
-          <a:p>
-            <a:pPr algn="l"/>
-            <a:endParaRPr lang="en-US" altLang="zh-CN" sz="3200">
-              <a:solidFill>
-                <a:schemeClr val="bg1">
-                  <a:lumMod val="95000"/>
-                </a:schemeClr>
-              </a:solidFill>
-            </a:endParaRPr>
-          </a:p>
-          <a:p>
-            <a:pPr algn="l"/>
-            <a:r>
-              <a:rPr lang="en-US" altLang="zh-CN" sz="3200">
-                <a:solidFill>
-                  <a:schemeClr val="bg1">
-                    <a:lumMod val="95000"/>
-                  </a:schemeClr>
-                </a:solidFill>
-              </a:rPr>
-              <a:t>1. clipping plane rendering, the shader is controlled by: Fresnel generator in multiple times + clipping controller + maybe others</a:t>
-            </a:r>
-            <a:endParaRPr lang="en-US" altLang="zh-CN" sz="3200">
-              <a:solidFill>
-                <a:schemeClr val="bg1">
-                  <a:lumMod val="95000"/>
-                </a:schemeClr>
-              </a:solidFill>
-            </a:endParaRPr>
-          </a:p>
-          <a:p>
-            <a:pPr algn="l"/>
-            <a:endParaRPr lang="en-US" altLang="zh-CN" sz="3200">
-              <a:solidFill>
-                <a:schemeClr val="bg1">
-                  <a:lumMod val="95000"/>
-                </a:schemeClr>
-              </a:solidFill>
-            </a:endParaRPr>
-          </a:p>
-          <a:p>
-            <a:pPr algn="l"/>
-            <a:r>
-              <a:rPr lang="en-US" altLang="zh-CN" sz="3200">
-                <a:solidFill>
-                  <a:schemeClr val="bg1">
-                    <a:lumMod val="95000"/>
-                  </a:schemeClr>
-                </a:solidFill>
-              </a:rPr>
-              <a:t>2. potential memory problem or Unity crash</a:t>
-            </a:r>
-            <a:endParaRPr lang="en-US" altLang="zh-CN" sz="3200">
-              <a:solidFill>
-                <a:schemeClr val="bg1">
-                  <a:lumMod val="95000"/>
-                </a:schemeClr>
-              </a:solidFill>
-            </a:endParaRPr>
-          </a:p>
-          <a:p>
-            <a:pPr algn="l"/>
-            <a:endParaRPr lang="en-US" altLang="zh-CN" sz="3200">
-              <a:solidFill>
-                <a:schemeClr val="bg1">
-                  <a:lumMod val="95000"/>
-                </a:schemeClr>
-              </a:solidFill>
-            </a:endParaRPr>
-          </a:p>
-          <a:p>
-            <a:pPr algn="l"/>
-            <a:r>
-              <a:rPr lang="en-US" altLang="zh-CN" sz="3200">
-                <a:solidFill>
-                  <a:schemeClr val="bg1">
-                    <a:lumMod val="95000"/>
-                  </a:schemeClr>
-                </a:solidFill>
-              </a:rPr>
-              <a:t>3. Canvas rendering with wrong shader</a:t>
-            </a:r>
-            <a:endParaRPr lang="en-US" altLang="zh-CN" sz="3200">
-              <a:solidFill>
-                <a:schemeClr val="bg1">
-                  <a:lumMod val="95000"/>
-                </a:schemeClr>
-              </a:solidFill>
-            </a:endParaRPr>
-          </a:p>
-          <a:p>
-            <a:pPr algn="l"/>
-            <a:endParaRPr lang="en-US" altLang="zh-CN" sz="3200">
-              <a:solidFill>
-                <a:schemeClr val="bg1">
-                  <a:lumMod val="95000"/>
-                </a:schemeClr>
-              </a:solidFill>
-            </a:endParaRPr>
-          </a:p>
-          <a:p>
-            <a:pPr algn="l"/>
-            <a:r>
-              <a:rPr lang="en-US" altLang="zh-CN" sz="3200">
-                <a:solidFill>
-                  <a:schemeClr val="bg1">
-                    <a:lumMod val="95000"/>
-                  </a:schemeClr>
-                </a:solidFill>
-              </a:rPr>
-              <a:t>4. Diffraction pattern duplicated generating</a:t>
-            </a:r>
-            <a:endParaRPr lang="en-US" altLang="zh-CN" sz="3200">
-              <a:solidFill>
-                <a:schemeClr val="bg1">
-                  <a:lumMod val="95000"/>
-                </a:schemeClr>
-              </a:solidFill>
-            </a:endParaRPr>
-          </a:p>
-        </p:txBody>
-      </p:sp>
-    </p:spTree>
-  </p:cSld>
-  <p:clrMapOvr>
-    <a:masterClrMapping/>
-  </p:clrMapOvr>
-</p:sld>
-</file>
-
-<file path=ppt/slides/slide11.xml><?xml version="1.0" encoding="utf-8"?>
-<p:sld xmlns:a="http://schemas.openxmlformats.org/drawingml/2006/main" xmlns:r="http://schemas.openxmlformats.org/officeDocument/2006/relationships" xmlns:p="http://schemas.openxmlformats.org/presentationml/2006/main">
-  <p:cSld>
-    <p:bg>
-      <p:bgPr>
-        <a:solidFill>
-          <a:schemeClr val="accent6"/>
-        </a:solidFill>
-        <a:effectLst/>
-      </p:bgPr>
-    </p:bg>
-    <p:spTree>
-      <p:nvGrpSpPr>
-        <p:cNvPr id="1" name=""/>
-        <p:cNvGrpSpPr/>
-        <p:nvPr/>
-      </p:nvGrpSpPr>
-      <p:grpSpPr/>
-      <p:sp>
-        <p:nvSpPr>
-          <p:cNvPr id="6" name="标题 5"/>
-          <p:cNvSpPr>
-            <a:spLocks noGrp="1"/>
-          </p:cNvSpPr>
-          <p:nvPr>
-            <p:ph type="ctrTitle"/>
-          </p:nvPr>
-        </p:nvSpPr>
-        <p:spPr>
-          <a:xfrm>
-            <a:off x="295910" y="703580"/>
-            <a:ext cx="11336655" cy="982980"/>
-          </a:xfrm>
-        </p:spPr>
-        <p:txBody>
-          <a:bodyPr>
-            <a:normAutofit fontScale="90000"/>
-          </a:bodyPr>
-          <a:p>
-            <a:pPr algn="l"/>
-            <a:r>
-              <a:rPr lang="en-US" altLang="zh-CN">
-                <a:solidFill>
-                  <a:schemeClr val="bg1">
-                    <a:alpha val="72000"/>
-                  </a:schemeClr>
-                </a:solidFill>
-              </a:rPr>
-              <a:t>Further work</a:t>
-            </a:r>
-            <a:br>
-              <a:rPr lang="en-US" altLang="zh-CN">
-                <a:solidFill>
-                  <a:schemeClr val="bg1">
-                    <a:alpha val="72000"/>
-                  </a:schemeClr>
-                </a:solidFill>
-              </a:rPr>
-            </a:br>
-            <a:endParaRPr lang="en-US" altLang="zh-CN" sz="4000">
-              <a:solidFill>
-                <a:schemeClr val="bg1">
-                  <a:alpha val="72000"/>
-                </a:schemeClr>
-              </a:solidFill>
-            </a:endParaRPr>
-          </a:p>
-        </p:txBody>
-      </p:sp>
-      <p:cxnSp>
-        <p:nvCxnSpPr>
-          <p:cNvPr id="2" name="直接连接符 1"/>
-          <p:cNvCxnSpPr/>
-          <p:nvPr/>
-        </p:nvCxnSpPr>
-        <p:spPr>
-          <a:xfrm>
-            <a:off x="295910" y="1195070"/>
-            <a:ext cx="2485390" cy="0"/>
-          </a:xfrm>
-          <a:prstGeom prst="line">
-            <a:avLst/>
-          </a:prstGeom>
-          <a:ln w="38100">
-            <a:gradFill>
-              <a:gsLst>
-                <a:gs pos="0">
-                  <a:schemeClr val="accent1">
-                    <a:hueOff val="-4200000"/>
-                    <a:lumMod val="99000"/>
-                    <a:alpha val="61000"/>
-                  </a:schemeClr>
-                </a:gs>
-                <a:gs pos="100000">
-                  <a:schemeClr val="accent1"/>
-                </a:gs>
-              </a:gsLst>
-            </a:gradFill>
-          </a:ln>
-        </p:spPr>
-        <p:style>
-          <a:lnRef idx="0">
-            <a:srgbClr val="FFFFFF"/>
-          </a:lnRef>
-          <a:fillRef idx="0">
-            <a:srgbClr val="FFFFFF"/>
-          </a:fillRef>
-          <a:effectRef idx="0">
-            <a:srgbClr val="FFFFFF"/>
-          </a:effectRef>
-          <a:fontRef idx="minor">
-            <a:schemeClr val="tx1"/>
-          </a:fontRef>
-        </p:style>
-      </p:cxnSp>
-      <p:sp>
-        <p:nvSpPr>
-          <p:cNvPr id="4" name="标题 5"/>
-          <p:cNvSpPr>
-            <a:spLocks noGrp="1"/>
-          </p:cNvSpPr>
-          <p:nvPr/>
-        </p:nvSpPr>
-        <p:spPr>
-          <a:xfrm>
-            <a:off x="295910" y="703580"/>
-            <a:ext cx="11623040" cy="4886960"/>
-          </a:xfrm>
-          <a:prstGeom prst="rect">
-            <a:avLst/>
-          </a:prstGeom>
-        </p:spPr>
-        <p:txBody>
-          <a:bodyPr vert="horz" lIns="91440" tIns="45720" rIns="91440" bIns="45720" rtlCol="0" anchor="b"/>
-          <a:lstStyle>
-            <a:lvl1pPr algn="ctr" defTabSz="914400" rtl="0" eaLnBrk="1" latinLnBrk="0" hangingPunct="1">
-              <a:lnSpc>
-                <a:spcPct val="90000"/>
-              </a:lnSpc>
-              <a:spcBef>
-                <a:spcPct val="0"/>
-              </a:spcBef>
-              <a:buNone/>
-              <a:defRPr sz="6000" kern="1200">
-                <a:solidFill>
-                  <a:schemeClr val="tx1"/>
-                </a:solidFill>
-                <a:latin typeface="+mj-lt"/>
-                <a:ea typeface="+mj-ea"/>
-                <a:cs typeface="+mj-cs"/>
-              </a:defRPr>
-            </a:lvl1pPr>
-          </a:lstStyle>
-          <a:p>
-            <a:pPr algn="l"/>
-            <a:endParaRPr lang="en-US" altLang="zh-CN" sz="3200">
-              <a:solidFill>
-                <a:schemeClr val="bg1">
-                  <a:lumMod val="95000"/>
-                </a:schemeClr>
-              </a:solidFill>
-            </a:endParaRPr>
-          </a:p>
-          <a:p>
-            <a:pPr algn="l"/>
-            <a:r>
-              <a:rPr lang="en-US" altLang="zh-CN" sz="3200">
-                <a:solidFill>
-                  <a:schemeClr val="bg1">
-                    <a:lumMod val="95000"/>
-                  </a:schemeClr>
-                </a:solidFill>
-              </a:rPr>
-              <a:t>1. UI in VR, interactions</a:t>
-            </a:r>
-            <a:endParaRPr lang="en-US" altLang="zh-CN" sz="3200">
-              <a:solidFill>
-                <a:schemeClr val="bg1">
-                  <a:lumMod val="95000"/>
-                </a:schemeClr>
-              </a:solidFill>
-            </a:endParaRPr>
-          </a:p>
-          <a:p>
-            <a:pPr algn="l"/>
-            <a:endParaRPr lang="en-US" altLang="zh-CN" sz="3200">
-              <a:solidFill>
-                <a:schemeClr val="bg1">
-                  <a:lumMod val="95000"/>
-                </a:schemeClr>
-              </a:solidFill>
-            </a:endParaRPr>
-          </a:p>
-          <a:p>
-            <a:pPr algn="l"/>
-            <a:r>
-              <a:rPr lang="en-US" altLang="zh-CN" sz="3200">
-                <a:solidFill>
-                  <a:schemeClr val="bg1">
-                    <a:lumMod val="95000"/>
-                  </a:schemeClr>
-                </a:solidFill>
-              </a:rPr>
-              <a:t>2. slit diffraction in C#</a:t>
-            </a:r>
-            <a:endParaRPr lang="en-US" altLang="zh-CN" sz="3200">
-              <a:solidFill>
-                <a:schemeClr val="bg1">
-                  <a:lumMod val="95000"/>
-                </a:schemeClr>
-              </a:solidFill>
-            </a:endParaRPr>
-          </a:p>
-          <a:p>
-            <a:pPr algn="l"/>
-            <a:endParaRPr lang="en-US" altLang="zh-CN" sz="3200">
-              <a:solidFill>
-                <a:schemeClr val="bg1">
-                  <a:lumMod val="95000"/>
-                </a:schemeClr>
-              </a:solidFill>
-            </a:endParaRPr>
-          </a:p>
-          <a:p>
-            <a:pPr algn="l"/>
-            <a:r>
-              <a:rPr lang="en-US" altLang="zh-CN" sz="3200">
-                <a:solidFill>
-                  <a:schemeClr val="bg1">
-                    <a:lumMod val="95000"/>
-                  </a:schemeClr>
-                </a:solidFill>
-              </a:rPr>
-              <a:t>3. colorspace and so on</a:t>
-            </a:r>
-            <a:endParaRPr lang="en-US" altLang="zh-CN" sz="3200">
-              <a:solidFill>
-                <a:schemeClr val="bg1">
-                  <a:lumMod val="95000"/>
-                </a:schemeClr>
-              </a:solidFill>
-            </a:endParaRPr>
-          </a:p>
-          <a:p>
-            <a:pPr algn="l"/>
-            <a:endParaRPr lang="en-US" altLang="zh-CN" sz="3200">
-              <a:solidFill>
-                <a:schemeClr val="bg1">
-                  <a:lumMod val="95000"/>
-                </a:schemeClr>
-              </a:solidFill>
-            </a:endParaRPr>
-          </a:p>
-          <a:p>
-            <a:pPr algn="l"/>
-            <a:r>
-              <a:rPr lang="en-US" altLang="zh-CN" sz="3200">
-                <a:solidFill>
-                  <a:schemeClr val="bg1">
-                    <a:lumMod val="95000"/>
-                  </a:schemeClr>
-                </a:solidFill>
-              </a:rPr>
-              <a:t>4. Theory part, equation derivation, a new type of approximation..?</a:t>
-            </a:r>
-            <a:endParaRPr lang="en-US" altLang="zh-CN" sz="3200">
-              <a:solidFill>
-                <a:schemeClr val="bg1">
-                  <a:lumMod val="95000"/>
-                </a:schemeClr>
-              </a:solidFill>
-            </a:endParaRPr>
-          </a:p>
-          <a:p>
-            <a:pPr algn="l"/>
-            <a:endParaRPr lang="en-US" altLang="zh-CN" sz="3200">
-              <a:solidFill>
-                <a:schemeClr val="bg1">
-                  <a:lumMod val="95000"/>
-                </a:schemeClr>
-              </a:solidFill>
-            </a:endParaRPr>
-          </a:p>
-          <a:p>
-            <a:pPr algn="l"/>
-            <a:r>
-              <a:rPr lang="en-US" altLang="zh-CN" sz="3200">
-                <a:solidFill>
-                  <a:schemeClr val="bg1">
-                    <a:lumMod val="95000"/>
-                  </a:schemeClr>
-                </a:solidFill>
-              </a:rPr>
-              <a:t>5. potential meta quest link</a:t>
-            </a:r>
-            <a:endParaRPr lang="en-US" altLang="zh-CN" sz="3200">
-              <a:solidFill>
-                <a:schemeClr val="bg1">
-                  <a:lumMod val="95000"/>
-                </a:schemeClr>
-              </a:solidFill>
-            </a:endParaRPr>
-          </a:p>
-        </p:txBody>
-      </p:sp>
-    </p:spTree>
-  </p:cSld>
-  <p:clrMapOvr>
-    <a:masterClrMapping/>
-  </p:clrMapOvr>
-</p:sld>
-</file>
-
-<file path=ppt/slides/slide12.xml><?xml version="1.0" encoding="utf-8"?>
-<p:sld xmlns:a="http://schemas.openxmlformats.org/drawingml/2006/main" xmlns:r="http://schemas.openxmlformats.org/officeDocument/2006/relationships" xmlns:p="http://schemas.openxmlformats.org/presentationml/2006/main">
-  <p:cSld>
-    <p:bg>
-      <p:bgPr>
-        <a:solidFill>
-          <a:schemeClr val="accent6"/>
-        </a:solidFill>
-        <a:effectLst/>
-      </p:bgPr>
-    </p:bg>
-    <p:spTree>
-      <p:nvGrpSpPr>
-        <p:cNvPr id="1" name=""/>
-        <p:cNvGrpSpPr/>
-        <p:nvPr/>
-      </p:nvGrpSpPr>
-      <p:grpSpPr/>
-      <p:sp>
-        <p:nvSpPr>
-          <p:cNvPr id="8" name="标题 7"/>
-          <p:cNvSpPr>
-            <a:spLocks noGrp="1"/>
-          </p:cNvSpPr>
-          <p:nvPr>
-            <p:ph type="ctrTitle"/>
-          </p:nvPr>
-        </p:nvSpPr>
-        <p:spPr>
-          <a:xfrm>
-            <a:off x="1431290" y="2385695"/>
-            <a:ext cx="9329420" cy="2085975"/>
-          </a:xfrm>
-        </p:spPr>
-        <p:txBody>
-          <a:bodyPr>
-            <a:normAutofit/>
-          </a:bodyPr>
-          <a:p>
-            <a:pPr algn="l"/>
-            <a:r>
-              <a:rPr lang="en-US" altLang="zh-CN">
-                <a:solidFill>
-                  <a:schemeClr val="bg1">
-                    <a:alpha val="91000"/>
-                  </a:schemeClr>
-                </a:solidFill>
-              </a:rPr>
-              <a:t>Thank you for your attention!</a:t>
-            </a:r>
-            <a:br>
-              <a:rPr lang="en-US" altLang="zh-CN">
-                <a:solidFill>
-                  <a:schemeClr val="bg1">
-                    <a:alpha val="72000"/>
-                  </a:schemeClr>
-                </a:solidFill>
-              </a:rPr>
-            </a:br>
-            <a:endParaRPr lang="en-US" altLang="zh-CN" sz="4000">
-              <a:solidFill>
-                <a:schemeClr val="bg1">
-                  <a:alpha val="72000"/>
-                </a:schemeClr>
-              </a:solidFill>
-            </a:endParaRPr>
-          </a:p>
-        </p:txBody>
-      </p:sp>
-    </p:spTree>
-  </p:cSld>
-  <p:clrMapOvr>
-    <a:masterClrMapping/>
-  </p:clrMapOvr>
-</p:sld>
-</file>
-
-<file path=ppt/slides/slide2.xml><?xml version="1.0" encoding="utf-8"?>
-<p:sld xmlns:a="http://schemas.openxmlformats.org/drawingml/2006/main" xmlns:r="http://schemas.openxmlformats.org/officeDocument/2006/relationships" xmlns:p="http://schemas.openxmlformats.org/presentationml/2006/main">
-  <p:cSld>
-    <p:bg>
-      <p:bgPr>
-        <a:solidFill>
-          <a:schemeClr val="accent6"/>
-        </a:solidFill>
-        <a:effectLst/>
-      </p:bgPr>
-    </p:bg>
-    <p:spTree>
-      <p:nvGrpSpPr>
-        <p:cNvPr id="1" name=""/>
-        <p:cNvGrpSpPr/>
-        <p:nvPr/>
-      </p:nvGrpSpPr>
-      <p:grpSpPr/>
-      <p:sp>
-        <p:nvSpPr>
-          <p:cNvPr id="6" name="标题 5"/>
-          <p:cNvSpPr>
-            <a:spLocks noGrp="1"/>
-          </p:cNvSpPr>
-          <p:nvPr>
-            <p:ph type="ctrTitle"/>
-          </p:nvPr>
-        </p:nvSpPr>
-        <p:spPr>
-          <a:xfrm>
-            <a:off x="295910" y="703580"/>
-            <a:ext cx="11336655" cy="982980"/>
-          </a:xfrm>
-        </p:spPr>
-        <p:txBody>
-          <a:bodyPr>
-            <a:normAutofit fontScale="90000"/>
-          </a:bodyPr>
-          <a:p>
-            <a:pPr algn="l"/>
-            <a:r>
-              <a:rPr lang="en-US" altLang="zh-CN">
-                <a:solidFill>
-                  <a:schemeClr val="bg1">
-                    <a:alpha val="72000"/>
-                  </a:schemeClr>
-                </a:solidFill>
-              </a:rPr>
-              <a:t>Content</a:t>
-            </a:r>
-            <a:br>
-              <a:rPr lang="en-US" altLang="zh-CN">
-                <a:solidFill>
-                  <a:schemeClr val="bg1">
-                    <a:alpha val="72000"/>
-                  </a:schemeClr>
-                </a:solidFill>
-              </a:rPr>
-            </a:br>
-            <a:endParaRPr lang="en-US" altLang="zh-CN" sz="4000">
-              <a:solidFill>
-                <a:schemeClr val="bg1">
-                  <a:alpha val="72000"/>
-                </a:schemeClr>
-              </a:solidFill>
-            </a:endParaRPr>
-          </a:p>
-        </p:txBody>
-      </p:sp>
-      <p:cxnSp>
-        <p:nvCxnSpPr>
-          <p:cNvPr id="2" name="直接连接符 1"/>
-          <p:cNvCxnSpPr/>
-          <p:nvPr/>
-        </p:nvCxnSpPr>
-        <p:spPr>
-          <a:xfrm>
-            <a:off x="295910" y="1195070"/>
-            <a:ext cx="2485390" cy="0"/>
-          </a:xfrm>
-          <a:prstGeom prst="line">
-            <a:avLst/>
-          </a:prstGeom>
-          <a:ln w="38100">
-            <a:gradFill>
-              <a:gsLst>
-                <a:gs pos="0">
-                  <a:schemeClr val="accent1">
-                    <a:hueOff val="-4200000"/>
-                    <a:lumMod val="99000"/>
-                    <a:alpha val="61000"/>
-                  </a:schemeClr>
-                </a:gs>
-                <a:gs pos="100000">
-                  <a:schemeClr val="accent1"/>
-                </a:gs>
-              </a:gsLst>
-            </a:gradFill>
-          </a:ln>
-        </p:spPr>
-        <p:style>
-          <a:lnRef idx="0">
-            <a:srgbClr val="FFFFFF"/>
-          </a:lnRef>
-          <a:fillRef idx="0">
-            <a:srgbClr val="FFFFFF"/>
-          </a:fillRef>
-          <a:effectRef idx="0">
-            <a:srgbClr val="FFFFFF"/>
-          </a:effectRef>
-          <a:fontRef idx="minor">
-            <a:schemeClr val="tx1"/>
-          </a:fontRef>
-        </p:style>
-      </p:cxnSp>
-      <p:sp>
-        <p:nvSpPr>
-          <p:cNvPr id="4" name="标题 5"/>
-          <p:cNvSpPr>
-            <a:spLocks noGrp="1"/>
-          </p:cNvSpPr>
-          <p:nvPr/>
-        </p:nvSpPr>
-        <p:spPr>
-          <a:xfrm>
-            <a:off x="2313940" y="1737995"/>
-            <a:ext cx="8264525" cy="3693795"/>
-          </a:xfrm>
-          <a:prstGeom prst="rect">
-            <a:avLst/>
-          </a:prstGeom>
-        </p:spPr>
-        <p:txBody>
-          <a:bodyPr vert="horz" lIns="91440" tIns="45720" rIns="91440" bIns="45720" rtlCol="0" anchor="b"/>
-          <a:lstStyle>
-            <a:lvl1pPr algn="ctr" defTabSz="914400" rtl="0" eaLnBrk="1" latinLnBrk="0" hangingPunct="1">
-              <a:lnSpc>
-                <a:spcPct val="90000"/>
-              </a:lnSpc>
-              <a:spcBef>
-                <a:spcPct val="0"/>
-              </a:spcBef>
-              <a:buNone/>
-              <a:defRPr sz="6000" kern="1200">
-                <a:solidFill>
-                  <a:schemeClr val="tx1"/>
-                </a:solidFill>
-                <a:latin typeface="+mj-lt"/>
-                <a:ea typeface="+mj-ea"/>
-                <a:cs typeface="+mj-cs"/>
-              </a:defRPr>
-            </a:lvl1pPr>
-          </a:lstStyle>
-          <a:p>
-            <a:pPr algn="l"/>
-            <a:r>
-              <a:rPr lang="en-US" altLang="zh-CN" sz="3600">
-                <a:solidFill>
-                  <a:schemeClr val="bg1">
-                    <a:lumMod val="95000"/>
-                  </a:schemeClr>
-                </a:solidFill>
-              </a:rPr>
-              <a:t>1. Definition of the task and aim of project</a:t>
-            </a:r>
-            <a:endParaRPr lang="en-US" altLang="zh-CN" sz="3600">
-              <a:solidFill>
-                <a:schemeClr val="bg1">
-                  <a:lumMod val="95000"/>
-                </a:schemeClr>
-              </a:solidFill>
-              <a:sym typeface="+mn-ea"/>
-            </a:endParaRPr>
-          </a:p>
-          <a:p>
-            <a:pPr algn="l"/>
-            <a:endParaRPr lang="en-US" altLang="zh-CN" sz="3600">
-              <a:solidFill>
-                <a:schemeClr val="bg1">
-                  <a:lumMod val="95000"/>
-                </a:schemeClr>
-              </a:solidFill>
-              <a:sym typeface="+mn-ea"/>
-            </a:endParaRPr>
-          </a:p>
-          <a:p>
-            <a:pPr algn="l"/>
-            <a:r>
-              <a:rPr lang="en-US" altLang="zh-CN" sz="3600">
-                <a:solidFill>
-                  <a:schemeClr val="bg1">
-                    <a:lumMod val="95000"/>
-                  </a:schemeClr>
-                </a:solidFill>
-                <a:sym typeface="+mn-ea"/>
-              </a:rPr>
-              <a:t>2. What has been achieved</a:t>
-            </a:r>
-            <a:endParaRPr lang="en-US" altLang="zh-CN" sz="3600">
-              <a:solidFill>
-                <a:schemeClr val="bg1">
-                  <a:lumMod val="95000"/>
-                </a:schemeClr>
-              </a:solidFill>
-            </a:endParaRPr>
-          </a:p>
-          <a:p>
-            <a:pPr algn="l"/>
-            <a:endParaRPr lang="en-US" altLang="zh-CN" sz="3600">
-              <a:solidFill>
-                <a:schemeClr val="bg1">
-                  <a:lumMod val="95000"/>
-                </a:schemeClr>
-              </a:solidFill>
-            </a:endParaRPr>
-          </a:p>
-          <a:p>
-            <a:pPr algn="l"/>
-            <a:r>
-              <a:rPr lang="en-US" altLang="zh-CN" sz="3600">
-                <a:solidFill>
-                  <a:schemeClr val="bg1">
-                    <a:lumMod val="95000"/>
-                  </a:schemeClr>
-                </a:solidFill>
-              </a:rPr>
-              <a:t>3. B</a:t>
-            </a:r>
-            <a:r>
-              <a:rPr lang="en-US" altLang="zh-CN" sz="3600">
-                <a:solidFill>
-                  <a:schemeClr val="bg1">
-                    <a:lumMod val="95000"/>
-                  </a:schemeClr>
-                </a:solidFill>
-              </a:rPr>
-              <a:t>ugs</a:t>
-            </a:r>
-            <a:endParaRPr lang="en-US" altLang="zh-CN" sz="3600">
-              <a:solidFill>
-                <a:schemeClr val="bg1">
-                  <a:lumMod val="95000"/>
-                </a:schemeClr>
-              </a:solidFill>
-            </a:endParaRPr>
-          </a:p>
-          <a:p>
-            <a:pPr algn="l"/>
-            <a:endParaRPr lang="en-US" altLang="zh-CN" sz="3600">
-              <a:solidFill>
-                <a:schemeClr val="bg1">
-                  <a:lumMod val="95000"/>
-                </a:schemeClr>
-              </a:solidFill>
-            </a:endParaRPr>
-          </a:p>
-          <a:p>
-            <a:pPr algn="l"/>
-            <a:r>
-              <a:rPr lang="en-US" altLang="zh-CN" sz="3600">
-                <a:solidFill>
-                  <a:schemeClr val="bg1">
-                    <a:lumMod val="95000"/>
-                  </a:schemeClr>
-                </a:solidFill>
-              </a:rPr>
-              <a:t>4. Futher work</a:t>
-            </a:r>
-            <a:endParaRPr lang="en-US" altLang="zh-CN" sz="3600">
-              <a:solidFill>
-                <a:schemeClr val="bg1">
-                  <a:lumMod val="95000"/>
-                </a:schemeClr>
-              </a:solidFill>
-            </a:endParaRPr>
-          </a:p>
-        </p:txBody>
-      </p:sp>
-    </p:spTree>
-  </p:cSld>
-  <p:clrMapOvr>
-    <a:masterClrMapping/>
-  </p:clrMapOvr>
-</p:sld>
-</file>
-
-<file path=ppt/slides/slide3.xml><?xml version="1.0" encoding="utf-8"?>
-<p:sld xmlns:a="http://schemas.openxmlformats.org/drawingml/2006/main" xmlns:r="http://schemas.openxmlformats.org/officeDocument/2006/relationships" xmlns:p="http://schemas.openxmlformats.org/presentationml/2006/main">
-  <p:cSld>
-    <p:bg>
-      <p:bgPr>
-        <a:solidFill>
-          <a:schemeClr val="accent6"/>
-        </a:solidFill>
-        <a:effectLst/>
-      </p:bgPr>
-    </p:bg>
-    <p:spTree>
-      <p:nvGrpSpPr>
-        <p:cNvPr id="1" name=""/>
-        <p:cNvGrpSpPr/>
-        <p:nvPr/>
-      </p:nvGrpSpPr>
-      <p:grpSpPr/>
-      <p:sp>
-        <p:nvSpPr>
-          <p:cNvPr id="6" name="标题 5"/>
-          <p:cNvSpPr>
-            <a:spLocks noGrp="1"/>
-          </p:cNvSpPr>
-          <p:nvPr>
-            <p:ph type="ctrTitle"/>
-          </p:nvPr>
-        </p:nvSpPr>
-        <p:spPr>
-          <a:xfrm>
-            <a:off x="295910" y="703580"/>
-            <a:ext cx="11336655" cy="982980"/>
-          </a:xfrm>
-        </p:spPr>
-        <p:txBody>
-          <a:bodyPr>
-            <a:normAutofit fontScale="90000"/>
-          </a:bodyPr>
-          <a:p>
-            <a:pPr algn="l"/>
-            <a:r>
-              <a:rPr lang="en-US" altLang="zh-CN">
-                <a:solidFill>
-                  <a:schemeClr val="bg1">
-                    <a:alpha val="72000"/>
-                  </a:schemeClr>
-                </a:solidFill>
-              </a:rPr>
-              <a:t>Definition of the task and aim</a:t>
-            </a:r>
-            <a:br>
-              <a:rPr lang="en-US" altLang="zh-CN">
-                <a:solidFill>
-                  <a:schemeClr val="bg1">
-                    <a:alpha val="72000"/>
-                  </a:schemeClr>
-                </a:solidFill>
-              </a:rPr>
-            </a:br>
-            <a:endParaRPr lang="en-US" altLang="zh-CN" sz="4000">
-              <a:solidFill>
-                <a:schemeClr val="bg1">
-                  <a:alpha val="72000"/>
-                </a:schemeClr>
-              </a:solidFill>
-            </a:endParaRPr>
-          </a:p>
-        </p:txBody>
-      </p:sp>
-      <p:cxnSp>
-        <p:nvCxnSpPr>
-          <p:cNvPr id="2" name="直接连接符 1"/>
-          <p:cNvCxnSpPr/>
-          <p:nvPr/>
-        </p:nvCxnSpPr>
-        <p:spPr>
-          <a:xfrm>
-            <a:off x="295910" y="1195070"/>
-            <a:ext cx="2485390" cy="0"/>
-          </a:xfrm>
-          <a:prstGeom prst="line">
-            <a:avLst/>
-          </a:prstGeom>
-          <a:ln w="38100">
-            <a:gradFill>
-              <a:gsLst>
-                <a:gs pos="0">
-                  <a:schemeClr val="accent1">
-                    <a:hueOff val="-4200000"/>
-                    <a:lumMod val="99000"/>
-                    <a:alpha val="61000"/>
-                  </a:schemeClr>
-                </a:gs>
-                <a:gs pos="100000">
-                  <a:schemeClr val="accent1"/>
-                </a:gs>
-              </a:gsLst>
-            </a:gradFill>
-          </a:ln>
-        </p:spPr>
-        <p:style>
-          <a:lnRef idx="0">
-            <a:srgbClr val="FFFFFF"/>
-          </a:lnRef>
-          <a:fillRef idx="0">
-            <a:srgbClr val="FFFFFF"/>
-          </a:fillRef>
-          <a:effectRef idx="0">
-            <a:srgbClr val="FFFFFF"/>
-          </a:effectRef>
-          <a:fontRef idx="minor">
-            <a:schemeClr val="tx1"/>
-          </a:fontRef>
-        </p:style>
-      </p:cxnSp>
-      <p:sp>
-        <p:nvSpPr>
-          <p:cNvPr id="4" name="标题 5"/>
-          <p:cNvSpPr>
-            <a:spLocks noGrp="1"/>
-          </p:cNvSpPr>
-          <p:nvPr/>
-        </p:nvSpPr>
-        <p:spPr>
-          <a:xfrm>
-            <a:off x="173990" y="1343025"/>
-            <a:ext cx="11715115" cy="1012190"/>
-          </a:xfrm>
-          <a:prstGeom prst="rect">
-            <a:avLst/>
-          </a:prstGeom>
-        </p:spPr>
-        <p:txBody>
-          <a:bodyPr vert="horz" lIns="91440" tIns="45720" rIns="91440" bIns="45720" rtlCol="0" anchor="b"/>
-          <a:lstStyle>
-            <a:lvl1pPr algn="ctr" defTabSz="914400" rtl="0" eaLnBrk="1" latinLnBrk="0" hangingPunct="1">
-              <a:lnSpc>
-                <a:spcPct val="90000"/>
-              </a:lnSpc>
-              <a:spcBef>
-                <a:spcPct val="0"/>
-              </a:spcBef>
-              <a:buNone/>
-              <a:defRPr sz="6000" kern="1200">
-                <a:solidFill>
-                  <a:schemeClr val="tx1"/>
-                </a:solidFill>
-                <a:latin typeface="+mj-lt"/>
-                <a:ea typeface="+mj-ea"/>
-                <a:cs typeface="+mj-cs"/>
-              </a:defRPr>
-            </a:lvl1pPr>
-          </a:lstStyle>
-          <a:p>
-            <a:pPr algn="l"/>
-            <a:r>
-              <a:rPr lang="en-US" altLang="zh-CN" sz="3600">
-                <a:solidFill>
-                  <a:schemeClr val="bg1">
-                    <a:lumMod val="95000"/>
-                  </a:schemeClr>
-                </a:solidFill>
-              </a:rPr>
-              <a:t>1. UI in VR </a:t>
-            </a:r>
-            <a:endParaRPr lang="en-US" altLang="zh-CN" sz="3600">
-              <a:solidFill>
-                <a:schemeClr val="bg1">
-                  <a:lumMod val="95000"/>
-                </a:schemeClr>
-              </a:solidFill>
-            </a:endParaRPr>
-          </a:p>
-        </p:txBody>
-      </p:sp>
-      <p:sp>
-        <p:nvSpPr>
-          <p:cNvPr id="13" name="标题 5"/>
-          <p:cNvSpPr>
-            <a:spLocks noGrp="1"/>
-          </p:cNvSpPr>
-          <p:nvPr/>
-        </p:nvSpPr>
-        <p:spPr>
-          <a:xfrm>
-            <a:off x="173990" y="2571750"/>
-            <a:ext cx="11715115" cy="1012190"/>
-          </a:xfrm>
-          <a:prstGeom prst="rect">
-            <a:avLst/>
-          </a:prstGeom>
-        </p:spPr>
-        <p:txBody>
-          <a:bodyPr vert="horz" lIns="91440" tIns="45720" rIns="91440" bIns="45720" rtlCol="0" anchor="b"/>
-          <a:lstStyle>
-            <a:lvl1pPr algn="ctr" defTabSz="914400" rtl="0" eaLnBrk="1" latinLnBrk="0" hangingPunct="1">
-              <a:lnSpc>
-                <a:spcPct val="90000"/>
-              </a:lnSpc>
-              <a:spcBef>
-                <a:spcPct val="0"/>
-              </a:spcBef>
-              <a:buNone/>
-              <a:defRPr sz="6000" kern="1200">
-                <a:solidFill>
-                  <a:schemeClr val="tx1"/>
-                </a:solidFill>
-                <a:latin typeface="+mj-lt"/>
-                <a:ea typeface="+mj-ea"/>
-                <a:cs typeface="+mj-cs"/>
-              </a:defRPr>
-            </a:lvl1pPr>
-          </a:lstStyle>
-          <a:p>
-            <a:pPr algn="l"/>
-            <a:r>
-              <a:rPr lang="en-US" altLang="zh-CN" sz="3600">
-                <a:solidFill>
-                  <a:schemeClr val="bg1">
-                    <a:lumMod val="95000"/>
-                  </a:schemeClr>
-                </a:solidFill>
-              </a:rPr>
-              <a:t>2. Calculate the fields in Unity during program running, or link Python</a:t>
-            </a:r>
-            <a:endParaRPr lang="en-US" altLang="zh-CN" sz="3600">
-              <a:solidFill>
-                <a:schemeClr val="bg1">
-                  <a:lumMod val="95000"/>
-                </a:schemeClr>
-              </a:solidFill>
-            </a:endParaRPr>
-          </a:p>
-        </p:txBody>
-      </p:sp>
-      <p:sp>
-        <p:nvSpPr>
-          <p:cNvPr id="16" name="标题 5"/>
-          <p:cNvSpPr>
-            <a:spLocks noGrp="1"/>
-          </p:cNvSpPr>
-          <p:nvPr/>
-        </p:nvSpPr>
-        <p:spPr>
-          <a:xfrm>
-            <a:off x="173990" y="3495675"/>
-            <a:ext cx="11715115" cy="1012190"/>
-          </a:xfrm>
-          <a:prstGeom prst="rect">
-            <a:avLst/>
-          </a:prstGeom>
-        </p:spPr>
-        <p:txBody>
-          <a:bodyPr vert="horz" lIns="91440" tIns="45720" rIns="91440" bIns="45720" rtlCol="0" anchor="b"/>
-          <a:lstStyle>
-            <a:lvl1pPr algn="ctr" defTabSz="914400" rtl="0" eaLnBrk="1" latinLnBrk="0" hangingPunct="1">
-              <a:lnSpc>
-                <a:spcPct val="90000"/>
-              </a:lnSpc>
-              <a:spcBef>
-                <a:spcPct val="0"/>
-              </a:spcBef>
-              <a:buNone/>
-              <a:defRPr sz="6000" kern="1200">
-                <a:solidFill>
-                  <a:schemeClr val="tx1"/>
-                </a:solidFill>
-                <a:latin typeface="+mj-lt"/>
-                <a:ea typeface="+mj-ea"/>
-                <a:cs typeface="+mj-cs"/>
-              </a:defRPr>
-            </a:lvl1pPr>
-          </a:lstStyle>
-          <a:p>
-            <a:pPr algn="l"/>
-            <a:r>
-              <a:rPr lang="en-US" altLang="zh-CN" sz="3600">
-                <a:solidFill>
-                  <a:schemeClr val="bg1">
-                    <a:lumMod val="95000"/>
-                  </a:schemeClr>
-                </a:solidFill>
-              </a:rPr>
-              <a:t>3. VR rendering in headsets</a:t>
-            </a:r>
-            <a:endParaRPr lang="en-US" altLang="zh-CN" sz="3600">
-              <a:solidFill>
-                <a:schemeClr val="bg1">
-                  <a:lumMod val="95000"/>
-                </a:schemeClr>
-              </a:solidFill>
-            </a:endParaRPr>
-          </a:p>
-        </p:txBody>
-      </p:sp>
-      <p:sp>
-        <p:nvSpPr>
-          <p:cNvPr id="21" name="标题 5"/>
-          <p:cNvSpPr>
-            <a:spLocks noGrp="1"/>
-          </p:cNvSpPr>
-          <p:nvPr/>
-        </p:nvSpPr>
-        <p:spPr>
-          <a:xfrm>
-            <a:off x="106680" y="4507865"/>
-            <a:ext cx="11715115" cy="1012190"/>
-          </a:xfrm>
-          <a:prstGeom prst="rect">
-            <a:avLst/>
-          </a:prstGeom>
-        </p:spPr>
-        <p:txBody>
-          <a:bodyPr vert="horz" lIns="91440" tIns="45720" rIns="91440" bIns="45720" rtlCol="0" anchor="b"/>
-          <a:lstStyle>
-            <a:lvl1pPr algn="ctr" defTabSz="914400" rtl="0" eaLnBrk="1" latinLnBrk="0" hangingPunct="1">
-              <a:lnSpc>
-                <a:spcPct val="90000"/>
-              </a:lnSpc>
-              <a:spcBef>
-                <a:spcPct val="0"/>
-              </a:spcBef>
-              <a:buNone/>
-              <a:defRPr sz="6000" kern="1200">
-                <a:solidFill>
-                  <a:schemeClr val="tx1"/>
-                </a:solidFill>
-                <a:latin typeface="+mj-lt"/>
-                <a:ea typeface="+mj-ea"/>
-                <a:cs typeface="+mj-cs"/>
-              </a:defRPr>
-            </a:lvl1pPr>
-          </a:lstStyle>
-          <a:p>
-            <a:pPr algn="l"/>
-            <a:r>
-              <a:rPr lang="en-US" altLang="zh-CN" sz="3600">
-                <a:solidFill>
-                  <a:schemeClr val="bg1">
-                    <a:lumMod val="95000"/>
-                  </a:schemeClr>
-                </a:solidFill>
-              </a:rPr>
-              <a:t>4. verification of the 360</a:t>
-            </a:r>
-            <a:r>
-              <a:rPr lang="zh-CN" altLang="en-US" sz="3600">
-                <a:solidFill>
-                  <a:schemeClr val="bg1">
-                    <a:lumMod val="95000"/>
-                  </a:schemeClr>
-                </a:solidFill>
-              </a:rPr>
-              <a:t>°</a:t>
-            </a:r>
-            <a:r>
-              <a:rPr lang="en-US" altLang="zh-CN" sz="3600">
-                <a:solidFill>
-                  <a:schemeClr val="bg1">
-                    <a:lumMod val="95000"/>
-                  </a:schemeClr>
-                </a:solidFill>
-              </a:rPr>
-              <a:t> approximation</a:t>
-            </a:r>
-            <a:endParaRPr lang="en-US" altLang="zh-CN" sz="3600">
-              <a:solidFill>
-                <a:schemeClr val="bg1">
-                  <a:lumMod val="95000"/>
-                </a:schemeClr>
-              </a:solidFill>
-            </a:endParaRPr>
-          </a:p>
-        </p:txBody>
-      </p:sp>
-    </p:spTree>
-  </p:cSld>
-  <p:clrMapOvr>
-    <a:masterClrMapping/>
-  </p:clrMapOvr>
-</p:sld>
-</file>
-
-<file path=ppt/slides/slide4.xml><?xml version="1.0" encoding="utf-8"?>
-<p:sld xmlns:a="http://schemas.openxmlformats.org/drawingml/2006/main" xmlns:r="http://schemas.openxmlformats.org/officeDocument/2006/relationships" xmlns:p="http://schemas.openxmlformats.org/presentationml/2006/main">
-  <p:cSld>
-    <p:bg>
-      <p:bgPr>
-        <a:solidFill>
-          <a:schemeClr val="accent6"/>
-        </a:solidFill>
-        <a:effectLst/>
-      </p:bgPr>
-    </p:bg>
-    <p:spTree>
-      <p:nvGrpSpPr>
-        <p:cNvPr id="1" name=""/>
-        <p:cNvGrpSpPr/>
-        <p:nvPr/>
-      </p:nvGrpSpPr>
-      <p:grpSpPr/>
-      <p:sp>
-        <p:nvSpPr>
-          <p:cNvPr id="6" name="标题 5"/>
-          <p:cNvSpPr>
-            <a:spLocks noGrp="1"/>
-          </p:cNvSpPr>
-          <p:nvPr>
-            <p:ph type="ctrTitle"/>
-          </p:nvPr>
-        </p:nvSpPr>
-        <p:spPr>
-          <a:xfrm>
-            <a:off x="295910" y="703580"/>
-            <a:ext cx="11336655" cy="982980"/>
-          </a:xfrm>
-        </p:spPr>
-        <p:txBody>
-          <a:bodyPr>
-            <a:normAutofit fontScale="90000"/>
-          </a:bodyPr>
-          <a:p>
-            <a:pPr algn="l"/>
-            <a:r>
-              <a:rPr lang="en-US" altLang="zh-CN">
-                <a:solidFill>
-                  <a:schemeClr val="bg1">
-                    <a:lumMod val="95000"/>
-                    <a:alpha val="72000"/>
-                  </a:schemeClr>
-                </a:solidFill>
-                <a:sym typeface="+mn-ea"/>
-              </a:rPr>
-              <a:t>What has been achieved</a:t>
-            </a:r>
-            <a:br>
-              <a:rPr lang="en-US" altLang="zh-CN">
-                <a:solidFill>
-                  <a:schemeClr val="bg1">
-                    <a:alpha val="72000"/>
-                  </a:schemeClr>
-                </a:solidFill>
-              </a:rPr>
-            </a:br>
-            <a:endParaRPr lang="en-US" altLang="zh-CN" sz="4000">
-              <a:solidFill>
-                <a:schemeClr val="bg1">
-                  <a:alpha val="72000"/>
-                </a:schemeClr>
-              </a:solidFill>
-            </a:endParaRPr>
-          </a:p>
-        </p:txBody>
-      </p:sp>
-      <p:cxnSp>
-        <p:nvCxnSpPr>
-          <p:cNvPr id="2" name="直接连接符 1"/>
-          <p:cNvCxnSpPr/>
-          <p:nvPr/>
-        </p:nvCxnSpPr>
-        <p:spPr>
-          <a:xfrm>
-            <a:off x="295910" y="1195070"/>
-            <a:ext cx="2485390" cy="0"/>
-          </a:xfrm>
-          <a:prstGeom prst="line">
-            <a:avLst/>
-          </a:prstGeom>
-          <a:ln w="38100">
-            <a:gradFill>
-              <a:gsLst>
-                <a:gs pos="0">
-                  <a:schemeClr val="accent1">
-                    <a:hueOff val="-4200000"/>
-                    <a:lumMod val="99000"/>
-                    <a:alpha val="61000"/>
-                  </a:schemeClr>
-                </a:gs>
-                <a:gs pos="100000">
-                  <a:schemeClr val="accent1"/>
-                </a:gs>
-              </a:gsLst>
-            </a:gradFill>
-          </a:ln>
-        </p:spPr>
-        <p:style>
-          <a:lnRef idx="0">
-            <a:srgbClr val="FFFFFF"/>
-          </a:lnRef>
-          <a:fillRef idx="0">
-            <a:srgbClr val="FFFFFF"/>
-          </a:fillRef>
-          <a:effectRef idx="0">
-            <a:srgbClr val="FFFFFF"/>
-          </a:effectRef>
-          <a:fontRef idx="minor">
-            <a:schemeClr val="tx1"/>
-          </a:fontRef>
-        </p:style>
-      </p:cxnSp>
-      <p:sp>
-        <p:nvSpPr>
-          <p:cNvPr id="4" name="标题 5"/>
-          <p:cNvSpPr>
-            <a:spLocks noGrp="1"/>
-          </p:cNvSpPr>
-          <p:nvPr/>
-        </p:nvSpPr>
-        <p:spPr>
-          <a:xfrm>
-            <a:off x="295910" y="1345565"/>
-            <a:ext cx="10845165" cy="3693795"/>
-          </a:xfrm>
-          <a:prstGeom prst="rect">
-            <a:avLst/>
-          </a:prstGeom>
-        </p:spPr>
-        <p:txBody>
-          <a:bodyPr vert="horz" lIns="91440" tIns="45720" rIns="91440" bIns="45720" rtlCol="0" anchor="b"/>
-          <a:lstStyle>
-            <a:lvl1pPr algn="ctr" defTabSz="914400" rtl="0" eaLnBrk="1" latinLnBrk="0" hangingPunct="1">
-              <a:lnSpc>
-                <a:spcPct val="90000"/>
-              </a:lnSpc>
-              <a:spcBef>
-                <a:spcPct val="0"/>
-              </a:spcBef>
-              <a:buNone/>
-              <a:defRPr sz="6000" kern="1200">
-                <a:solidFill>
-                  <a:schemeClr val="tx1"/>
-                </a:solidFill>
-                <a:latin typeface="+mj-lt"/>
-                <a:ea typeface="+mj-ea"/>
-                <a:cs typeface="+mj-cs"/>
-              </a:defRPr>
-            </a:lvl1pPr>
-          </a:lstStyle>
-          <a:p>
-            <a:pPr algn="l"/>
-            <a:endParaRPr lang="en-US" altLang="zh-CN" sz="3600">
-              <a:solidFill>
-                <a:schemeClr val="bg1">
-                  <a:lumMod val="95000"/>
-                </a:schemeClr>
-              </a:solidFill>
-            </a:endParaRPr>
-          </a:p>
-        </p:txBody>
-      </p:sp>
-      <p:sp>
-        <p:nvSpPr>
-          <p:cNvPr id="3" name="标题 5"/>
-          <p:cNvSpPr>
-            <a:spLocks noGrp="1"/>
-          </p:cNvSpPr>
-          <p:nvPr/>
-        </p:nvSpPr>
-        <p:spPr>
-          <a:xfrm>
-            <a:off x="347345" y="847090"/>
-            <a:ext cx="11337290" cy="5677535"/>
-          </a:xfrm>
-          <a:prstGeom prst="rect">
-            <a:avLst/>
-          </a:prstGeom>
-        </p:spPr>
-        <p:txBody>
-          <a:bodyPr vert="horz" lIns="91440" tIns="45720" rIns="91440" bIns="45720" rtlCol="0" anchor="b"/>
-          <a:lstStyle>
-            <a:lvl1pPr algn="ctr" defTabSz="914400" rtl="0" eaLnBrk="1" latinLnBrk="0" hangingPunct="1">
-              <a:lnSpc>
-                <a:spcPct val="90000"/>
-              </a:lnSpc>
-              <a:spcBef>
-                <a:spcPct val="0"/>
-              </a:spcBef>
-              <a:buNone/>
-              <a:defRPr sz="6000" kern="1200">
-                <a:solidFill>
-                  <a:schemeClr val="tx1"/>
-                </a:solidFill>
-                <a:latin typeface="+mj-lt"/>
-                <a:ea typeface="+mj-ea"/>
-                <a:cs typeface="+mj-cs"/>
-              </a:defRPr>
-            </a:lvl1pPr>
-          </a:lstStyle>
-          <a:p>
-            <a:pPr algn="l"/>
-            <a:r>
-              <a:rPr lang="en-US" altLang="zh-CN" sz="2400">
-                <a:solidFill>
-                  <a:schemeClr val="bg1">
-                    <a:lumMod val="95000"/>
-                  </a:schemeClr>
-                </a:solidFill>
-              </a:rPr>
-              <a:t>Work status and body health: I feel that my body health can be better though washing nose and taking herbs, this time only work before ddl, worked for about 11-13 hours this week, going to improve</a:t>
-            </a:r>
-            <a:r>
-              <a:rPr lang="zh-CN" altLang="en-US" sz="2400">
-                <a:solidFill>
-                  <a:schemeClr val="bg1">
-                    <a:lumMod val="95000"/>
-                  </a:schemeClr>
-                </a:solidFill>
-              </a:rPr>
-              <a:t>💪</a:t>
-            </a:r>
-            <a:r>
-              <a:rPr lang="en-US" altLang="zh-CN" sz="2400">
-                <a:solidFill>
-                  <a:schemeClr val="bg1">
-                    <a:lumMod val="95000"/>
-                  </a:schemeClr>
-                </a:solidFill>
-              </a:rPr>
-              <a:t>,  has been testing medical solutions for long time</a:t>
-            </a:r>
-            <a:endParaRPr lang="zh-CN" altLang="en-US" sz="2400">
-              <a:solidFill>
-                <a:schemeClr val="bg1">
-                  <a:lumMod val="95000"/>
-                </a:schemeClr>
-              </a:solidFill>
-            </a:endParaRPr>
-          </a:p>
-          <a:p>
-            <a:pPr algn="l"/>
-            <a:endParaRPr lang="en-US" altLang="zh-CN" sz="2400">
-              <a:solidFill>
-                <a:schemeClr val="bg1">
-                  <a:lumMod val="95000"/>
-                </a:schemeClr>
-              </a:solidFill>
-            </a:endParaRPr>
-          </a:p>
-          <a:p>
-            <a:pPr algn="l"/>
-            <a:r>
-              <a:rPr lang="en-US" altLang="zh-CN" sz="2400">
-                <a:solidFill>
-                  <a:schemeClr val="bg1">
-                    <a:lumMod val="95000"/>
-                  </a:schemeClr>
-                </a:solidFill>
-              </a:rPr>
-              <a:t>Functions already achieved:</a:t>
-            </a:r>
-            <a:endParaRPr lang="en-US" altLang="zh-CN" sz="2400">
-              <a:solidFill>
-                <a:schemeClr val="bg1">
-                  <a:lumMod val="95000"/>
-                </a:schemeClr>
-              </a:solidFill>
-            </a:endParaRPr>
-          </a:p>
-          <a:p>
-            <a:pPr algn="l"/>
-            <a:r>
-              <a:rPr lang="en-US" altLang="zh-CN" sz="2400">
-                <a:solidFill>
-                  <a:schemeClr val="bg1">
-                    <a:lumMod val="95000"/>
-                  </a:schemeClr>
-                </a:solidFill>
-              </a:rPr>
-              <a:t>1. Calculations of Aperture diffraction in C#, also rendered in 3D texture, the 3D texture can be saved, or rendered multiple times in real time</a:t>
-            </a:r>
-            <a:endParaRPr lang="en-US" altLang="zh-CN" sz="2400">
-              <a:solidFill>
-                <a:schemeClr val="bg1">
-                  <a:lumMod val="95000"/>
-                </a:schemeClr>
-              </a:solidFill>
-            </a:endParaRPr>
-          </a:p>
-          <a:p>
-            <a:pPr algn="l"/>
-            <a:endParaRPr lang="en-US" altLang="zh-CN" sz="2400">
-              <a:solidFill>
-                <a:schemeClr val="bg1">
-                  <a:lumMod val="95000"/>
-                </a:schemeClr>
-              </a:solidFill>
-            </a:endParaRPr>
-          </a:p>
-          <a:p>
-            <a:pPr algn="l"/>
-            <a:r>
-              <a:rPr lang="en-US" altLang="zh-CN" sz="2400">
-                <a:solidFill>
-                  <a:schemeClr val="bg1">
-                    <a:lumMod val="95000"/>
-                  </a:schemeClr>
-                </a:solidFill>
-              </a:rPr>
-              <a:t>2. Clipping plane can also show 2D surface but some bugs existing</a:t>
-            </a:r>
-            <a:endParaRPr lang="en-US" altLang="zh-CN" sz="2400">
-              <a:solidFill>
-                <a:schemeClr val="bg1">
-                  <a:lumMod val="95000"/>
-                </a:schemeClr>
-              </a:solidFill>
-            </a:endParaRPr>
-          </a:p>
-          <a:p>
-            <a:pPr algn="l"/>
-            <a:endParaRPr lang="en-US" altLang="zh-CN" sz="2400">
-              <a:solidFill>
-                <a:schemeClr val="bg1">
-                  <a:lumMod val="95000"/>
-                </a:schemeClr>
-              </a:solidFill>
-            </a:endParaRPr>
-          </a:p>
-          <a:p>
-            <a:pPr algn="l"/>
-            <a:r>
-              <a:rPr lang="en-US" altLang="zh-CN" sz="2400">
-                <a:solidFill>
-                  <a:schemeClr val="bg1">
-                    <a:lumMod val="95000"/>
-                  </a:schemeClr>
-                </a:solidFill>
-              </a:rPr>
-              <a:t>3. render in 2 eyes in VR camera, shader modified, VR streaming in Virtual Desktop wirelessly</a:t>
-            </a:r>
-            <a:endParaRPr lang="en-US" altLang="zh-CN" sz="2400">
-              <a:solidFill>
-                <a:schemeClr val="bg1">
-                  <a:lumMod val="95000"/>
-                </a:schemeClr>
-              </a:solidFill>
-            </a:endParaRPr>
-          </a:p>
-          <a:p>
-            <a:pPr algn="l"/>
-            <a:endParaRPr lang="en-US" altLang="zh-CN" sz="2400">
-              <a:solidFill>
-                <a:schemeClr val="bg1">
-                  <a:lumMod val="95000"/>
-                </a:schemeClr>
-              </a:solidFill>
-            </a:endParaRPr>
-          </a:p>
-          <a:p>
-            <a:pPr algn="l"/>
-            <a:r>
-              <a:rPr lang="en-US" altLang="zh-CN" sz="2400">
-                <a:solidFill>
-                  <a:schemeClr val="bg1">
-                    <a:lumMod val="95000"/>
-                  </a:schemeClr>
-                </a:solidFill>
-              </a:rPr>
-              <a:t>4. UI creating, but it has shader problem, canvas created but not linked with XR interactions yet </a:t>
-            </a:r>
-            <a:endParaRPr lang="en-US" altLang="zh-CN" sz="2400">
-              <a:solidFill>
-                <a:schemeClr val="bg1">
-                  <a:lumMod val="95000"/>
-                </a:schemeClr>
-              </a:solidFill>
-            </a:endParaRPr>
-          </a:p>
-        </p:txBody>
-      </p:sp>
-      <p:sp>
-        <p:nvSpPr>
-          <p:cNvPr id="7" name="标题 5"/>
-          <p:cNvSpPr>
-            <a:spLocks noGrp="1"/>
-          </p:cNvSpPr>
-          <p:nvPr/>
-        </p:nvSpPr>
-        <p:spPr>
-          <a:xfrm>
-            <a:off x="347345" y="81280"/>
-            <a:ext cx="11012170" cy="5460365"/>
-          </a:xfrm>
-          <a:prstGeom prst="rect">
-            <a:avLst/>
-          </a:prstGeom>
-        </p:spPr>
-        <p:txBody>
-          <a:bodyPr vert="horz" lIns="91440" tIns="45720" rIns="91440" bIns="45720" rtlCol="0" anchor="b"/>
-          <a:lstStyle>
-            <a:lvl1pPr algn="ctr" defTabSz="914400" rtl="0" eaLnBrk="1" latinLnBrk="0" hangingPunct="1">
-              <a:lnSpc>
-                <a:spcPct val="90000"/>
-              </a:lnSpc>
-              <a:spcBef>
-                <a:spcPct val="0"/>
-              </a:spcBef>
-              <a:buNone/>
-              <a:defRPr sz="6000" kern="1200">
-                <a:solidFill>
-                  <a:schemeClr val="tx1"/>
-                </a:solidFill>
-                <a:latin typeface="+mj-lt"/>
-                <a:ea typeface="+mj-ea"/>
-                <a:cs typeface="+mj-cs"/>
-              </a:defRPr>
-            </a:lvl1pPr>
-          </a:lstStyle>
-          <a:p>
-            <a:pPr algn="l"/>
-            <a:endParaRPr lang="en-US" altLang="zh-CN" sz="2800">
-              <a:solidFill>
-                <a:schemeClr val="bg1">
-                  <a:lumMod val="95000"/>
-                </a:schemeClr>
-              </a:solidFill>
-            </a:endParaRPr>
-          </a:p>
-        </p:txBody>
-      </p:sp>
-    </p:spTree>
-  </p:cSld>
-  <p:clrMapOvr>
-    <a:masterClrMapping/>
-  </p:clrMapOvr>
-</p:sld>
-</file>
-
-<file path=ppt/slides/slide5.xml><?xml version="1.0" encoding="utf-8"?>
-<p:sld xmlns:a="http://schemas.openxmlformats.org/drawingml/2006/main" xmlns:r="http://schemas.openxmlformats.org/officeDocument/2006/relationships" xmlns:p="http://schemas.openxmlformats.org/presentationml/2006/main">
-  <p:cSld>
-    <p:bg>
-      <p:bgPr>
-        <a:solidFill>
-          <a:schemeClr val="accent6"/>
-        </a:solidFill>
-        <a:effectLst/>
-      </p:bgPr>
-    </p:bg>
-    <p:spTree>
-      <p:nvGrpSpPr>
-        <p:cNvPr id="1" name=""/>
-        <p:cNvGrpSpPr/>
-        <p:nvPr/>
-      </p:nvGrpSpPr>
-      <p:grpSpPr/>
-      <p:sp>
-        <p:nvSpPr>
-          <p:cNvPr id="6" name="标题 5"/>
-          <p:cNvSpPr>
-            <a:spLocks noGrp="1"/>
-          </p:cNvSpPr>
-          <p:nvPr>
-            <p:ph type="ctrTitle"/>
-          </p:nvPr>
-        </p:nvSpPr>
-        <p:spPr>
-          <a:xfrm>
-            <a:off x="295910" y="703580"/>
-            <a:ext cx="11336655" cy="982980"/>
-          </a:xfrm>
-        </p:spPr>
-        <p:txBody>
-          <a:bodyPr>
-            <a:normAutofit fontScale="90000"/>
-          </a:bodyPr>
-          <a:p>
-            <a:pPr algn="l"/>
-            <a:r>
-              <a:rPr lang="en-US" altLang="zh-CN">
-                <a:solidFill>
-                  <a:schemeClr val="bg1">
-                    <a:lumMod val="95000"/>
-                    <a:alpha val="72000"/>
-                  </a:schemeClr>
-                </a:solidFill>
-                <a:sym typeface="+mn-ea"/>
-              </a:rPr>
-              <a:t>What has been achieved</a:t>
-            </a:r>
-            <a:br>
-              <a:rPr lang="en-US" altLang="zh-CN">
-                <a:solidFill>
-                  <a:schemeClr val="bg1">
-                    <a:alpha val="72000"/>
-                  </a:schemeClr>
-                </a:solidFill>
-              </a:rPr>
-            </a:br>
-            <a:endParaRPr lang="en-US" altLang="zh-CN" sz="4000">
-              <a:solidFill>
-                <a:schemeClr val="bg1">
-                  <a:alpha val="72000"/>
-                </a:schemeClr>
-              </a:solidFill>
-            </a:endParaRPr>
-          </a:p>
-        </p:txBody>
-      </p:sp>
-      <p:cxnSp>
-        <p:nvCxnSpPr>
-          <p:cNvPr id="2" name="直接连接符 1"/>
-          <p:cNvCxnSpPr/>
-          <p:nvPr/>
-        </p:nvCxnSpPr>
-        <p:spPr>
-          <a:xfrm>
-            <a:off x="295910" y="1195070"/>
-            <a:ext cx="2485390" cy="0"/>
-          </a:xfrm>
-          <a:prstGeom prst="line">
-            <a:avLst/>
-          </a:prstGeom>
-          <a:ln w="38100">
-            <a:gradFill>
-              <a:gsLst>
-                <a:gs pos="0">
-                  <a:schemeClr val="accent1">
-                    <a:hueOff val="-4200000"/>
-                    <a:lumMod val="99000"/>
-                    <a:alpha val="61000"/>
-                  </a:schemeClr>
-                </a:gs>
-                <a:gs pos="100000">
-                  <a:schemeClr val="accent1"/>
-                </a:gs>
-              </a:gsLst>
-            </a:gradFill>
-          </a:ln>
-        </p:spPr>
-        <p:style>
-          <a:lnRef idx="0">
-            <a:srgbClr val="FFFFFF"/>
-          </a:lnRef>
-          <a:fillRef idx="0">
-            <a:srgbClr val="FFFFFF"/>
-          </a:fillRef>
-          <a:effectRef idx="0">
-            <a:srgbClr val="FFFFFF"/>
-          </a:effectRef>
-          <a:fontRef idx="minor">
-            <a:schemeClr val="tx1"/>
-          </a:fontRef>
-        </p:style>
-      </p:cxnSp>
-      <p:sp>
-        <p:nvSpPr>
-          <p:cNvPr id="4" name="标题 5"/>
-          <p:cNvSpPr>
-            <a:spLocks noGrp="1"/>
-          </p:cNvSpPr>
-          <p:nvPr/>
-        </p:nvSpPr>
-        <p:spPr>
-          <a:xfrm>
-            <a:off x="295910" y="1345565"/>
-            <a:ext cx="10845165" cy="3693795"/>
-          </a:xfrm>
-          <a:prstGeom prst="rect">
-            <a:avLst/>
-          </a:prstGeom>
-        </p:spPr>
-        <p:txBody>
-          <a:bodyPr vert="horz" lIns="91440" tIns="45720" rIns="91440" bIns="45720" rtlCol="0" anchor="b"/>
-          <a:lstStyle>
-            <a:lvl1pPr algn="ctr" defTabSz="914400" rtl="0" eaLnBrk="1" latinLnBrk="0" hangingPunct="1">
-              <a:lnSpc>
-                <a:spcPct val="90000"/>
-              </a:lnSpc>
-              <a:spcBef>
-                <a:spcPct val="0"/>
-              </a:spcBef>
-              <a:buNone/>
-              <a:defRPr sz="6000" kern="1200">
-                <a:solidFill>
-                  <a:schemeClr val="tx1"/>
-                </a:solidFill>
-                <a:latin typeface="+mj-lt"/>
-                <a:ea typeface="+mj-ea"/>
-                <a:cs typeface="+mj-cs"/>
-              </a:defRPr>
-            </a:lvl1pPr>
-          </a:lstStyle>
-          <a:p>
-            <a:pPr algn="l"/>
-            <a:endParaRPr lang="en-US" altLang="zh-CN" sz="3600">
-              <a:solidFill>
-                <a:schemeClr val="bg1">
-                  <a:lumMod val="95000"/>
-                </a:schemeClr>
-              </a:solidFill>
-            </a:endParaRPr>
-          </a:p>
-        </p:txBody>
-      </p:sp>
-      <p:sp>
-        <p:nvSpPr>
-          <p:cNvPr id="3" name="标题 5"/>
-          <p:cNvSpPr>
-            <a:spLocks noGrp="1"/>
-          </p:cNvSpPr>
-          <p:nvPr/>
-        </p:nvSpPr>
-        <p:spPr>
-          <a:xfrm>
-            <a:off x="295910" y="998855"/>
-            <a:ext cx="11400790" cy="1694815"/>
-          </a:xfrm>
-          <a:prstGeom prst="rect">
-            <a:avLst/>
-          </a:prstGeom>
-        </p:spPr>
-        <p:txBody>
-          <a:bodyPr vert="horz" lIns="91440" tIns="45720" rIns="91440" bIns="45720" rtlCol="0" anchor="b"/>
-          <a:lstStyle>
-            <a:lvl1pPr algn="ctr" defTabSz="914400" rtl="0" eaLnBrk="1" latinLnBrk="0" hangingPunct="1">
-              <a:lnSpc>
-                <a:spcPct val="90000"/>
-              </a:lnSpc>
-              <a:spcBef>
-                <a:spcPct val="0"/>
-              </a:spcBef>
-              <a:buNone/>
-              <a:defRPr sz="6000" kern="1200">
-                <a:solidFill>
-                  <a:schemeClr val="tx1"/>
-                </a:solidFill>
-                <a:latin typeface="+mj-lt"/>
-                <a:ea typeface="+mj-ea"/>
-                <a:cs typeface="+mj-cs"/>
-              </a:defRPr>
-            </a:lvl1pPr>
-          </a:lstStyle>
-          <a:p>
-            <a:pPr algn="l"/>
-            <a:r>
-              <a:rPr lang="en-US" sz="2800">
-                <a:solidFill>
-                  <a:schemeClr val="bg1">
-                    <a:lumMod val="95000"/>
-                  </a:schemeClr>
-                </a:solidFill>
-              </a:rPr>
-              <a:t>Streaming with Virtual Desktop, an alternative way, try quest link later,</a:t>
-            </a:r>
-            <a:endParaRPr lang="en-US" sz="2800">
-              <a:solidFill>
-                <a:schemeClr val="bg1">
-                  <a:lumMod val="95000"/>
-                </a:schemeClr>
-              </a:solidFill>
-            </a:endParaRPr>
-          </a:p>
-          <a:p>
-            <a:pPr algn="l"/>
-            <a:r>
-              <a:rPr lang="en-US" sz="2800">
-                <a:solidFill>
-                  <a:schemeClr val="bg1">
-                    <a:lumMod val="95000"/>
-                  </a:schemeClr>
-                </a:solidFill>
-              </a:rPr>
-              <a:t> ≈15€ software, long time ago, streaming result estimated = quest link based on experience during lecture</a:t>
-            </a:r>
-            <a:endParaRPr lang="en-US" altLang="zh-CN" sz="2800">
-              <a:solidFill>
-                <a:schemeClr val="bg1">
-                  <a:lumMod val="95000"/>
-                </a:schemeClr>
-              </a:solidFill>
-            </a:endParaRPr>
-          </a:p>
-        </p:txBody>
-      </p:sp>
-      <p:sp>
-        <p:nvSpPr>
-          <p:cNvPr id="7" name="标题 5"/>
-          <p:cNvSpPr>
-            <a:spLocks noGrp="1"/>
-          </p:cNvSpPr>
-          <p:nvPr/>
-        </p:nvSpPr>
-        <p:spPr>
-          <a:xfrm>
-            <a:off x="347345" y="81280"/>
-            <a:ext cx="11012170" cy="5460365"/>
-          </a:xfrm>
-          <a:prstGeom prst="rect">
-            <a:avLst/>
-          </a:prstGeom>
-        </p:spPr>
-        <p:txBody>
-          <a:bodyPr vert="horz" lIns="91440" tIns="45720" rIns="91440" bIns="45720" rtlCol="0" anchor="b"/>
-          <a:lstStyle>
-            <a:lvl1pPr algn="ctr" defTabSz="914400" rtl="0" eaLnBrk="1" latinLnBrk="0" hangingPunct="1">
-              <a:lnSpc>
-                <a:spcPct val="90000"/>
-              </a:lnSpc>
-              <a:spcBef>
-                <a:spcPct val="0"/>
-              </a:spcBef>
-              <a:buNone/>
-              <a:defRPr sz="6000" kern="1200">
-                <a:solidFill>
-                  <a:schemeClr val="tx1"/>
-                </a:solidFill>
-                <a:latin typeface="+mj-lt"/>
-                <a:ea typeface="+mj-ea"/>
-                <a:cs typeface="+mj-cs"/>
-              </a:defRPr>
-            </a:lvl1pPr>
-          </a:lstStyle>
-          <a:p>
-            <a:pPr algn="l"/>
-            <a:endParaRPr lang="en-US" altLang="zh-CN" sz="2800">
-              <a:solidFill>
-                <a:schemeClr val="bg1">
-                  <a:lumMod val="95000"/>
-                </a:schemeClr>
-              </a:solidFill>
-            </a:endParaRPr>
-          </a:p>
-        </p:txBody>
-      </p:sp>
-      <p:pic>
-        <p:nvPicPr>
-          <p:cNvPr id="5" name="图片 4"/>
-          <p:cNvPicPr>
-            <a:picLocks noChangeAspect="1"/>
-          </p:cNvPicPr>
-          <p:nvPr/>
-        </p:nvPicPr>
-        <p:blipFill>
-          <a:blip r:embed="rId1"/>
-          <a:stretch>
-            <a:fillRect/>
-          </a:stretch>
-        </p:blipFill>
-        <p:spPr>
-          <a:xfrm>
-            <a:off x="347345" y="3061335"/>
-            <a:ext cx="4556760" cy="3298825"/>
-          </a:xfrm>
-          <a:prstGeom prst="rect">
-            <a:avLst/>
-          </a:prstGeom>
-        </p:spPr>
-      </p:pic>
-      <p:pic>
-        <p:nvPicPr>
-          <p:cNvPr id="9" name="图片 8"/>
-          <p:cNvPicPr>
-            <a:picLocks noChangeAspect="1"/>
-          </p:cNvPicPr>
-          <p:nvPr/>
-        </p:nvPicPr>
-        <p:blipFill>
-          <a:blip r:embed="rId2"/>
-          <a:stretch>
-            <a:fillRect/>
-          </a:stretch>
-        </p:blipFill>
-        <p:spPr>
-          <a:xfrm>
-            <a:off x="5374005" y="3320415"/>
-            <a:ext cx="6518275" cy="2780665"/>
-          </a:xfrm>
-          <a:prstGeom prst="rect">
-            <a:avLst/>
-          </a:prstGeom>
-        </p:spPr>
-      </p:pic>
-    </p:spTree>
-  </p:cSld>
-  <p:clrMapOvr>
-    <a:masterClrMapping/>
-  </p:clrMapOvr>
-</p:sld>
-</file>
-
-<file path=ppt/slides/slide6.xml><?xml version="1.0" encoding="utf-8"?>
-<p:sld xmlns:a="http://schemas.openxmlformats.org/drawingml/2006/main" xmlns:r="http://schemas.openxmlformats.org/officeDocument/2006/relationships" xmlns:p="http://schemas.openxmlformats.org/presentationml/2006/main">
-  <p:cSld>
-    <p:bg>
-      <p:bgPr>
-        <a:solidFill>
-          <a:schemeClr val="accent6"/>
-        </a:solidFill>
-        <a:effectLst/>
-      </p:bgPr>
-    </p:bg>
-    <p:spTree>
-      <p:nvGrpSpPr>
-        <p:cNvPr id="1" name=""/>
-        <p:cNvGrpSpPr/>
-        <p:nvPr/>
-      </p:nvGrpSpPr>
-      <p:grpSpPr/>
-      <p:sp>
-        <p:nvSpPr>
-          <p:cNvPr id="6" name="标题 5"/>
-          <p:cNvSpPr>
-            <a:spLocks noGrp="1"/>
-          </p:cNvSpPr>
-          <p:nvPr>
-            <p:ph type="ctrTitle"/>
-          </p:nvPr>
-        </p:nvSpPr>
-        <p:spPr>
-          <a:xfrm>
-            <a:off x="295910" y="703580"/>
-            <a:ext cx="11336655" cy="982980"/>
-          </a:xfrm>
-        </p:spPr>
-        <p:txBody>
-          <a:bodyPr>
-            <a:normAutofit fontScale="90000"/>
-          </a:bodyPr>
-          <a:p>
-            <a:pPr algn="l"/>
-            <a:r>
-              <a:rPr lang="en-US" altLang="zh-CN">
-                <a:solidFill>
-                  <a:schemeClr val="bg1">
-                    <a:lumMod val="95000"/>
-                    <a:alpha val="72000"/>
-                  </a:schemeClr>
-                </a:solidFill>
-                <a:sym typeface="+mn-ea"/>
-              </a:rPr>
-              <a:t>What has been achieved</a:t>
-            </a:r>
-            <a:br>
-              <a:rPr lang="en-US" altLang="zh-CN">
-                <a:solidFill>
-                  <a:schemeClr val="bg1">
-                    <a:alpha val="72000"/>
-                  </a:schemeClr>
-                </a:solidFill>
-              </a:rPr>
-            </a:br>
-            <a:endParaRPr lang="en-US" altLang="zh-CN" sz="4000">
-              <a:solidFill>
-                <a:schemeClr val="bg1">
-                  <a:alpha val="72000"/>
-                </a:schemeClr>
-              </a:solidFill>
-            </a:endParaRPr>
-          </a:p>
-        </p:txBody>
-      </p:sp>
-      <p:cxnSp>
-        <p:nvCxnSpPr>
-          <p:cNvPr id="2" name="直接连接符 1"/>
-          <p:cNvCxnSpPr/>
-          <p:nvPr/>
-        </p:nvCxnSpPr>
-        <p:spPr>
-          <a:xfrm>
-            <a:off x="295910" y="1195070"/>
-            <a:ext cx="2485390" cy="0"/>
-          </a:xfrm>
-          <a:prstGeom prst="line">
-            <a:avLst/>
-          </a:prstGeom>
-          <a:ln w="38100">
-            <a:gradFill>
-              <a:gsLst>
-                <a:gs pos="0">
-                  <a:schemeClr val="accent1">
-                    <a:hueOff val="-4200000"/>
-                    <a:lumMod val="99000"/>
-                    <a:alpha val="61000"/>
-                  </a:schemeClr>
-                </a:gs>
-                <a:gs pos="100000">
-                  <a:schemeClr val="accent1"/>
-                </a:gs>
-              </a:gsLst>
-            </a:gradFill>
-          </a:ln>
-        </p:spPr>
-        <p:style>
-          <a:lnRef idx="0">
-            <a:srgbClr val="FFFFFF"/>
-          </a:lnRef>
-          <a:fillRef idx="0">
-            <a:srgbClr val="FFFFFF"/>
-          </a:fillRef>
-          <a:effectRef idx="0">
-            <a:srgbClr val="FFFFFF"/>
-          </a:effectRef>
-          <a:fontRef idx="minor">
-            <a:schemeClr val="tx1"/>
-          </a:fontRef>
-        </p:style>
-      </p:cxnSp>
-      <p:sp>
-        <p:nvSpPr>
-          <p:cNvPr id="4" name="标题 5"/>
-          <p:cNvSpPr>
-            <a:spLocks noGrp="1"/>
-          </p:cNvSpPr>
-          <p:nvPr/>
-        </p:nvSpPr>
-        <p:spPr>
-          <a:xfrm>
-            <a:off x="295910" y="1345565"/>
-            <a:ext cx="10845165" cy="3693795"/>
-          </a:xfrm>
-          <a:prstGeom prst="rect">
-            <a:avLst/>
-          </a:prstGeom>
-        </p:spPr>
-        <p:txBody>
-          <a:bodyPr vert="horz" lIns="91440" tIns="45720" rIns="91440" bIns="45720" rtlCol="0" anchor="b"/>
-          <a:lstStyle>
-            <a:lvl1pPr algn="ctr" defTabSz="914400" rtl="0" eaLnBrk="1" latinLnBrk="0" hangingPunct="1">
-              <a:lnSpc>
-                <a:spcPct val="90000"/>
-              </a:lnSpc>
-              <a:spcBef>
-                <a:spcPct val="0"/>
-              </a:spcBef>
-              <a:buNone/>
-              <a:defRPr sz="6000" kern="1200">
-                <a:solidFill>
-                  <a:schemeClr val="tx1"/>
-                </a:solidFill>
-                <a:latin typeface="+mj-lt"/>
-                <a:ea typeface="+mj-ea"/>
-                <a:cs typeface="+mj-cs"/>
-              </a:defRPr>
-            </a:lvl1pPr>
-          </a:lstStyle>
-          <a:p>
-            <a:pPr algn="l"/>
-            <a:endParaRPr lang="en-US" altLang="zh-CN" sz="3600">
-              <a:solidFill>
-                <a:schemeClr val="bg1">
-                  <a:lumMod val="95000"/>
-                </a:schemeClr>
-              </a:solidFill>
-            </a:endParaRPr>
-          </a:p>
-        </p:txBody>
-      </p:sp>
-      <p:sp>
-        <p:nvSpPr>
-          <p:cNvPr id="3" name="标题 5"/>
-          <p:cNvSpPr>
-            <a:spLocks noGrp="1"/>
-          </p:cNvSpPr>
-          <p:nvPr/>
-        </p:nvSpPr>
-        <p:spPr>
-          <a:xfrm>
-            <a:off x="347345" y="1252220"/>
-            <a:ext cx="11400790" cy="871220"/>
-          </a:xfrm>
-          <a:prstGeom prst="rect">
-            <a:avLst/>
-          </a:prstGeom>
-        </p:spPr>
-        <p:txBody>
-          <a:bodyPr vert="horz" lIns="91440" tIns="45720" rIns="91440" bIns="45720" rtlCol="0" anchor="b"/>
-          <a:lstStyle>
-            <a:lvl1pPr algn="ctr" defTabSz="914400" rtl="0" eaLnBrk="1" latinLnBrk="0" hangingPunct="1">
-              <a:lnSpc>
-                <a:spcPct val="90000"/>
-              </a:lnSpc>
-              <a:spcBef>
-                <a:spcPct val="0"/>
-              </a:spcBef>
-              <a:buNone/>
-              <a:defRPr sz="6000" kern="1200">
-                <a:solidFill>
-                  <a:schemeClr val="tx1"/>
-                </a:solidFill>
-                <a:latin typeface="+mj-lt"/>
-                <a:ea typeface="+mj-ea"/>
-                <a:cs typeface="+mj-cs"/>
-              </a:defRPr>
-            </a:lvl1pPr>
-          </a:lstStyle>
-          <a:p>
-            <a:pPr algn="l"/>
-            <a:r>
-              <a:rPr lang="en-US" sz="2800">
-                <a:solidFill>
-                  <a:schemeClr val="bg1">
-                    <a:lumMod val="95000"/>
-                  </a:schemeClr>
-                </a:solidFill>
-              </a:rPr>
-              <a:t>Rendering in stereo mode(2 eyes) + steering of the user + network(enter the lobby as HMD)</a:t>
-            </a:r>
-            <a:endParaRPr lang="en-US" sz="2800">
-              <a:solidFill>
-                <a:schemeClr val="bg1">
-                  <a:lumMod val="95000"/>
-                </a:schemeClr>
-              </a:solidFill>
-            </a:endParaRPr>
-          </a:p>
-        </p:txBody>
-      </p:sp>
-      <p:sp>
-        <p:nvSpPr>
-          <p:cNvPr id="7" name="标题 5"/>
-          <p:cNvSpPr>
-            <a:spLocks noGrp="1"/>
-          </p:cNvSpPr>
-          <p:nvPr/>
-        </p:nvSpPr>
-        <p:spPr>
-          <a:xfrm>
-            <a:off x="347345" y="81280"/>
-            <a:ext cx="11012170" cy="5460365"/>
-          </a:xfrm>
-          <a:prstGeom prst="rect">
-            <a:avLst/>
-          </a:prstGeom>
-        </p:spPr>
-        <p:txBody>
-          <a:bodyPr vert="horz" lIns="91440" tIns="45720" rIns="91440" bIns="45720" rtlCol="0" anchor="b"/>
-          <a:lstStyle>
-            <a:lvl1pPr algn="ctr" defTabSz="914400" rtl="0" eaLnBrk="1" latinLnBrk="0" hangingPunct="1">
-              <a:lnSpc>
-                <a:spcPct val="90000"/>
-              </a:lnSpc>
-              <a:spcBef>
-                <a:spcPct val="0"/>
-              </a:spcBef>
-              <a:buNone/>
-              <a:defRPr sz="6000" kern="1200">
-                <a:solidFill>
-                  <a:schemeClr val="tx1"/>
-                </a:solidFill>
-                <a:latin typeface="+mj-lt"/>
-                <a:ea typeface="+mj-ea"/>
-                <a:cs typeface="+mj-cs"/>
-              </a:defRPr>
-            </a:lvl1pPr>
-          </a:lstStyle>
-          <a:p>
-            <a:pPr algn="l"/>
-            <a:endParaRPr lang="en-US" altLang="zh-CN" sz="2800">
-              <a:solidFill>
-                <a:schemeClr val="bg1">
-                  <a:lumMod val="95000"/>
-                </a:schemeClr>
-              </a:solidFill>
-            </a:endParaRPr>
-          </a:p>
-        </p:txBody>
-      </p:sp>
-      <p:pic>
-        <p:nvPicPr>
-          <p:cNvPr id="8" name="图片 7"/>
-          <p:cNvPicPr>
-            <a:picLocks noChangeAspect="1"/>
-          </p:cNvPicPr>
-          <p:nvPr/>
-        </p:nvPicPr>
-        <p:blipFill>
-          <a:blip r:embed="rId1"/>
-          <a:stretch>
-            <a:fillRect/>
-          </a:stretch>
-        </p:blipFill>
-        <p:spPr>
-          <a:xfrm>
-            <a:off x="295910" y="2340610"/>
-            <a:ext cx="4634230" cy="3878580"/>
-          </a:xfrm>
-          <a:prstGeom prst="rect">
-            <a:avLst/>
-          </a:prstGeom>
-        </p:spPr>
-      </p:pic>
-      <p:pic>
-        <p:nvPicPr>
-          <p:cNvPr id="9" name="图片 8"/>
-          <p:cNvPicPr>
-            <a:picLocks noChangeAspect="1"/>
-          </p:cNvPicPr>
-          <p:nvPr/>
-        </p:nvPicPr>
-        <p:blipFill>
-          <a:blip r:embed="rId2"/>
-          <a:stretch>
-            <a:fillRect/>
-          </a:stretch>
-        </p:blipFill>
-        <p:spPr>
-          <a:xfrm>
-            <a:off x="5165725" y="2553335"/>
-            <a:ext cx="7026275" cy="3337560"/>
-          </a:xfrm>
-          <a:prstGeom prst="rect">
-            <a:avLst/>
-          </a:prstGeom>
-        </p:spPr>
-      </p:pic>
-    </p:spTree>
-  </p:cSld>
-  <p:clrMapOvr>
-    <a:masterClrMapping/>
-  </p:clrMapOvr>
-</p:sld>
-</file>
-
-<file path=ppt/slides/slide7.xml><?xml version="1.0" encoding="utf-8"?>
-<p:sld xmlns:a="http://schemas.openxmlformats.org/drawingml/2006/main" xmlns:r="http://schemas.openxmlformats.org/officeDocument/2006/relationships" xmlns:p="http://schemas.openxmlformats.org/presentationml/2006/main">
-  <p:cSld>
-    <p:bg>
-      <p:bgPr>
-        <a:solidFill>
-          <a:schemeClr val="accent6"/>
-        </a:solidFill>
-        <a:effectLst/>
-      </p:bgPr>
-    </p:bg>
-    <p:spTree>
-      <p:nvGrpSpPr>
-        <p:cNvPr id="1" name=""/>
-        <p:cNvGrpSpPr/>
-        <p:nvPr/>
-      </p:nvGrpSpPr>
-      <p:grpSpPr/>
-      <p:sp>
-        <p:nvSpPr>
-          <p:cNvPr id="6" name="标题 5"/>
-          <p:cNvSpPr>
-            <a:spLocks noGrp="1"/>
-          </p:cNvSpPr>
-          <p:nvPr>
-            <p:ph type="ctrTitle"/>
-          </p:nvPr>
-        </p:nvSpPr>
-        <p:spPr>
-          <a:xfrm>
-            <a:off x="295910" y="703580"/>
-            <a:ext cx="11336655" cy="982980"/>
-          </a:xfrm>
-        </p:spPr>
-        <p:txBody>
-          <a:bodyPr>
-            <a:normAutofit fontScale="90000"/>
-          </a:bodyPr>
-          <a:p>
-            <a:pPr algn="l"/>
-            <a:r>
-              <a:rPr lang="en-US" altLang="zh-CN">
-                <a:solidFill>
-                  <a:schemeClr val="bg1">
-                    <a:lumMod val="95000"/>
-                    <a:alpha val="72000"/>
-                  </a:schemeClr>
-                </a:solidFill>
-                <a:sym typeface="+mn-ea"/>
-              </a:rPr>
-              <a:t>What has been achieved</a:t>
-            </a:r>
-            <a:br>
-              <a:rPr lang="en-US" altLang="zh-CN">
-                <a:solidFill>
-                  <a:schemeClr val="bg1">
-                    <a:alpha val="72000"/>
-                  </a:schemeClr>
-                </a:solidFill>
-              </a:rPr>
-            </a:br>
-            <a:endParaRPr lang="en-US" altLang="zh-CN" sz="4000">
-              <a:solidFill>
-                <a:schemeClr val="bg1">
-                  <a:alpha val="72000"/>
-                </a:schemeClr>
-              </a:solidFill>
-            </a:endParaRPr>
-          </a:p>
-        </p:txBody>
-      </p:sp>
-      <p:cxnSp>
-        <p:nvCxnSpPr>
-          <p:cNvPr id="2" name="直接连接符 1"/>
-          <p:cNvCxnSpPr/>
-          <p:nvPr/>
-        </p:nvCxnSpPr>
-        <p:spPr>
-          <a:xfrm>
-            <a:off x="295910" y="1195070"/>
-            <a:ext cx="2485390" cy="0"/>
-          </a:xfrm>
-          <a:prstGeom prst="line">
-            <a:avLst/>
-          </a:prstGeom>
-          <a:ln w="38100">
-            <a:gradFill>
-              <a:gsLst>
-                <a:gs pos="0">
-                  <a:schemeClr val="accent1">
-                    <a:hueOff val="-4200000"/>
-                    <a:lumMod val="99000"/>
-                    <a:alpha val="61000"/>
-                  </a:schemeClr>
-                </a:gs>
-                <a:gs pos="100000">
-                  <a:schemeClr val="accent1"/>
-                </a:gs>
-              </a:gsLst>
-            </a:gradFill>
-          </a:ln>
-        </p:spPr>
-        <p:style>
-          <a:lnRef idx="0">
-            <a:srgbClr val="FFFFFF"/>
-          </a:lnRef>
-          <a:fillRef idx="0">
-            <a:srgbClr val="FFFFFF"/>
-          </a:fillRef>
-          <a:effectRef idx="0">
-            <a:srgbClr val="FFFFFF"/>
-          </a:effectRef>
-          <a:fontRef idx="minor">
-            <a:schemeClr val="tx1"/>
-          </a:fontRef>
-        </p:style>
-      </p:cxnSp>
-      <p:sp>
-        <p:nvSpPr>
-          <p:cNvPr id="4" name="标题 5"/>
-          <p:cNvSpPr>
-            <a:spLocks noGrp="1"/>
-          </p:cNvSpPr>
-          <p:nvPr/>
-        </p:nvSpPr>
-        <p:spPr>
-          <a:xfrm>
-            <a:off x="499110" y="1345565"/>
-            <a:ext cx="8264525" cy="3693795"/>
-          </a:xfrm>
-          <a:prstGeom prst="rect">
-            <a:avLst/>
-          </a:prstGeom>
-        </p:spPr>
-        <p:txBody>
-          <a:bodyPr vert="horz" lIns="91440" tIns="45720" rIns="91440" bIns="45720" rtlCol="0" anchor="b"/>
-          <a:lstStyle>
-            <a:lvl1pPr algn="ctr" defTabSz="914400" rtl="0" eaLnBrk="1" latinLnBrk="0" hangingPunct="1">
-              <a:lnSpc>
-                <a:spcPct val="90000"/>
-              </a:lnSpc>
-              <a:spcBef>
-                <a:spcPct val="0"/>
-              </a:spcBef>
-              <a:buNone/>
-              <a:defRPr sz="6000" kern="1200">
-                <a:solidFill>
-                  <a:schemeClr val="tx1"/>
-                </a:solidFill>
-                <a:latin typeface="+mj-lt"/>
-                <a:ea typeface="+mj-ea"/>
-                <a:cs typeface="+mj-cs"/>
-              </a:defRPr>
-            </a:lvl1pPr>
-          </a:lstStyle>
-          <a:p>
-            <a:pPr algn="l"/>
-            <a:endParaRPr lang="en-US" altLang="zh-CN" sz="3600">
-              <a:solidFill>
-                <a:schemeClr val="bg1">
-                  <a:lumMod val="95000"/>
-                </a:schemeClr>
-              </a:solidFill>
-            </a:endParaRPr>
-          </a:p>
-        </p:txBody>
-      </p:sp>
-      <p:pic>
-        <p:nvPicPr>
-          <p:cNvPr id="3" name="图片 2"/>
-          <p:cNvPicPr>
-            <a:picLocks noChangeAspect="1"/>
-          </p:cNvPicPr>
-          <p:nvPr/>
-        </p:nvPicPr>
-        <p:blipFill>
-          <a:blip r:embed="rId1"/>
-          <a:stretch>
-            <a:fillRect/>
-          </a:stretch>
-        </p:blipFill>
-        <p:spPr>
-          <a:xfrm>
-            <a:off x="1352550" y="1807845"/>
-            <a:ext cx="9391015" cy="4974590"/>
-          </a:xfrm>
-          <a:prstGeom prst="rect">
-            <a:avLst/>
-          </a:prstGeom>
-        </p:spPr>
-      </p:pic>
-      <p:sp>
-        <p:nvSpPr>
-          <p:cNvPr id="5" name="标题 5"/>
-          <p:cNvSpPr>
-            <a:spLocks noGrp="1"/>
-          </p:cNvSpPr>
-          <p:nvPr/>
-        </p:nvSpPr>
-        <p:spPr>
-          <a:xfrm>
-            <a:off x="347345" y="936625"/>
-            <a:ext cx="11400790" cy="871220"/>
-          </a:xfrm>
-          <a:prstGeom prst="rect">
-            <a:avLst/>
-          </a:prstGeom>
-        </p:spPr>
-        <p:txBody>
-          <a:bodyPr vert="horz" lIns="91440" tIns="45720" rIns="91440" bIns="45720" rtlCol="0" anchor="b"/>
-          <a:lstStyle>
-            <a:lvl1pPr algn="ctr" defTabSz="914400" rtl="0" eaLnBrk="1" latinLnBrk="0" hangingPunct="1">
-              <a:lnSpc>
-                <a:spcPct val="90000"/>
-              </a:lnSpc>
-              <a:spcBef>
-                <a:spcPct val="0"/>
-              </a:spcBef>
-              <a:buNone/>
-              <a:defRPr sz="6000" kern="1200">
-                <a:solidFill>
-                  <a:schemeClr val="tx1"/>
-                </a:solidFill>
-                <a:latin typeface="+mj-lt"/>
-                <a:ea typeface="+mj-ea"/>
-                <a:cs typeface="+mj-cs"/>
-              </a:defRPr>
-            </a:lvl1pPr>
-          </a:lstStyle>
-          <a:p>
-            <a:pPr algn="l"/>
-            <a:r>
-              <a:rPr lang="en-US" sz="2800">
-                <a:solidFill>
-                  <a:schemeClr val="bg1">
-                    <a:lumMod val="95000"/>
-                  </a:schemeClr>
-                </a:solidFill>
-              </a:rPr>
-              <a:t>MathNet + NuGet, new packages, finer and more beautiful result, like crystal</a:t>
-            </a:r>
-            <a:endParaRPr lang="en-US" sz="2800">
-              <a:solidFill>
-                <a:schemeClr val="bg1">
-                  <a:lumMod val="95000"/>
-                </a:schemeClr>
-              </a:solidFill>
-            </a:endParaRPr>
-          </a:p>
-        </p:txBody>
-      </p:sp>
-    </p:spTree>
-  </p:cSld>
-  <p:clrMapOvr>
-    <a:masterClrMapping/>
-  </p:clrMapOvr>
-</p:sld>
-</file>
-
-<file path=ppt/slides/slide8.xml><?xml version="1.0" encoding="utf-8"?>
-<p:sld xmlns:a="http://schemas.openxmlformats.org/drawingml/2006/main" xmlns:r="http://schemas.openxmlformats.org/officeDocument/2006/relationships" xmlns:p="http://schemas.openxmlformats.org/presentationml/2006/main">
-  <p:cSld>
-    <p:bg>
-      <p:bgPr>
-        <a:solidFill>
-          <a:schemeClr val="accent6"/>
-        </a:solidFill>
-        <a:effectLst/>
-      </p:bgPr>
-    </p:bg>
-    <p:spTree>
-      <p:nvGrpSpPr>
-        <p:cNvPr id="1" name=""/>
-        <p:cNvGrpSpPr/>
-        <p:nvPr/>
-      </p:nvGrpSpPr>
-      <p:grpSpPr/>
-      <p:sp>
-        <p:nvSpPr>
-          <p:cNvPr id="6" name="标题 5"/>
-          <p:cNvSpPr>
-            <a:spLocks noGrp="1"/>
-          </p:cNvSpPr>
-          <p:nvPr>
-            <p:ph type="ctrTitle"/>
-          </p:nvPr>
-        </p:nvSpPr>
-        <p:spPr>
-          <a:xfrm>
-            <a:off x="295910" y="703580"/>
-            <a:ext cx="11336655" cy="982980"/>
-          </a:xfrm>
-        </p:spPr>
-        <p:txBody>
-          <a:bodyPr>
-            <a:normAutofit fontScale="90000"/>
-          </a:bodyPr>
-          <a:p>
-            <a:pPr algn="l"/>
-            <a:r>
-              <a:rPr lang="en-US" altLang="zh-CN">
-                <a:solidFill>
-                  <a:schemeClr val="bg1">
-                    <a:lumMod val="95000"/>
-                    <a:alpha val="72000"/>
-                  </a:schemeClr>
-                </a:solidFill>
-                <a:sym typeface="+mn-ea"/>
-              </a:rPr>
-              <a:t>What has been achieved</a:t>
-            </a:r>
-            <a:br>
-              <a:rPr lang="en-US" altLang="zh-CN">
-                <a:solidFill>
-                  <a:schemeClr val="bg1">
-                    <a:alpha val="72000"/>
-                  </a:schemeClr>
-                </a:solidFill>
-              </a:rPr>
-            </a:br>
-            <a:endParaRPr lang="en-US" altLang="zh-CN" sz="4000">
-              <a:solidFill>
-                <a:schemeClr val="bg1">
-                  <a:alpha val="72000"/>
-                </a:schemeClr>
-              </a:solidFill>
-            </a:endParaRPr>
-          </a:p>
-        </p:txBody>
-      </p:sp>
-      <p:cxnSp>
-        <p:nvCxnSpPr>
-          <p:cNvPr id="2" name="直接连接符 1"/>
-          <p:cNvCxnSpPr/>
-          <p:nvPr/>
-        </p:nvCxnSpPr>
-        <p:spPr>
-          <a:xfrm>
-            <a:off x="295910" y="1195070"/>
-            <a:ext cx="2485390" cy="0"/>
-          </a:xfrm>
-          <a:prstGeom prst="line">
-            <a:avLst/>
-          </a:prstGeom>
-          <a:ln w="38100">
-            <a:gradFill>
-              <a:gsLst>
-                <a:gs pos="0">
-                  <a:schemeClr val="accent1">
-                    <a:hueOff val="-4200000"/>
-                    <a:lumMod val="99000"/>
-                    <a:alpha val="61000"/>
-                  </a:schemeClr>
-                </a:gs>
-                <a:gs pos="100000">
-                  <a:schemeClr val="accent1"/>
-                </a:gs>
-              </a:gsLst>
-            </a:gradFill>
-          </a:ln>
-        </p:spPr>
-        <p:style>
-          <a:lnRef idx="0">
-            <a:srgbClr val="FFFFFF"/>
-          </a:lnRef>
-          <a:fillRef idx="0">
-            <a:srgbClr val="FFFFFF"/>
-          </a:fillRef>
-          <a:effectRef idx="0">
-            <a:srgbClr val="FFFFFF"/>
-          </a:effectRef>
-          <a:fontRef idx="minor">
-            <a:schemeClr val="tx1"/>
-          </a:fontRef>
-        </p:style>
-      </p:cxnSp>
-      <p:sp>
-        <p:nvSpPr>
-          <p:cNvPr id="4" name="标题 5"/>
-          <p:cNvSpPr>
-            <a:spLocks noGrp="1"/>
-          </p:cNvSpPr>
-          <p:nvPr/>
-        </p:nvSpPr>
-        <p:spPr>
-          <a:xfrm>
-            <a:off x="499110" y="1345565"/>
-            <a:ext cx="8264525" cy="3693795"/>
-          </a:xfrm>
-          <a:prstGeom prst="rect">
-            <a:avLst/>
-          </a:prstGeom>
-        </p:spPr>
-        <p:txBody>
-          <a:bodyPr vert="horz" lIns="91440" tIns="45720" rIns="91440" bIns="45720" rtlCol="0" anchor="b"/>
-          <a:lstStyle>
-            <a:lvl1pPr algn="ctr" defTabSz="914400" rtl="0" eaLnBrk="1" latinLnBrk="0" hangingPunct="1">
-              <a:lnSpc>
-                <a:spcPct val="90000"/>
-              </a:lnSpc>
-              <a:spcBef>
-                <a:spcPct val="0"/>
-              </a:spcBef>
-              <a:buNone/>
-              <a:defRPr sz="6000" kern="1200">
-                <a:solidFill>
-                  <a:schemeClr val="tx1"/>
-                </a:solidFill>
-                <a:latin typeface="+mj-lt"/>
-                <a:ea typeface="+mj-ea"/>
-                <a:cs typeface="+mj-cs"/>
-              </a:defRPr>
-            </a:lvl1pPr>
-          </a:lstStyle>
-          <a:p>
-            <a:pPr algn="l"/>
-            <a:endParaRPr lang="en-US" altLang="zh-CN" sz="3600">
-              <a:solidFill>
-                <a:schemeClr val="bg1">
-                  <a:lumMod val="95000"/>
-                </a:schemeClr>
-              </a:solidFill>
-            </a:endParaRPr>
-          </a:p>
-        </p:txBody>
-      </p:sp>
-      <p:pic>
-        <p:nvPicPr>
-          <p:cNvPr id="5" name="图片 4"/>
-          <p:cNvPicPr>
-            <a:picLocks noChangeAspect="1"/>
-          </p:cNvPicPr>
-          <p:nvPr/>
-        </p:nvPicPr>
-        <p:blipFill>
-          <a:blip r:embed="rId1"/>
-          <a:stretch>
-            <a:fillRect/>
-          </a:stretch>
-        </p:blipFill>
-        <p:spPr>
-          <a:xfrm>
-            <a:off x="1276350" y="1744345"/>
-            <a:ext cx="9542780" cy="5024755"/>
-          </a:xfrm>
-          <a:prstGeom prst="rect">
-            <a:avLst/>
-          </a:prstGeom>
-        </p:spPr>
-      </p:pic>
-      <p:sp>
-        <p:nvSpPr>
-          <p:cNvPr id="7" name="标题 5"/>
-          <p:cNvSpPr>
-            <a:spLocks noGrp="1"/>
-          </p:cNvSpPr>
-          <p:nvPr/>
-        </p:nvSpPr>
-        <p:spPr>
-          <a:xfrm>
-            <a:off x="347345" y="936625"/>
-            <a:ext cx="11400790" cy="871220"/>
-          </a:xfrm>
-          <a:prstGeom prst="rect">
-            <a:avLst/>
-          </a:prstGeom>
-        </p:spPr>
-        <p:txBody>
-          <a:bodyPr vert="horz" lIns="91440" tIns="45720" rIns="91440" bIns="45720" rtlCol="0" anchor="b"/>
-          <a:lstStyle>
-            <a:lvl1pPr algn="ctr" defTabSz="914400" rtl="0" eaLnBrk="1" latinLnBrk="0" hangingPunct="1">
-              <a:lnSpc>
-                <a:spcPct val="90000"/>
-              </a:lnSpc>
-              <a:spcBef>
-                <a:spcPct val="0"/>
-              </a:spcBef>
-              <a:buNone/>
-              <a:defRPr sz="6000" kern="1200">
-                <a:solidFill>
-                  <a:schemeClr val="tx1"/>
-                </a:solidFill>
-                <a:latin typeface="+mj-lt"/>
-                <a:ea typeface="+mj-ea"/>
-                <a:cs typeface="+mj-cs"/>
-              </a:defRPr>
-            </a:lvl1pPr>
-          </a:lstStyle>
-          <a:p>
-            <a:pPr algn="l"/>
-            <a:r>
-              <a:rPr lang="en-US" sz="2800">
-                <a:solidFill>
-                  <a:schemeClr val="bg1">
-                    <a:lumMod val="95000"/>
-                  </a:schemeClr>
-                </a:solidFill>
-              </a:rPr>
-              <a:t>real time/render 3D texture one by one</a:t>
-            </a:r>
-            <a:endParaRPr lang="en-US" sz="2800">
-              <a:solidFill>
-                <a:schemeClr val="bg1">
-                  <a:lumMod val="95000"/>
-                </a:schemeClr>
-              </a:solidFill>
-            </a:endParaRPr>
-          </a:p>
-        </p:txBody>
-      </p:sp>
-    </p:spTree>
-  </p:cSld>
-  <p:clrMapOvr>
-    <a:masterClrMapping/>
-  </p:clrMapOvr>
-</p:sld>
-</file>
-
-<file path=ppt/slides/slide9.xml><?xml version="1.0" encoding="utf-8"?>
-<p:sld xmlns:a="http://schemas.openxmlformats.org/drawingml/2006/main" xmlns:r="http://schemas.openxmlformats.org/officeDocument/2006/relationships" xmlns:p="http://schemas.openxmlformats.org/presentationml/2006/main">
-  <p:cSld>
-    <p:bg>
-      <p:bgPr>
-        <a:solidFill>
-          <a:schemeClr val="accent6"/>
-        </a:solidFill>
-        <a:effectLst/>
-      </p:bgPr>
-    </p:bg>
-    <p:spTree>
-      <p:nvGrpSpPr>
-        <p:cNvPr id="1" name=""/>
-        <p:cNvGrpSpPr/>
-        <p:nvPr/>
-      </p:nvGrpSpPr>
-      <p:grpSpPr/>
-      <p:sp>
-        <p:nvSpPr>
-          <p:cNvPr id="6" name="标题 5"/>
-          <p:cNvSpPr>
-            <a:spLocks noGrp="1"/>
-          </p:cNvSpPr>
-          <p:nvPr>
-            <p:ph type="ctrTitle"/>
-          </p:nvPr>
-        </p:nvSpPr>
-        <p:spPr>
-          <a:xfrm>
             <a:off x="295910" y="703580"/>
             <a:ext cx="11336655" cy="982980"/>
           </a:xfrm>
@@ -6291,6 +3301,3316 @@
           </a:prstGeom>
         </p:spPr>
       </p:pic>
+    </p:spTree>
+  </p:cSld>
+  <p:clrMapOvr>
+    <a:masterClrMapping/>
+  </p:clrMapOvr>
+</p:sld>
+</file>
+
+<file path=ppt/slides/slide11.xml><?xml version="1.0" encoding="utf-8"?>
+<p:sld xmlns:a="http://schemas.openxmlformats.org/drawingml/2006/main" xmlns:r="http://schemas.openxmlformats.org/officeDocument/2006/relationships" xmlns:p="http://schemas.openxmlformats.org/presentationml/2006/main">
+  <p:cSld>
+    <p:bg>
+      <p:bgPr>
+        <a:solidFill>
+          <a:schemeClr val="accent6"/>
+        </a:solidFill>
+        <a:effectLst/>
+      </p:bgPr>
+    </p:bg>
+    <p:spTree>
+      <p:nvGrpSpPr>
+        <p:cNvPr id="1" name=""/>
+        <p:cNvGrpSpPr/>
+        <p:nvPr/>
+      </p:nvGrpSpPr>
+      <p:grpSpPr/>
+      <p:sp>
+        <p:nvSpPr>
+          <p:cNvPr id="6" name="标题 5"/>
+          <p:cNvSpPr>
+            <a:spLocks noGrp="1"/>
+          </p:cNvSpPr>
+          <p:nvPr>
+            <p:ph type="ctrTitle"/>
+          </p:nvPr>
+        </p:nvSpPr>
+        <p:spPr>
+          <a:xfrm>
+            <a:off x="295910" y="301625"/>
+            <a:ext cx="11336655" cy="1384935"/>
+          </a:xfrm>
+        </p:spPr>
+        <p:txBody>
+          <a:bodyPr>
+            <a:normAutofit fontScale="90000"/>
+          </a:bodyPr>
+          <a:p>
+            <a:pPr algn="l"/>
+            <a:r>
+              <a:rPr lang="en-US" altLang="zh-CN">
+                <a:solidFill>
+                  <a:schemeClr val="bg1">
+                    <a:alpha val="72000"/>
+                  </a:schemeClr>
+                </a:solidFill>
+              </a:rPr>
+              <a:t>Bugs</a:t>
+            </a:r>
+            <a:br>
+              <a:rPr lang="en-US" altLang="zh-CN">
+                <a:solidFill>
+                  <a:schemeClr val="bg1">
+                    <a:alpha val="72000"/>
+                  </a:schemeClr>
+                </a:solidFill>
+              </a:rPr>
+            </a:br>
+            <a:endParaRPr lang="en-US" altLang="zh-CN" sz="4000">
+              <a:solidFill>
+                <a:schemeClr val="bg1">
+                  <a:alpha val="72000"/>
+                </a:schemeClr>
+              </a:solidFill>
+            </a:endParaRPr>
+          </a:p>
+        </p:txBody>
+      </p:sp>
+      <p:cxnSp>
+        <p:nvCxnSpPr>
+          <p:cNvPr id="2" name="直接连接符 1"/>
+          <p:cNvCxnSpPr/>
+          <p:nvPr/>
+        </p:nvCxnSpPr>
+        <p:spPr>
+          <a:xfrm>
+            <a:off x="295910" y="1195070"/>
+            <a:ext cx="2485390" cy="0"/>
+          </a:xfrm>
+          <a:prstGeom prst="line">
+            <a:avLst/>
+          </a:prstGeom>
+          <a:ln w="38100">
+            <a:gradFill>
+              <a:gsLst>
+                <a:gs pos="0">
+                  <a:schemeClr val="accent1">
+                    <a:hueOff val="-4200000"/>
+                    <a:lumMod val="99000"/>
+                    <a:alpha val="61000"/>
+                  </a:schemeClr>
+                </a:gs>
+                <a:gs pos="100000">
+                  <a:schemeClr val="accent1"/>
+                </a:gs>
+              </a:gsLst>
+            </a:gradFill>
+          </a:ln>
+        </p:spPr>
+        <p:style>
+          <a:lnRef idx="0">
+            <a:srgbClr val="FFFFFF"/>
+          </a:lnRef>
+          <a:fillRef idx="0">
+            <a:srgbClr val="FFFFFF"/>
+          </a:fillRef>
+          <a:effectRef idx="0">
+            <a:srgbClr val="FFFFFF"/>
+          </a:effectRef>
+          <a:fontRef idx="minor">
+            <a:schemeClr val="tx1"/>
+          </a:fontRef>
+        </p:style>
+      </p:cxnSp>
+      <p:sp>
+        <p:nvSpPr>
+          <p:cNvPr id="4" name="标题 5"/>
+          <p:cNvSpPr>
+            <a:spLocks noGrp="1"/>
+          </p:cNvSpPr>
+          <p:nvPr/>
+        </p:nvSpPr>
+        <p:spPr>
+          <a:xfrm>
+            <a:off x="295910" y="1426845"/>
+            <a:ext cx="11623040" cy="3604260"/>
+          </a:xfrm>
+          <a:prstGeom prst="rect">
+            <a:avLst/>
+          </a:prstGeom>
+        </p:spPr>
+        <p:txBody>
+          <a:bodyPr vert="horz" lIns="91440" tIns="45720" rIns="91440" bIns="45720" rtlCol="0" anchor="b"/>
+          <a:lstStyle>
+            <a:lvl1pPr algn="ctr" defTabSz="914400" rtl="0" eaLnBrk="1" latinLnBrk="0" hangingPunct="1">
+              <a:lnSpc>
+                <a:spcPct val="90000"/>
+              </a:lnSpc>
+              <a:spcBef>
+                <a:spcPct val="0"/>
+              </a:spcBef>
+              <a:buNone/>
+              <a:defRPr sz="6000" kern="1200">
+                <a:solidFill>
+                  <a:schemeClr val="tx1"/>
+                </a:solidFill>
+                <a:latin typeface="+mj-lt"/>
+                <a:ea typeface="+mj-ea"/>
+                <a:cs typeface="+mj-cs"/>
+              </a:defRPr>
+            </a:lvl1pPr>
+          </a:lstStyle>
+          <a:p>
+            <a:pPr algn="l"/>
+            <a:endParaRPr lang="en-US" altLang="zh-CN" sz="3200">
+              <a:solidFill>
+                <a:schemeClr val="bg1">
+                  <a:lumMod val="95000"/>
+                </a:schemeClr>
+              </a:solidFill>
+            </a:endParaRPr>
+          </a:p>
+          <a:p>
+            <a:pPr algn="l"/>
+            <a:r>
+              <a:rPr lang="en-US" altLang="zh-CN" sz="3200">
+                <a:solidFill>
+                  <a:schemeClr val="bg1">
+                    <a:lumMod val="95000"/>
+                  </a:schemeClr>
+                </a:solidFill>
+              </a:rPr>
+              <a:t>1. clipping plane rendering, the shader is controlled by: Fresnel generator in multiple times + clipping controller + maybe others</a:t>
+            </a:r>
+            <a:endParaRPr lang="en-US" altLang="zh-CN" sz="3200">
+              <a:solidFill>
+                <a:schemeClr val="bg1">
+                  <a:lumMod val="95000"/>
+                </a:schemeClr>
+              </a:solidFill>
+            </a:endParaRPr>
+          </a:p>
+          <a:p>
+            <a:pPr algn="l"/>
+            <a:endParaRPr lang="en-US" altLang="zh-CN" sz="3200">
+              <a:solidFill>
+                <a:schemeClr val="bg1">
+                  <a:lumMod val="95000"/>
+                </a:schemeClr>
+              </a:solidFill>
+            </a:endParaRPr>
+          </a:p>
+          <a:p>
+            <a:pPr algn="l"/>
+            <a:r>
+              <a:rPr lang="en-US" altLang="zh-CN" sz="3200">
+                <a:solidFill>
+                  <a:schemeClr val="bg1">
+                    <a:lumMod val="95000"/>
+                  </a:schemeClr>
+                </a:solidFill>
+              </a:rPr>
+              <a:t>2. potential memory problem or Unity crash</a:t>
+            </a:r>
+            <a:endParaRPr lang="en-US" altLang="zh-CN" sz="3200">
+              <a:solidFill>
+                <a:schemeClr val="bg1">
+                  <a:lumMod val="95000"/>
+                </a:schemeClr>
+              </a:solidFill>
+            </a:endParaRPr>
+          </a:p>
+          <a:p>
+            <a:pPr algn="l"/>
+            <a:endParaRPr lang="en-US" altLang="zh-CN" sz="3200">
+              <a:solidFill>
+                <a:schemeClr val="bg1">
+                  <a:lumMod val="95000"/>
+                </a:schemeClr>
+              </a:solidFill>
+            </a:endParaRPr>
+          </a:p>
+          <a:p>
+            <a:pPr algn="l"/>
+            <a:r>
+              <a:rPr lang="en-US" altLang="zh-CN" sz="3200">
+                <a:solidFill>
+                  <a:schemeClr val="bg1">
+                    <a:lumMod val="95000"/>
+                  </a:schemeClr>
+                </a:solidFill>
+              </a:rPr>
+              <a:t>3. Canvas rendering with wrong shader</a:t>
+            </a:r>
+            <a:endParaRPr lang="en-US" altLang="zh-CN" sz="3200">
+              <a:solidFill>
+                <a:schemeClr val="bg1">
+                  <a:lumMod val="95000"/>
+                </a:schemeClr>
+              </a:solidFill>
+            </a:endParaRPr>
+          </a:p>
+          <a:p>
+            <a:pPr algn="l"/>
+            <a:endParaRPr lang="en-US" altLang="zh-CN" sz="3200">
+              <a:solidFill>
+                <a:schemeClr val="bg1">
+                  <a:lumMod val="95000"/>
+                </a:schemeClr>
+              </a:solidFill>
+            </a:endParaRPr>
+          </a:p>
+          <a:p>
+            <a:pPr algn="l"/>
+            <a:r>
+              <a:rPr lang="en-US" altLang="zh-CN" sz="3200">
+                <a:solidFill>
+                  <a:schemeClr val="bg1">
+                    <a:lumMod val="95000"/>
+                  </a:schemeClr>
+                </a:solidFill>
+              </a:rPr>
+              <a:t>4. Diffraction pattern duplicated generating</a:t>
+            </a:r>
+            <a:endParaRPr lang="en-US" altLang="zh-CN" sz="3200">
+              <a:solidFill>
+                <a:schemeClr val="bg1">
+                  <a:lumMod val="95000"/>
+                </a:schemeClr>
+              </a:solidFill>
+            </a:endParaRPr>
+          </a:p>
+        </p:txBody>
+      </p:sp>
+    </p:spTree>
+  </p:cSld>
+  <p:clrMapOvr>
+    <a:masterClrMapping/>
+  </p:clrMapOvr>
+</p:sld>
+</file>
+
+<file path=ppt/slides/slide12.xml><?xml version="1.0" encoding="utf-8"?>
+<p:sld xmlns:a="http://schemas.openxmlformats.org/drawingml/2006/main" xmlns:r="http://schemas.openxmlformats.org/officeDocument/2006/relationships" xmlns:p="http://schemas.openxmlformats.org/presentationml/2006/main">
+  <p:cSld>
+    <p:bg>
+      <p:bgPr>
+        <a:solidFill>
+          <a:schemeClr val="accent6"/>
+        </a:solidFill>
+        <a:effectLst/>
+      </p:bgPr>
+    </p:bg>
+    <p:spTree>
+      <p:nvGrpSpPr>
+        <p:cNvPr id="1" name=""/>
+        <p:cNvGrpSpPr/>
+        <p:nvPr/>
+      </p:nvGrpSpPr>
+      <p:grpSpPr/>
+      <p:sp>
+        <p:nvSpPr>
+          <p:cNvPr id="6" name="标题 5"/>
+          <p:cNvSpPr>
+            <a:spLocks noGrp="1"/>
+          </p:cNvSpPr>
+          <p:nvPr>
+            <p:ph type="ctrTitle"/>
+          </p:nvPr>
+        </p:nvSpPr>
+        <p:spPr>
+          <a:xfrm>
+            <a:off x="295910" y="703580"/>
+            <a:ext cx="11336655" cy="982980"/>
+          </a:xfrm>
+        </p:spPr>
+        <p:txBody>
+          <a:bodyPr>
+            <a:normAutofit fontScale="90000"/>
+          </a:bodyPr>
+          <a:p>
+            <a:pPr algn="l"/>
+            <a:r>
+              <a:rPr lang="en-US" altLang="zh-CN">
+                <a:solidFill>
+                  <a:schemeClr val="bg1">
+                    <a:alpha val="72000"/>
+                  </a:schemeClr>
+                </a:solidFill>
+              </a:rPr>
+              <a:t>Further work</a:t>
+            </a:r>
+            <a:br>
+              <a:rPr lang="en-US" altLang="zh-CN">
+                <a:solidFill>
+                  <a:schemeClr val="bg1">
+                    <a:alpha val="72000"/>
+                  </a:schemeClr>
+                </a:solidFill>
+              </a:rPr>
+            </a:br>
+            <a:endParaRPr lang="en-US" altLang="zh-CN" sz="4000">
+              <a:solidFill>
+                <a:schemeClr val="bg1">
+                  <a:alpha val="72000"/>
+                </a:schemeClr>
+              </a:solidFill>
+            </a:endParaRPr>
+          </a:p>
+        </p:txBody>
+      </p:sp>
+      <p:cxnSp>
+        <p:nvCxnSpPr>
+          <p:cNvPr id="2" name="直接连接符 1"/>
+          <p:cNvCxnSpPr/>
+          <p:nvPr/>
+        </p:nvCxnSpPr>
+        <p:spPr>
+          <a:xfrm>
+            <a:off x="295910" y="1195070"/>
+            <a:ext cx="2485390" cy="0"/>
+          </a:xfrm>
+          <a:prstGeom prst="line">
+            <a:avLst/>
+          </a:prstGeom>
+          <a:ln w="38100">
+            <a:gradFill>
+              <a:gsLst>
+                <a:gs pos="0">
+                  <a:schemeClr val="accent1">
+                    <a:hueOff val="-4200000"/>
+                    <a:lumMod val="99000"/>
+                    <a:alpha val="61000"/>
+                  </a:schemeClr>
+                </a:gs>
+                <a:gs pos="100000">
+                  <a:schemeClr val="accent1"/>
+                </a:gs>
+              </a:gsLst>
+            </a:gradFill>
+          </a:ln>
+        </p:spPr>
+        <p:style>
+          <a:lnRef idx="0">
+            <a:srgbClr val="FFFFFF"/>
+          </a:lnRef>
+          <a:fillRef idx="0">
+            <a:srgbClr val="FFFFFF"/>
+          </a:fillRef>
+          <a:effectRef idx="0">
+            <a:srgbClr val="FFFFFF"/>
+          </a:effectRef>
+          <a:fontRef idx="minor">
+            <a:schemeClr val="tx1"/>
+          </a:fontRef>
+        </p:style>
+      </p:cxnSp>
+      <p:sp>
+        <p:nvSpPr>
+          <p:cNvPr id="4" name="标题 5"/>
+          <p:cNvSpPr>
+            <a:spLocks noGrp="1"/>
+          </p:cNvSpPr>
+          <p:nvPr/>
+        </p:nvSpPr>
+        <p:spPr>
+          <a:xfrm>
+            <a:off x="295910" y="1102360"/>
+            <a:ext cx="11623040" cy="5576570"/>
+          </a:xfrm>
+          <a:prstGeom prst="rect">
+            <a:avLst/>
+          </a:prstGeom>
+        </p:spPr>
+        <p:txBody>
+          <a:bodyPr vert="horz" lIns="91440" tIns="45720" rIns="91440" bIns="45720" rtlCol="0" anchor="b"/>
+          <a:lstStyle>
+            <a:lvl1pPr algn="ctr" defTabSz="914400" rtl="0" eaLnBrk="1" latinLnBrk="0" hangingPunct="1">
+              <a:lnSpc>
+                <a:spcPct val="90000"/>
+              </a:lnSpc>
+              <a:spcBef>
+                <a:spcPct val="0"/>
+              </a:spcBef>
+              <a:buNone/>
+              <a:defRPr sz="6000" kern="1200">
+                <a:solidFill>
+                  <a:schemeClr val="tx1"/>
+                </a:solidFill>
+                <a:latin typeface="+mj-lt"/>
+                <a:ea typeface="+mj-ea"/>
+                <a:cs typeface="+mj-cs"/>
+              </a:defRPr>
+            </a:lvl1pPr>
+          </a:lstStyle>
+          <a:p>
+            <a:pPr algn="l"/>
+            <a:endParaRPr lang="en-US" altLang="zh-CN" sz="2800">
+              <a:solidFill>
+                <a:schemeClr val="bg1">
+                  <a:lumMod val="95000"/>
+                </a:schemeClr>
+              </a:solidFill>
+            </a:endParaRPr>
+          </a:p>
+          <a:p>
+            <a:pPr algn="l"/>
+            <a:r>
+              <a:rPr lang="en-US" altLang="zh-CN" sz="2800">
+                <a:solidFill>
+                  <a:schemeClr val="bg1">
+                    <a:lumMod val="95000"/>
+                  </a:schemeClr>
+                </a:solidFill>
+              </a:rPr>
+              <a:t>1. UI in VR, interactions</a:t>
+            </a:r>
+            <a:endParaRPr lang="en-US" altLang="zh-CN" sz="2800">
+              <a:solidFill>
+                <a:schemeClr val="bg1">
+                  <a:lumMod val="95000"/>
+                </a:schemeClr>
+              </a:solidFill>
+            </a:endParaRPr>
+          </a:p>
+          <a:p>
+            <a:pPr algn="l"/>
+            <a:endParaRPr lang="en-US" altLang="zh-CN" sz="2800">
+              <a:solidFill>
+                <a:schemeClr val="bg1">
+                  <a:lumMod val="95000"/>
+                </a:schemeClr>
+              </a:solidFill>
+            </a:endParaRPr>
+          </a:p>
+          <a:p>
+            <a:pPr algn="l"/>
+            <a:r>
+              <a:rPr lang="en-US" altLang="zh-CN" sz="2800">
+                <a:solidFill>
+                  <a:schemeClr val="bg1">
+                    <a:lumMod val="95000"/>
+                  </a:schemeClr>
+                </a:solidFill>
+              </a:rPr>
+              <a:t>2. slit diffraction in C#</a:t>
+            </a:r>
+            <a:endParaRPr lang="en-US" altLang="zh-CN" sz="2800">
+              <a:solidFill>
+                <a:schemeClr val="bg1">
+                  <a:lumMod val="95000"/>
+                </a:schemeClr>
+              </a:solidFill>
+            </a:endParaRPr>
+          </a:p>
+          <a:p>
+            <a:pPr algn="l"/>
+            <a:endParaRPr lang="en-US" altLang="zh-CN" sz="2800">
+              <a:solidFill>
+                <a:schemeClr val="bg1">
+                  <a:lumMod val="95000"/>
+                </a:schemeClr>
+              </a:solidFill>
+            </a:endParaRPr>
+          </a:p>
+          <a:p>
+            <a:pPr algn="l"/>
+            <a:r>
+              <a:rPr lang="en-US" altLang="zh-CN" sz="2800">
+                <a:solidFill>
+                  <a:schemeClr val="bg1">
+                    <a:lumMod val="95000"/>
+                  </a:schemeClr>
+                </a:solidFill>
+              </a:rPr>
+              <a:t>3. colorspace and so on</a:t>
+            </a:r>
+            <a:endParaRPr lang="en-US" altLang="zh-CN" sz="2800">
+              <a:solidFill>
+                <a:schemeClr val="bg1">
+                  <a:lumMod val="95000"/>
+                </a:schemeClr>
+              </a:solidFill>
+            </a:endParaRPr>
+          </a:p>
+          <a:p>
+            <a:pPr algn="l"/>
+            <a:endParaRPr lang="en-US" altLang="zh-CN" sz="2800">
+              <a:solidFill>
+                <a:schemeClr val="bg1">
+                  <a:lumMod val="95000"/>
+                </a:schemeClr>
+              </a:solidFill>
+            </a:endParaRPr>
+          </a:p>
+          <a:p>
+            <a:pPr algn="l"/>
+            <a:r>
+              <a:rPr lang="en-US" altLang="zh-CN" sz="2800">
+                <a:solidFill>
+                  <a:schemeClr val="bg1">
+                    <a:lumMod val="95000"/>
+                  </a:schemeClr>
+                </a:solidFill>
+              </a:rPr>
+              <a:t>4. Theory part, equation derivation, a new type of approximation..?</a:t>
+            </a:r>
+            <a:endParaRPr lang="en-US" altLang="zh-CN" sz="2800">
+              <a:solidFill>
+                <a:schemeClr val="bg1">
+                  <a:lumMod val="95000"/>
+                </a:schemeClr>
+              </a:solidFill>
+            </a:endParaRPr>
+          </a:p>
+          <a:p>
+            <a:pPr algn="l"/>
+            <a:endParaRPr lang="en-US" altLang="zh-CN" sz="2800">
+              <a:solidFill>
+                <a:schemeClr val="bg1">
+                  <a:lumMod val="95000"/>
+                </a:schemeClr>
+              </a:solidFill>
+            </a:endParaRPr>
+          </a:p>
+          <a:p>
+            <a:pPr algn="l"/>
+            <a:r>
+              <a:rPr lang="en-US" altLang="zh-CN" sz="2800">
+                <a:solidFill>
+                  <a:schemeClr val="bg1">
+                    <a:lumMod val="95000"/>
+                  </a:schemeClr>
+                </a:solidFill>
+              </a:rPr>
+              <a:t>5. potential meta quest link</a:t>
+            </a:r>
+            <a:endParaRPr lang="en-US" altLang="zh-CN" sz="2800">
+              <a:solidFill>
+                <a:schemeClr val="bg1">
+                  <a:lumMod val="95000"/>
+                </a:schemeClr>
+              </a:solidFill>
+            </a:endParaRPr>
+          </a:p>
+          <a:p>
+            <a:pPr algn="l"/>
+            <a:endParaRPr lang="en-US" altLang="zh-CN" sz="2800">
+              <a:solidFill>
+                <a:schemeClr val="bg1">
+                  <a:lumMod val="95000"/>
+                </a:schemeClr>
+              </a:solidFill>
+            </a:endParaRPr>
+          </a:p>
+          <a:p>
+            <a:pPr algn="l"/>
+            <a:r>
+              <a:rPr lang="en-US" altLang="zh-CN" sz="2800">
+                <a:solidFill>
+                  <a:schemeClr val="bg1">
+                    <a:lumMod val="95000"/>
+                  </a:schemeClr>
+                </a:solidFill>
+              </a:rPr>
+              <a:t>6. git LFS, or organize manifest and dependencies</a:t>
+            </a:r>
+            <a:endParaRPr lang="en-US" altLang="zh-CN" sz="2800">
+              <a:solidFill>
+                <a:schemeClr val="bg1">
+                  <a:lumMod val="95000"/>
+                </a:schemeClr>
+              </a:solidFill>
+            </a:endParaRPr>
+          </a:p>
+          <a:p>
+            <a:pPr algn="l"/>
+            <a:endParaRPr lang="en-US" altLang="zh-CN" sz="2800">
+              <a:solidFill>
+                <a:schemeClr val="bg1">
+                  <a:lumMod val="95000"/>
+                </a:schemeClr>
+              </a:solidFill>
+            </a:endParaRPr>
+          </a:p>
+          <a:p>
+            <a:pPr algn="l"/>
+            <a:r>
+              <a:rPr lang="en-US" altLang="zh-CN" sz="2800">
+                <a:solidFill>
+                  <a:schemeClr val="bg1">
+                    <a:lumMod val="95000"/>
+                  </a:schemeClr>
+                </a:solidFill>
+              </a:rPr>
+              <a:t>Other personal plans which could be helpful: ios develpment, some mods of games based on my own interest, going to improve and recover body health</a:t>
+            </a:r>
+            <a:endParaRPr lang="en-US" altLang="zh-CN" sz="2800">
+              <a:solidFill>
+                <a:schemeClr val="bg1">
+                  <a:lumMod val="95000"/>
+                </a:schemeClr>
+              </a:solidFill>
+            </a:endParaRPr>
+          </a:p>
+        </p:txBody>
+      </p:sp>
+    </p:spTree>
+  </p:cSld>
+  <p:clrMapOvr>
+    <a:masterClrMapping/>
+  </p:clrMapOvr>
+</p:sld>
+</file>
+
+<file path=ppt/slides/slide13.xml><?xml version="1.0" encoding="utf-8"?>
+<p:sld xmlns:a="http://schemas.openxmlformats.org/drawingml/2006/main" xmlns:r="http://schemas.openxmlformats.org/officeDocument/2006/relationships" xmlns:p="http://schemas.openxmlformats.org/presentationml/2006/main">
+  <p:cSld>
+    <p:bg>
+      <p:bgPr>
+        <a:solidFill>
+          <a:schemeClr val="accent6"/>
+        </a:solidFill>
+        <a:effectLst/>
+      </p:bgPr>
+    </p:bg>
+    <p:spTree>
+      <p:nvGrpSpPr>
+        <p:cNvPr id="1" name=""/>
+        <p:cNvGrpSpPr/>
+        <p:nvPr/>
+      </p:nvGrpSpPr>
+      <p:grpSpPr/>
+      <p:sp>
+        <p:nvSpPr>
+          <p:cNvPr id="8" name="标题 7"/>
+          <p:cNvSpPr>
+            <a:spLocks noGrp="1"/>
+          </p:cNvSpPr>
+          <p:nvPr>
+            <p:ph type="ctrTitle"/>
+          </p:nvPr>
+        </p:nvSpPr>
+        <p:spPr>
+          <a:xfrm>
+            <a:off x="1431290" y="2385695"/>
+            <a:ext cx="9329420" cy="2085975"/>
+          </a:xfrm>
+        </p:spPr>
+        <p:txBody>
+          <a:bodyPr>
+            <a:normAutofit/>
+          </a:bodyPr>
+          <a:p>
+            <a:pPr algn="l"/>
+            <a:r>
+              <a:rPr lang="en-US" altLang="zh-CN">
+                <a:solidFill>
+                  <a:schemeClr val="bg1">
+                    <a:alpha val="91000"/>
+                  </a:schemeClr>
+                </a:solidFill>
+              </a:rPr>
+              <a:t>Thank you for your attention!</a:t>
+            </a:r>
+            <a:br>
+              <a:rPr lang="en-US" altLang="zh-CN">
+                <a:solidFill>
+                  <a:schemeClr val="bg1">
+                    <a:alpha val="72000"/>
+                  </a:schemeClr>
+                </a:solidFill>
+              </a:rPr>
+            </a:br>
+            <a:endParaRPr lang="en-US" altLang="zh-CN" sz="4000">
+              <a:solidFill>
+                <a:schemeClr val="bg1">
+                  <a:alpha val="72000"/>
+                </a:schemeClr>
+              </a:solidFill>
+            </a:endParaRPr>
+          </a:p>
+        </p:txBody>
+      </p:sp>
+    </p:spTree>
+  </p:cSld>
+  <p:clrMapOvr>
+    <a:masterClrMapping/>
+  </p:clrMapOvr>
+</p:sld>
+</file>
+
+<file path=ppt/slides/slide2.xml><?xml version="1.0" encoding="utf-8"?>
+<p:sld xmlns:a="http://schemas.openxmlformats.org/drawingml/2006/main" xmlns:r="http://schemas.openxmlformats.org/officeDocument/2006/relationships" xmlns:p="http://schemas.openxmlformats.org/presentationml/2006/main">
+  <p:cSld>
+    <p:bg>
+      <p:bgPr>
+        <a:solidFill>
+          <a:schemeClr val="accent6"/>
+        </a:solidFill>
+        <a:effectLst/>
+      </p:bgPr>
+    </p:bg>
+    <p:spTree>
+      <p:nvGrpSpPr>
+        <p:cNvPr id="1" name=""/>
+        <p:cNvGrpSpPr/>
+        <p:nvPr/>
+      </p:nvGrpSpPr>
+      <p:grpSpPr/>
+      <p:sp>
+        <p:nvSpPr>
+          <p:cNvPr id="6" name="标题 5"/>
+          <p:cNvSpPr>
+            <a:spLocks noGrp="1"/>
+          </p:cNvSpPr>
+          <p:nvPr>
+            <p:ph type="ctrTitle"/>
+          </p:nvPr>
+        </p:nvSpPr>
+        <p:spPr>
+          <a:xfrm>
+            <a:off x="295910" y="703580"/>
+            <a:ext cx="11336655" cy="982980"/>
+          </a:xfrm>
+        </p:spPr>
+        <p:txBody>
+          <a:bodyPr>
+            <a:normAutofit fontScale="90000"/>
+          </a:bodyPr>
+          <a:p>
+            <a:pPr algn="l"/>
+            <a:r>
+              <a:rPr lang="en-US" altLang="zh-CN">
+                <a:solidFill>
+                  <a:schemeClr val="bg1">
+                    <a:alpha val="72000"/>
+                  </a:schemeClr>
+                </a:solidFill>
+              </a:rPr>
+              <a:t>Content</a:t>
+            </a:r>
+            <a:br>
+              <a:rPr lang="en-US" altLang="zh-CN">
+                <a:solidFill>
+                  <a:schemeClr val="bg1">
+                    <a:alpha val="72000"/>
+                  </a:schemeClr>
+                </a:solidFill>
+              </a:rPr>
+            </a:br>
+            <a:endParaRPr lang="en-US" altLang="zh-CN" sz="4000">
+              <a:solidFill>
+                <a:schemeClr val="bg1">
+                  <a:alpha val="72000"/>
+                </a:schemeClr>
+              </a:solidFill>
+            </a:endParaRPr>
+          </a:p>
+        </p:txBody>
+      </p:sp>
+      <p:cxnSp>
+        <p:nvCxnSpPr>
+          <p:cNvPr id="2" name="直接连接符 1"/>
+          <p:cNvCxnSpPr/>
+          <p:nvPr/>
+        </p:nvCxnSpPr>
+        <p:spPr>
+          <a:xfrm>
+            <a:off x="295910" y="1195070"/>
+            <a:ext cx="2485390" cy="0"/>
+          </a:xfrm>
+          <a:prstGeom prst="line">
+            <a:avLst/>
+          </a:prstGeom>
+          <a:ln w="38100">
+            <a:gradFill>
+              <a:gsLst>
+                <a:gs pos="0">
+                  <a:schemeClr val="accent1">
+                    <a:hueOff val="-4200000"/>
+                    <a:lumMod val="99000"/>
+                    <a:alpha val="61000"/>
+                  </a:schemeClr>
+                </a:gs>
+                <a:gs pos="100000">
+                  <a:schemeClr val="accent1"/>
+                </a:gs>
+              </a:gsLst>
+            </a:gradFill>
+          </a:ln>
+        </p:spPr>
+        <p:style>
+          <a:lnRef idx="0">
+            <a:srgbClr val="FFFFFF"/>
+          </a:lnRef>
+          <a:fillRef idx="0">
+            <a:srgbClr val="FFFFFF"/>
+          </a:fillRef>
+          <a:effectRef idx="0">
+            <a:srgbClr val="FFFFFF"/>
+          </a:effectRef>
+          <a:fontRef idx="minor">
+            <a:schemeClr val="tx1"/>
+          </a:fontRef>
+        </p:style>
+      </p:cxnSp>
+      <p:sp>
+        <p:nvSpPr>
+          <p:cNvPr id="4" name="标题 5"/>
+          <p:cNvSpPr>
+            <a:spLocks noGrp="1"/>
+          </p:cNvSpPr>
+          <p:nvPr/>
+        </p:nvSpPr>
+        <p:spPr>
+          <a:xfrm>
+            <a:off x="2313940" y="1737995"/>
+            <a:ext cx="8264525" cy="3693795"/>
+          </a:xfrm>
+          <a:prstGeom prst="rect">
+            <a:avLst/>
+          </a:prstGeom>
+        </p:spPr>
+        <p:txBody>
+          <a:bodyPr vert="horz" lIns="91440" tIns="45720" rIns="91440" bIns="45720" rtlCol="0" anchor="b"/>
+          <a:lstStyle>
+            <a:lvl1pPr algn="ctr" defTabSz="914400" rtl="0" eaLnBrk="1" latinLnBrk="0" hangingPunct="1">
+              <a:lnSpc>
+                <a:spcPct val="90000"/>
+              </a:lnSpc>
+              <a:spcBef>
+                <a:spcPct val="0"/>
+              </a:spcBef>
+              <a:buNone/>
+              <a:defRPr sz="6000" kern="1200">
+                <a:solidFill>
+                  <a:schemeClr val="tx1"/>
+                </a:solidFill>
+                <a:latin typeface="+mj-lt"/>
+                <a:ea typeface="+mj-ea"/>
+                <a:cs typeface="+mj-cs"/>
+              </a:defRPr>
+            </a:lvl1pPr>
+          </a:lstStyle>
+          <a:p>
+            <a:pPr algn="l"/>
+            <a:r>
+              <a:rPr lang="en-US" altLang="zh-CN" sz="3600">
+                <a:solidFill>
+                  <a:schemeClr val="bg1">
+                    <a:lumMod val="95000"/>
+                  </a:schemeClr>
+                </a:solidFill>
+              </a:rPr>
+              <a:t>1. Definition of the task and aim of project</a:t>
+            </a:r>
+            <a:endParaRPr lang="en-US" altLang="zh-CN" sz="3600">
+              <a:solidFill>
+                <a:schemeClr val="bg1">
+                  <a:lumMod val="95000"/>
+                </a:schemeClr>
+              </a:solidFill>
+              <a:sym typeface="+mn-ea"/>
+            </a:endParaRPr>
+          </a:p>
+          <a:p>
+            <a:pPr algn="l"/>
+            <a:endParaRPr lang="en-US" altLang="zh-CN" sz="3600">
+              <a:solidFill>
+                <a:schemeClr val="bg1">
+                  <a:lumMod val="95000"/>
+                </a:schemeClr>
+              </a:solidFill>
+              <a:sym typeface="+mn-ea"/>
+            </a:endParaRPr>
+          </a:p>
+          <a:p>
+            <a:pPr algn="l"/>
+            <a:r>
+              <a:rPr lang="en-US" altLang="zh-CN" sz="3600">
+                <a:solidFill>
+                  <a:schemeClr val="bg1">
+                    <a:lumMod val="95000"/>
+                  </a:schemeClr>
+                </a:solidFill>
+                <a:sym typeface="+mn-ea"/>
+              </a:rPr>
+              <a:t>2. What has been achieved</a:t>
+            </a:r>
+            <a:endParaRPr lang="en-US" altLang="zh-CN" sz="3600">
+              <a:solidFill>
+                <a:schemeClr val="bg1">
+                  <a:lumMod val="95000"/>
+                </a:schemeClr>
+              </a:solidFill>
+            </a:endParaRPr>
+          </a:p>
+          <a:p>
+            <a:pPr algn="l"/>
+            <a:endParaRPr lang="en-US" altLang="zh-CN" sz="3600">
+              <a:solidFill>
+                <a:schemeClr val="bg1">
+                  <a:lumMod val="95000"/>
+                </a:schemeClr>
+              </a:solidFill>
+            </a:endParaRPr>
+          </a:p>
+          <a:p>
+            <a:pPr algn="l"/>
+            <a:r>
+              <a:rPr lang="en-US" altLang="zh-CN" sz="3600">
+                <a:solidFill>
+                  <a:schemeClr val="bg1">
+                    <a:lumMod val="95000"/>
+                  </a:schemeClr>
+                </a:solidFill>
+              </a:rPr>
+              <a:t>3. B</a:t>
+            </a:r>
+            <a:r>
+              <a:rPr lang="en-US" altLang="zh-CN" sz="3600">
+                <a:solidFill>
+                  <a:schemeClr val="bg1">
+                    <a:lumMod val="95000"/>
+                  </a:schemeClr>
+                </a:solidFill>
+              </a:rPr>
+              <a:t>ugs</a:t>
+            </a:r>
+            <a:endParaRPr lang="en-US" altLang="zh-CN" sz="3600">
+              <a:solidFill>
+                <a:schemeClr val="bg1">
+                  <a:lumMod val="95000"/>
+                </a:schemeClr>
+              </a:solidFill>
+            </a:endParaRPr>
+          </a:p>
+          <a:p>
+            <a:pPr algn="l"/>
+            <a:endParaRPr lang="en-US" altLang="zh-CN" sz="3600">
+              <a:solidFill>
+                <a:schemeClr val="bg1">
+                  <a:lumMod val="95000"/>
+                </a:schemeClr>
+              </a:solidFill>
+            </a:endParaRPr>
+          </a:p>
+          <a:p>
+            <a:pPr algn="l"/>
+            <a:r>
+              <a:rPr lang="en-US" altLang="zh-CN" sz="3600">
+                <a:solidFill>
+                  <a:schemeClr val="bg1">
+                    <a:lumMod val="95000"/>
+                  </a:schemeClr>
+                </a:solidFill>
+              </a:rPr>
+              <a:t>4. Futher work</a:t>
+            </a:r>
+            <a:endParaRPr lang="en-US" altLang="zh-CN" sz="3600">
+              <a:solidFill>
+                <a:schemeClr val="bg1">
+                  <a:lumMod val="95000"/>
+                </a:schemeClr>
+              </a:solidFill>
+            </a:endParaRPr>
+          </a:p>
+        </p:txBody>
+      </p:sp>
+    </p:spTree>
+  </p:cSld>
+  <p:clrMapOvr>
+    <a:masterClrMapping/>
+  </p:clrMapOvr>
+</p:sld>
+</file>
+
+<file path=ppt/slides/slide3.xml><?xml version="1.0" encoding="utf-8"?>
+<p:sld xmlns:a="http://schemas.openxmlformats.org/drawingml/2006/main" xmlns:r="http://schemas.openxmlformats.org/officeDocument/2006/relationships" xmlns:p="http://schemas.openxmlformats.org/presentationml/2006/main">
+  <p:cSld>
+    <p:bg>
+      <p:bgPr>
+        <a:solidFill>
+          <a:schemeClr val="accent6"/>
+        </a:solidFill>
+        <a:effectLst/>
+      </p:bgPr>
+    </p:bg>
+    <p:spTree>
+      <p:nvGrpSpPr>
+        <p:cNvPr id="1" name=""/>
+        <p:cNvGrpSpPr/>
+        <p:nvPr/>
+      </p:nvGrpSpPr>
+      <p:grpSpPr/>
+      <p:sp>
+        <p:nvSpPr>
+          <p:cNvPr id="6" name="标题 5"/>
+          <p:cNvSpPr>
+            <a:spLocks noGrp="1"/>
+          </p:cNvSpPr>
+          <p:nvPr>
+            <p:ph type="ctrTitle"/>
+          </p:nvPr>
+        </p:nvSpPr>
+        <p:spPr>
+          <a:xfrm>
+            <a:off x="295910" y="703580"/>
+            <a:ext cx="11336655" cy="982980"/>
+          </a:xfrm>
+        </p:spPr>
+        <p:txBody>
+          <a:bodyPr>
+            <a:normAutofit fontScale="90000"/>
+          </a:bodyPr>
+          <a:p>
+            <a:pPr algn="l"/>
+            <a:r>
+              <a:rPr lang="en-US" altLang="zh-CN">
+                <a:solidFill>
+                  <a:schemeClr val="bg1">
+                    <a:alpha val="72000"/>
+                  </a:schemeClr>
+                </a:solidFill>
+              </a:rPr>
+              <a:t>Definition of the task and aim</a:t>
+            </a:r>
+            <a:br>
+              <a:rPr lang="en-US" altLang="zh-CN">
+                <a:solidFill>
+                  <a:schemeClr val="bg1">
+                    <a:alpha val="72000"/>
+                  </a:schemeClr>
+                </a:solidFill>
+              </a:rPr>
+            </a:br>
+            <a:endParaRPr lang="en-US" altLang="zh-CN" sz="4000">
+              <a:solidFill>
+                <a:schemeClr val="bg1">
+                  <a:alpha val="72000"/>
+                </a:schemeClr>
+              </a:solidFill>
+            </a:endParaRPr>
+          </a:p>
+        </p:txBody>
+      </p:sp>
+      <p:cxnSp>
+        <p:nvCxnSpPr>
+          <p:cNvPr id="2" name="直接连接符 1"/>
+          <p:cNvCxnSpPr/>
+          <p:nvPr/>
+        </p:nvCxnSpPr>
+        <p:spPr>
+          <a:xfrm>
+            <a:off x="295910" y="1195070"/>
+            <a:ext cx="2485390" cy="0"/>
+          </a:xfrm>
+          <a:prstGeom prst="line">
+            <a:avLst/>
+          </a:prstGeom>
+          <a:ln w="38100">
+            <a:gradFill>
+              <a:gsLst>
+                <a:gs pos="0">
+                  <a:schemeClr val="accent1">
+                    <a:hueOff val="-4200000"/>
+                    <a:lumMod val="99000"/>
+                    <a:alpha val="61000"/>
+                  </a:schemeClr>
+                </a:gs>
+                <a:gs pos="100000">
+                  <a:schemeClr val="accent1"/>
+                </a:gs>
+              </a:gsLst>
+            </a:gradFill>
+          </a:ln>
+        </p:spPr>
+        <p:style>
+          <a:lnRef idx="0">
+            <a:srgbClr val="FFFFFF"/>
+          </a:lnRef>
+          <a:fillRef idx="0">
+            <a:srgbClr val="FFFFFF"/>
+          </a:fillRef>
+          <a:effectRef idx="0">
+            <a:srgbClr val="FFFFFF"/>
+          </a:effectRef>
+          <a:fontRef idx="minor">
+            <a:schemeClr val="tx1"/>
+          </a:fontRef>
+        </p:style>
+      </p:cxnSp>
+      <p:sp>
+        <p:nvSpPr>
+          <p:cNvPr id="4" name="标题 5"/>
+          <p:cNvSpPr>
+            <a:spLocks noGrp="1"/>
+          </p:cNvSpPr>
+          <p:nvPr/>
+        </p:nvSpPr>
+        <p:spPr>
+          <a:xfrm>
+            <a:off x="173990" y="1343025"/>
+            <a:ext cx="11715115" cy="1012190"/>
+          </a:xfrm>
+          <a:prstGeom prst="rect">
+            <a:avLst/>
+          </a:prstGeom>
+        </p:spPr>
+        <p:txBody>
+          <a:bodyPr vert="horz" lIns="91440" tIns="45720" rIns="91440" bIns="45720" rtlCol="0" anchor="b"/>
+          <a:lstStyle>
+            <a:lvl1pPr algn="ctr" defTabSz="914400" rtl="0" eaLnBrk="1" latinLnBrk="0" hangingPunct="1">
+              <a:lnSpc>
+                <a:spcPct val="90000"/>
+              </a:lnSpc>
+              <a:spcBef>
+                <a:spcPct val="0"/>
+              </a:spcBef>
+              <a:buNone/>
+              <a:defRPr sz="6000" kern="1200">
+                <a:solidFill>
+                  <a:schemeClr val="tx1"/>
+                </a:solidFill>
+                <a:latin typeface="+mj-lt"/>
+                <a:ea typeface="+mj-ea"/>
+                <a:cs typeface="+mj-cs"/>
+              </a:defRPr>
+            </a:lvl1pPr>
+          </a:lstStyle>
+          <a:p>
+            <a:pPr algn="l"/>
+            <a:r>
+              <a:rPr lang="en-US" altLang="zh-CN" sz="3600">
+                <a:solidFill>
+                  <a:schemeClr val="bg1">
+                    <a:lumMod val="95000"/>
+                  </a:schemeClr>
+                </a:solidFill>
+              </a:rPr>
+              <a:t>1. UI in VR </a:t>
+            </a:r>
+            <a:endParaRPr lang="en-US" altLang="zh-CN" sz="3600">
+              <a:solidFill>
+                <a:schemeClr val="bg1">
+                  <a:lumMod val="95000"/>
+                </a:schemeClr>
+              </a:solidFill>
+            </a:endParaRPr>
+          </a:p>
+        </p:txBody>
+      </p:sp>
+      <p:sp>
+        <p:nvSpPr>
+          <p:cNvPr id="13" name="标题 5"/>
+          <p:cNvSpPr>
+            <a:spLocks noGrp="1"/>
+          </p:cNvSpPr>
+          <p:nvPr/>
+        </p:nvSpPr>
+        <p:spPr>
+          <a:xfrm>
+            <a:off x="173990" y="2571750"/>
+            <a:ext cx="11715115" cy="1012190"/>
+          </a:xfrm>
+          <a:prstGeom prst="rect">
+            <a:avLst/>
+          </a:prstGeom>
+        </p:spPr>
+        <p:txBody>
+          <a:bodyPr vert="horz" lIns="91440" tIns="45720" rIns="91440" bIns="45720" rtlCol="0" anchor="b"/>
+          <a:lstStyle>
+            <a:lvl1pPr algn="ctr" defTabSz="914400" rtl="0" eaLnBrk="1" latinLnBrk="0" hangingPunct="1">
+              <a:lnSpc>
+                <a:spcPct val="90000"/>
+              </a:lnSpc>
+              <a:spcBef>
+                <a:spcPct val="0"/>
+              </a:spcBef>
+              <a:buNone/>
+              <a:defRPr sz="6000" kern="1200">
+                <a:solidFill>
+                  <a:schemeClr val="tx1"/>
+                </a:solidFill>
+                <a:latin typeface="+mj-lt"/>
+                <a:ea typeface="+mj-ea"/>
+                <a:cs typeface="+mj-cs"/>
+              </a:defRPr>
+            </a:lvl1pPr>
+          </a:lstStyle>
+          <a:p>
+            <a:pPr algn="l"/>
+            <a:r>
+              <a:rPr lang="en-US" altLang="zh-CN" sz="3600">
+                <a:solidFill>
+                  <a:schemeClr val="bg1">
+                    <a:lumMod val="95000"/>
+                  </a:schemeClr>
+                </a:solidFill>
+              </a:rPr>
+              <a:t>2. Calculate the fields in Unity during program running, or link Python</a:t>
+            </a:r>
+            <a:endParaRPr lang="en-US" altLang="zh-CN" sz="3600">
+              <a:solidFill>
+                <a:schemeClr val="bg1">
+                  <a:lumMod val="95000"/>
+                </a:schemeClr>
+              </a:solidFill>
+            </a:endParaRPr>
+          </a:p>
+        </p:txBody>
+      </p:sp>
+      <p:sp>
+        <p:nvSpPr>
+          <p:cNvPr id="16" name="标题 5"/>
+          <p:cNvSpPr>
+            <a:spLocks noGrp="1"/>
+          </p:cNvSpPr>
+          <p:nvPr/>
+        </p:nvSpPr>
+        <p:spPr>
+          <a:xfrm>
+            <a:off x="173990" y="3495675"/>
+            <a:ext cx="11715115" cy="1012190"/>
+          </a:xfrm>
+          <a:prstGeom prst="rect">
+            <a:avLst/>
+          </a:prstGeom>
+        </p:spPr>
+        <p:txBody>
+          <a:bodyPr vert="horz" lIns="91440" tIns="45720" rIns="91440" bIns="45720" rtlCol="0" anchor="b"/>
+          <a:lstStyle>
+            <a:lvl1pPr algn="ctr" defTabSz="914400" rtl="0" eaLnBrk="1" latinLnBrk="0" hangingPunct="1">
+              <a:lnSpc>
+                <a:spcPct val="90000"/>
+              </a:lnSpc>
+              <a:spcBef>
+                <a:spcPct val="0"/>
+              </a:spcBef>
+              <a:buNone/>
+              <a:defRPr sz="6000" kern="1200">
+                <a:solidFill>
+                  <a:schemeClr val="tx1"/>
+                </a:solidFill>
+                <a:latin typeface="+mj-lt"/>
+                <a:ea typeface="+mj-ea"/>
+                <a:cs typeface="+mj-cs"/>
+              </a:defRPr>
+            </a:lvl1pPr>
+          </a:lstStyle>
+          <a:p>
+            <a:pPr algn="l"/>
+            <a:r>
+              <a:rPr lang="en-US" altLang="zh-CN" sz="3600">
+                <a:solidFill>
+                  <a:schemeClr val="bg1">
+                    <a:lumMod val="95000"/>
+                  </a:schemeClr>
+                </a:solidFill>
+              </a:rPr>
+              <a:t>3. VR rendering in headsets</a:t>
+            </a:r>
+            <a:endParaRPr lang="en-US" altLang="zh-CN" sz="3600">
+              <a:solidFill>
+                <a:schemeClr val="bg1">
+                  <a:lumMod val="95000"/>
+                </a:schemeClr>
+              </a:solidFill>
+            </a:endParaRPr>
+          </a:p>
+        </p:txBody>
+      </p:sp>
+      <p:sp>
+        <p:nvSpPr>
+          <p:cNvPr id="21" name="标题 5"/>
+          <p:cNvSpPr>
+            <a:spLocks noGrp="1"/>
+          </p:cNvSpPr>
+          <p:nvPr/>
+        </p:nvSpPr>
+        <p:spPr>
+          <a:xfrm>
+            <a:off x="106680" y="4507865"/>
+            <a:ext cx="11715115" cy="1012190"/>
+          </a:xfrm>
+          <a:prstGeom prst="rect">
+            <a:avLst/>
+          </a:prstGeom>
+        </p:spPr>
+        <p:txBody>
+          <a:bodyPr vert="horz" lIns="91440" tIns="45720" rIns="91440" bIns="45720" rtlCol="0" anchor="b"/>
+          <a:lstStyle>
+            <a:lvl1pPr algn="ctr" defTabSz="914400" rtl="0" eaLnBrk="1" latinLnBrk="0" hangingPunct="1">
+              <a:lnSpc>
+                <a:spcPct val="90000"/>
+              </a:lnSpc>
+              <a:spcBef>
+                <a:spcPct val="0"/>
+              </a:spcBef>
+              <a:buNone/>
+              <a:defRPr sz="6000" kern="1200">
+                <a:solidFill>
+                  <a:schemeClr val="tx1"/>
+                </a:solidFill>
+                <a:latin typeface="+mj-lt"/>
+                <a:ea typeface="+mj-ea"/>
+                <a:cs typeface="+mj-cs"/>
+              </a:defRPr>
+            </a:lvl1pPr>
+          </a:lstStyle>
+          <a:p>
+            <a:pPr algn="l"/>
+            <a:r>
+              <a:rPr lang="en-US" altLang="zh-CN" sz="3600">
+                <a:solidFill>
+                  <a:schemeClr val="bg1">
+                    <a:lumMod val="95000"/>
+                  </a:schemeClr>
+                </a:solidFill>
+              </a:rPr>
+              <a:t>4. verification of the 360</a:t>
+            </a:r>
+            <a:r>
+              <a:rPr lang="zh-CN" altLang="en-US" sz="3600">
+                <a:solidFill>
+                  <a:schemeClr val="bg1">
+                    <a:lumMod val="95000"/>
+                  </a:schemeClr>
+                </a:solidFill>
+              </a:rPr>
+              <a:t>°</a:t>
+            </a:r>
+            <a:r>
+              <a:rPr lang="en-US" altLang="zh-CN" sz="3600">
+                <a:solidFill>
+                  <a:schemeClr val="bg1">
+                    <a:lumMod val="95000"/>
+                  </a:schemeClr>
+                </a:solidFill>
+              </a:rPr>
+              <a:t> approximation</a:t>
+            </a:r>
+            <a:endParaRPr lang="en-US" altLang="zh-CN" sz="3600">
+              <a:solidFill>
+                <a:schemeClr val="bg1">
+                  <a:lumMod val="95000"/>
+                </a:schemeClr>
+              </a:solidFill>
+            </a:endParaRPr>
+          </a:p>
+        </p:txBody>
+      </p:sp>
+    </p:spTree>
+  </p:cSld>
+  <p:clrMapOvr>
+    <a:masterClrMapping/>
+  </p:clrMapOvr>
+</p:sld>
+</file>
+
+<file path=ppt/slides/slide4.xml><?xml version="1.0" encoding="utf-8"?>
+<p:sld xmlns:a="http://schemas.openxmlformats.org/drawingml/2006/main" xmlns:r="http://schemas.openxmlformats.org/officeDocument/2006/relationships" xmlns:p="http://schemas.openxmlformats.org/presentationml/2006/main">
+  <p:cSld>
+    <p:bg>
+      <p:bgPr>
+        <a:solidFill>
+          <a:schemeClr val="accent6"/>
+        </a:solidFill>
+        <a:effectLst/>
+      </p:bgPr>
+    </p:bg>
+    <p:spTree>
+      <p:nvGrpSpPr>
+        <p:cNvPr id="1" name=""/>
+        <p:cNvGrpSpPr/>
+        <p:nvPr/>
+      </p:nvGrpSpPr>
+      <p:grpSpPr/>
+      <p:sp>
+        <p:nvSpPr>
+          <p:cNvPr id="6" name="标题 5"/>
+          <p:cNvSpPr>
+            <a:spLocks noGrp="1"/>
+          </p:cNvSpPr>
+          <p:nvPr>
+            <p:ph type="ctrTitle"/>
+          </p:nvPr>
+        </p:nvSpPr>
+        <p:spPr>
+          <a:xfrm>
+            <a:off x="295910" y="703580"/>
+            <a:ext cx="11336655" cy="982980"/>
+          </a:xfrm>
+        </p:spPr>
+        <p:txBody>
+          <a:bodyPr>
+            <a:normAutofit fontScale="90000"/>
+          </a:bodyPr>
+          <a:p>
+            <a:pPr algn="l"/>
+            <a:r>
+              <a:rPr lang="en-US" altLang="zh-CN">
+                <a:solidFill>
+                  <a:schemeClr val="bg1">
+                    <a:lumMod val="95000"/>
+                    <a:alpha val="72000"/>
+                  </a:schemeClr>
+                </a:solidFill>
+                <a:sym typeface="+mn-ea"/>
+              </a:rPr>
+              <a:t>What has been achieved</a:t>
+            </a:r>
+            <a:br>
+              <a:rPr lang="en-US" altLang="zh-CN">
+                <a:solidFill>
+                  <a:schemeClr val="bg1">
+                    <a:alpha val="72000"/>
+                  </a:schemeClr>
+                </a:solidFill>
+              </a:rPr>
+            </a:br>
+            <a:endParaRPr lang="en-US" altLang="zh-CN" sz="4000">
+              <a:solidFill>
+                <a:schemeClr val="bg1">
+                  <a:alpha val="72000"/>
+                </a:schemeClr>
+              </a:solidFill>
+            </a:endParaRPr>
+          </a:p>
+        </p:txBody>
+      </p:sp>
+      <p:cxnSp>
+        <p:nvCxnSpPr>
+          <p:cNvPr id="2" name="直接连接符 1"/>
+          <p:cNvCxnSpPr/>
+          <p:nvPr/>
+        </p:nvCxnSpPr>
+        <p:spPr>
+          <a:xfrm>
+            <a:off x="295910" y="1195070"/>
+            <a:ext cx="2485390" cy="0"/>
+          </a:xfrm>
+          <a:prstGeom prst="line">
+            <a:avLst/>
+          </a:prstGeom>
+          <a:ln w="38100">
+            <a:gradFill>
+              <a:gsLst>
+                <a:gs pos="0">
+                  <a:schemeClr val="accent1">
+                    <a:hueOff val="-4200000"/>
+                    <a:lumMod val="99000"/>
+                    <a:alpha val="61000"/>
+                  </a:schemeClr>
+                </a:gs>
+                <a:gs pos="100000">
+                  <a:schemeClr val="accent1"/>
+                </a:gs>
+              </a:gsLst>
+            </a:gradFill>
+          </a:ln>
+        </p:spPr>
+        <p:style>
+          <a:lnRef idx="0">
+            <a:srgbClr val="FFFFFF"/>
+          </a:lnRef>
+          <a:fillRef idx="0">
+            <a:srgbClr val="FFFFFF"/>
+          </a:fillRef>
+          <a:effectRef idx="0">
+            <a:srgbClr val="FFFFFF"/>
+          </a:effectRef>
+          <a:fontRef idx="minor">
+            <a:schemeClr val="tx1"/>
+          </a:fontRef>
+        </p:style>
+      </p:cxnSp>
+      <p:sp>
+        <p:nvSpPr>
+          <p:cNvPr id="4" name="标题 5"/>
+          <p:cNvSpPr>
+            <a:spLocks noGrp="1"/>
+          </p:cNvSpPr>
+          <p:nvPr/>
+        </p:nvSpPr>
+        <p:spPr>
+          <a:xfrm>
+            <a:off x="295910" y="1345565"/>
+            <a:ext cx="10845165" cy="3693795"/>
+          </a:xfrm>
+          <a:prstGeom prst="rect">
+            <a:avLst/>
+          </a:prstGeom>
+        </p:spPr>
+        <p:txBody>
+          <a:bodyPr vert="horz" lIns="91440" tIns="45720" rIns="91440" bIns="45720" rtlCol="0" anchor="b"/>
+          <a:lstStyle>
+            <a:lvl1pPr algn="ctr" defTabSz="914400" rtl="0" eaLnBrk="1" latinLnBrk="0" hangingPunct="1">
+              <a:lnSpc>
+                <a:spcPct val="90000"/>
+              </a:lnSpc>
+              <a:spcBef>
+                <a:spcPct val="0"/>
+              </a:spcBef>
+              <a:buNone/>
+              <a:defRPr sz="6000" kern="1200">
+                <a:solidFill>
+                  <a:schemeClr val="tx1"/>
+                </a:solidFill>
+                <a:latin typeface="+mj-lt"/>
+                <a:ea typeface="+mj-ea"/>
+                <a:cs typeface="+mj-cs"/>
+              </a:defRPr>
+            </a:lvl1pPr>
+          </a:lstStyle>
+          <a:p>
+            <a:pPr algn="l"/>
+            <a:endParaRPr lang="en-US" altLang="zh-CN" sz="3600">
+              <a:solidFill>
+                <a:schemeClr val="bg1">
+                  <a:lumMod val="95000"/>
+                </a:schemeClr>
+              </a:solidFill>
+            </a:endParaRPr>
+          </a:p>
+        </p:txBody>
+      </p:sp>
+      <p:sp>
+        <p:nvSpPr>
+          <p:cNvPr id="3" name="标题 5"/>
+          <p:cNvSpPr>
+            <a:spLocks noGrp="1"/>
+          </p:cNvSpPr>
+          <p:nvPr/>
+        </p:nvSpPr>
+        <p:spPr>
+          <a:xfrm>
+            <a:off x="347345" y="847090"/>
+            <a:ext cx="11337290" cy="5677535"/>
+          </a:xfrm>
+          <a:prstGeom prst="rect">
+            <a:avLst/>
+          </a:prstGeom>
+        </p:spPr>
+        <p:txBody>
+          <a:bodyPr vert="horz" lIns="91440" tIns="45720" rIns="91440" bIns="45720" rtlCol="0" anchor="b"/>
+          <a:lstStyle>
+            <a:lvl1pPr algn="ctr" defTabSz="914400" rtl="0" eaLnBrk="1" latinLnBrk="0" hangingPunct="1">
+              <a:lnSpc>
+                <a:spcPct val="90000"/>
+              </a:lnSpc>
+              <a:spcBef>
+                <a:spcPct val="0"/>
+              </a:spcBef>
+              <a:buNone/>
+              <a:defRPr sz="6000" kern="1200">
+                <a:solidFill>
+                  <a:schemeClr val="tx1"/>
+                </a:solidFill>
+                <a:latin typeface="+mj-lt"/>
+                <a:ea typeface="+mj-ea"/>
+                <a:cs typeface="+mj-cs"/>
+              </a:defRPr>
+            </a:lvl1pPr>
+          </a:lstStyle>
+          <a:p>
+            <a:pPr algn="l"/>
+            <a:r>
+              <a:rPr lang="en-US" altLang="zh-CN" sz="2400">
+                <a:solidFill>
+                  <a:schemeClr val="bg1">
+                    <a:lumMod val="95000"/>
+                  </a:schemeClr>
+                </a:solidFill>
+              </a:rPr>
+              <a:t>Work status and body health: I feel that my body health can be better though washing nose and taking herbs, this time only work before ddl, worked for about 11-13 hours this week, going to improve</a:t>
+            </a:r>
+            <a:r>
+              <a:rPr lang="zh-CN" altLang="en-US" sz="2400">
+                <a:solidFill>
+                  <a:schemeClr val="bg1">
+                    <a:lumMod val="95000"/>
+                  </a:schemeClr>
+                </a:solidFill>
+              </a:rPr>
+              <a:t>💪</a:t>
+            </a:r>
+            <a:r>
+              <a:rPr lang="en-US" altLang="zh-CN" sz="2400">
+                <a:solidFill>
+                  <a:schemeClr val="bg1">
+                    <a:lumMod val="95000"/>
+                  </a:schemeClr>
+                </a:solidFill>
+              </a:rPr>
+              <a:t>,  has been testing medical solutions for long time</a:t>
+            </a:r>
+            <a:endParaRPr lang="zh-CN" altLang="en-US" sz="2400">
+              <a:solidFill>
+                <a:schemeClr val="bg1">
+                  <a:lumMod val="95000"/>
+                </a:schemeClr>
+              </a:solidFill>
+            </a:endParaRPr>
+          </a:p>
+          <a:p>
+            <a:pPr algn="l"/>
+            <a:endParaRPr lang="en-US" altLang="zh-CN" sz="2400">
+              <a:solidFill>
+                <a:schemeClr val="bg1">
+                  <a:lumMod val="95000"/>
+                </a:schemeClr>
+              </a:solidFill>
+            </a:endParaRPr>
+          </a:p>
+          <a:p>
+            <a:pPr algn="l"/>
+            <a:r>
+              <a:rPr lang="en-US" altLang="zh-CN" sz="2400">
+                <a:solidFill>
+                  <a:schemeClr val="bg1">
+                    <a:lumMod val="95000"/>
+                  </a:schemeClr>
+                </a:solidFill>
+              </a:rPr>
+              <a:t>Functions already achieved:</a:t>
+            </a:r>
+            <a:endParaRPr lang="en-US" altLang="zh-CN" sz="2400">
+              <a:solidFill>
+                <a:schemeClr val="bg1">
+                  <a:lumMod val="95000"/>
+                </a:schemeClr>
+              </a:solidFill>
+            </a:endParaRPr>
+          </a:p>
+          <a:p>
+            <a:pPr algn="l"/>
+            <a:r>
+              <a:rPr lang="en-US" altLang="zh-CN" sz="2400">
+                <a:solidFill>
+                  <a:schemeClr val="bg1">
+                    <a:lumMod val="95000"/>
+                  </a:schemeClr>
+                </a:solidFill>
+              </a:rPr>
+              <a:t>1. Calculations of Aperture diffraction in C#, also rendered in 3D texture, the 3D texture can be saved, or rendered multiple times in real time</a:t>
+            </a:r>
+            <a:endParaRPr lang="en-US" altLang="zh-CN" sz="2400">
+              <a:solidFill>
+                <a:schemeClr val="bg1">
+                  <a:lumMod val="95000"/>
+                </a:schemeClr>
+              </a:solidFill>
+            </a:endParaRPr>
+          </a:p>
+          <a:p>
+            <a:pPr algn="l"/>
+            <a:endParaRPr lang="en-US" altLang="zh-CN" sz="2400">
+              <a:solidFill>
+                <a:schemeClr val="bg1">
+                  <a:lumMod val="95000"/>
+                </a:schemeClr>
+              </a:solidFill>
+            </a:endParaRPr>
+          </a:p>
+          <a:p>
+            <a:pPr algn="l"/>
+            <a:r>
+              <a:rPr lang="en-US" altLang="zh-CN" sz="2400">
+                <a:solidFill>
+                  <a:schemeClr val="bg1">
+                    <a:lumMod val="95000"/>
+                  </a:schemeClr>
+                </a:solidFill>
+              </a:rPr>
+              <a:t>2. Clipping plane can also show 2D surface but some bugs existing</a:t>
+            </a:r>
+            <a:endParaRPr lang="en-US" altLang="zh-CN" sz="2400">
+              <a:solidFill>
+                <a:schemeClr val="bg1">
+                  <a:lumMod val="95000"/>
+                </a:schemeClr>
+              </a:solidFill>
+            </a:endParaRPr>
+          </a:p>
+          <a:p>
+            <a:pPr algn="l"/>
+            <a:endParaRPr lang="en-US" altLang="zh-CN" sz="2400">
+              <a:solidFill>
+                <a:schemeClr val="bg1">
+                  <a:lumMod val="95000"/>
+                </a:schemeClr>
+              </a:solidFill>
+            </a:endParaRPr>
+          </a:p>
+          <a:p>
+            <a:pPr algn="l"/>
+            <a:r>
+              <a:rPr lang="en-US" altLang="zh-CN" sz="2400">
+                <a:solidFill>
+                  <a:schemeClr val="bg1">
+                    <a:lumMod val="95000"/>
+                  </a:schemeClr>
+                </a:solidFill>
+              </a:rPr>
+              <a:t>3. render in 2 eyes in VR camera, shader modified, VR streaming in Virtual Desktop wirelessly</a:t>
+            </a:r>
+            <a:endParaRPr lang="en-US" altLang="zh-CN" sz="2400">
+              <a:solidFill>
+                <a:schemeClr val="bg1">
+                  <a:lumMod val="95000"/>
+                </a:schemeClr>
+              </a:solidFill>
+            </a:endParaRPr>
+          </a:p>
+          <a:p>
+            <a:pPr algn="l"/>
+            <a:endParaRPr lang="en-US" altLang="zh-CN" sz="2400">
+              <a:solidFill>
+                <a:schemeClr val="bg1">
+                  <a:lumMod val="95000"/>
+                </a:schemeClr>
+              </a:solidFill>
+            </a:endParaRPr>
+          </a:p>
+          <a:p>
+            <a:pPr algn="l"/>
+            <a:r>
+              <a:rPr lang="en-US" altLang="zh-CN" sz="2400">
+                <a:solidFill>
+                  <a:schemeClr val="bg1">
+                    <a:lumMod val="95000"/>
+                  </a:schemeClr>
+                </a:solidFill>
+              </a:rPr>
+              <a:t>4. UI creating, but it has shader problem, canvas created but not linked with XR interactions yet </a:t>
+            </a:r>
+            <a:endParaRPr lang="en-US" altLang="zh-CN" sz="2400">
+              <a:solidFill>
+                <a:schemeClr val="bg1">
+                  <a:lumMod val="95000"/>
+                </a:schemeClr>
+              </a:solidFill>
+            </a:endParaRPr>
+          </a:p>
+        </p:txBody>
+      </p:sp>
+      <p:sp>
+        <p:nvSpPr>
+          <p:cNvPr id="7" name="标题 5"/>
+          <p:cNvSpPr>
+            <a:spLocks noGrp="1"/>
+          </p:cNvSpPr>
+          <p:nvPr/>
+        </p:nvSpPr>
+        <p:spPr>
+          <a:xfrm>
+            <a:off x="347345" y="81280"/>
+            <a:ext cx="11012170" cy="5460365"/>
+          </a:xfrm>
+          <a:prstGeom prst="rect">
+            <a:avLst/>
+          </a:prstGeom>
+        </p:spPr>
+        <p:txBody>
+          <a:bodyPr vert="horz" lIns="91440" tIns="45720" rIns="91440" bIns="45720" rtlCol="0" anchor="b"/>
+          <a:lstStyle>
+            <a:lvl1pPr algn="ctr" defTabSz="914400" rtl="0" eaLnBrk="1" latinLnBrk="0" hangingPunct="1">
+              <a:lnSpc>
+                <a:spcPct val="90000"/>
+              </a:lnSpc>
+              <a:spcBef>
+                <a:spcPct val="0"/>
+              </a:spcBef>
+              <a:buNone/>
+              <a:defRPr sz="6000" kern="1200">
+                <a:solidFill>
+                  <a:schemeClr val="tx1"/>
+                </a:solidFill>
+                <a:latin typeface="+mj-lt"/>
+                <a:ea typeface="+mj-ea"/>
+                <a:cs typeface="+mj-cs"/>
+              </a:defRPr>
+            </a:lvl1pPr>
+          </a:lstStyle>
+          <a:p>
+            <a:pPr algn="l"/>
+            <a:endParaRPr lang="en-US" altLang="zh-CN" sz="2800">
+              <a:solidFill>
+                <a:schemeClr val="bg1">
+                  <a:lumMod val="95000"/>
+                </a:schemeClr>
+              </a:solidFill>
+            </a:endParaRPr>
+          </a:p>
+        </p:txBody>
+      </p:sp>
+    </p:spTree>
+  </p:cSld>
+  <p:clrMapOvr>
+    <a:masterClrMapping/>
+  </p:clrMapOvr>
+</p:sld>
+</file>
+
+<file path=ppt/slides/slide5.xml><?xml version="1.0" encoding="utf-8"?>
+<p:sld xmlns:a="http://schemas.openxmlformats.org/drawingml/2006/main" xmlns:r="http://schemas.openxmlformats.org/officeDocument/2006/relationships" xmlns:p="http://schemas.openxmlformats.org/presentationml/2006/main">
+  <p:cSld>
+    <p:bg>
+      <p:bgPr>
+        <a:solidFill>
+          <a:schemeClr val="accent6"/>
+        </a:solidFill>
+        <a:effectLst/>
+      </p:bgPr>
+    </p:bg>
+    <p:spTree>
+      <p:nvGrpSpPr>
+        <p:cNvPr id="1" name=""/>
+        <p:cNvGrpSpPr/>
+        <p:nvPr/>
+      </p:nvGrpSpPr>
+      <p:grpSpPr/>
+      <p:sp>
+        <p:nvSpPr>
+          <p:cNvPr id="6" name="标题 5"/>
+          <p:cNvSpPr>
+            <a:spLocks noGrp="1"/>
+          </p:cNvSpPr>
+          <p:nvPr>
+            <p:ph type="ctrTitle"/>
+          </p:nvPr>
+        </p:nvSpPr>
+        <p:spPr>
+          <a:xfrm>
+            <a:off x="295910" y="703580"/>
+            <a:ext cx="11336655" cy="982980"/>
+          </a:xfrm>
+        </p:spPr>
+        <p:txBody>
+          <a:bodyPr>
+            <a:normAutofit fontScale="90000"/>
+          </a:bodyPr>
+          <a:p>
+            <a:pPr algn="l"/>
+            <a:r>
+              <a:rPr lang="en-US" altLang="zh-CN">
+                <a:solidFill>
+                  <a:schemeClr val="bg1">
+                    <a:lumMod val="95000"/>
+                    <a:alpha val="72000"/>
+                  </a:schemeClr>
+                </a:solidFill>
+                <a:sym typeface="+mn-ea"/>
+              </a:rPr>
+              <a:t>What has been achieved</a:t>
+            </a:r>
+            <a:br>
+              <a:rPr lang="en-US" altLang="zh-CN">
+                <a:solidFill>
+                  <a:schemeClr val="bg1">
+                    <a:alpha val="72000"/>
+                  </a:schemeClr>
+                </a:solidFill>
+              </a:rPr>
+            </a:br>
+            <a:endParaRPr lang="en-US" altLang="zh-CN" sz="4000">
+              <a:solidFill>
+                <a:schemeClr val="bg1">
+                  <a:alpha val="72000"/>
+                </a:schemeClr>
+              </a:solidFill>
+            </a:endParaRPr>
+          </a:p>
+        </p:txBody>
+      </p:sp>
+      <p:cxnSp>
+        <p:nvCxnSpPr>
+          <p:cNvPr id="2" name="直接连接符 1"/>
+          <p:cNvCxnSpPr/>
+          <p:nvPr/>
+        </p:nvCxnSpPr>
+        <p:spPr>
+          <a:xfrm>
+            <a:off x="295910" y="1195070"/>
+            <a:ext cx="2485390" cy="0"/>
+          </a:xfrm>
+          <a:prstGeom prst="line">
+            <a:avLst/>
+          </a:prstGeom>
+          <a:ln w="38100">
+            <a:gradFill>
+              <a:gsLst>
+                <a:gs pos="0">
+                  <a:schemeClr val="accent1">
+                    <a:hueOff val="-4200000"/>
+                    <a:lumMod val="99000"/>
+                    <a:alpha val="61000"/>
+                  </a:schemeClr>
+                </a:gs>
+                <a:gs pos="100000">
+                  <a:schemeClr val="accent1"/>
+                </a:gs>
+              </a:gsLst>
+            </a:gradFill>
+          </a:ln>
+        </p:spPr>
+        <p:style>
+          <a:lnRef idx="0">
+            <a:srgbClr val="FFFFFF"/>
+          </a:lnRef>
+          <a:fillRef idx="0">
+            <a:srgbClr val="FFFFFF"/>
+          </a:fillRef>
+          <a:effectRef idx="0">
+            <a:srgbClr val="FFFFFF"/>
+          </a:effectRef>
+          <a:fontRef idx="minor">
+            <a:schemeClr val="tx1"/>
+          </a:fontRef>
+        </p:style>
+      </p:cxnSp>
+      <p:sp>
+        <p:nvSpPr>
+          <p:cNvPr id="4" name="标题 5"/>
+          <p:cNvSpPr>
+            <a:spLocks noGrp="1"/>
+          </p:cNvSpPr>
+          <p:nvPr/>
+        </p:nvSpPr>
+        <p:spPr>
+          <a:xfrm>
+            <a:off x="295910" y="1345565"/>
+            <a:ext cx="10845165" cy="3693795"/>
+          </a:xfrm>
+          <a:prstGeom prst="rect">
+            <a:avLst/>
+          </a:prstGeom>
+        </p:spPr>
+        <p:txBody>
+          <a:bodyPr vert="horz" lIns="91440" tIns="45720" rIns="91440" bIns="45720" rtlCol="0" anchor="b"/>
+          <a:lstStyle>
+            <a:lvl1pPr algn="ctr" defTabSz="914400" rtl="0" eaLnBrk="1" latinLnBrk="0" hangingPunct="1">
+              <a:lnSpc>
+                <a:spcPct val="90000"/>
+              </a:lnSpc>
+              <a:spcBef>
+                <a:spcPct val="0"/>
+              </a:spcBef>
+              <a:buNone/>
+              <a:defRPr sz="6000" kern="1200">
+                <a:solidFill>
+                  <a:schemeClr val="tx1"/>
+                </a:solidFill>
+                <a:latin typeface="+mj-lt"/>
+                <a:ea typeface="+mj-ea"/>
+                <a:cs typeface="+mj-cs"/>
+              </a:defRPr>
+            </a:lvl1pPr>
+          </a:lstStyle>
+          <a:p>
+            <a:pPr algn="l"/>
+            <a:endParaRPr lang="en-US" altLang="zh-CN" sz="3600">
+              <a:solidFill>
+                <a:schemeClr val="bg1">
+                  <a:lumMod val="95000"/>
+                </a:schemeClr>
+              </a:solidFill>
+            </a:endParaRPr>
+          </a:p>
+        </p:txBody>
+      </p:sp>
+      <p:sp>
+        <p:nvSpPr>
+          <p:cNvPr id="3" name="标题 5"/>
+          <p:cNvSpPr>
+            <a:spLocks noGrp="1"/>
+          </p:cNvSpPr>
+          <p:nvPr/>
+        </p:nvSpPr>
+        <p:spPr>
+          <a:xfrm>
+            <a:off x="295910" y="998855"/>
+            <a:ext cx="11400790" cy="1694815"/>
+          </a:xfrm>
+          <a:prstGeom prst="rect">
+            <a:avLst/>
+          </a:prstGeom>
+        </p:spPr>
+        <p:txBody>
+          <a:bodyPr vert="horz" lIns="91440" tIns="45720" rIns="91440" bIns="45720" rtlCol="0" anchor="b"/>
+          <a:lstStyle>
+            <a:lvl1pPr algn="ctr" defTabSz="914400" rtl="0" eaLnBrk="1" latinLnBrk="0" hangingPunct="1">
+              <a:lnSpc>
+                <a:spcPct val="90000"/>
+              </a:lnSpc>
+              <a:spcBef>
+                <a:spcPct val="0"/>
+              </a:spcBef>
+              <a:buNone/>
+              <a:defRPr sz="6000" kern="1200">
+                <a:solidFill>
+                  <a:schemeClr val="tx1"/>
+                </a:solidFill>
+                <a:latin typeface="+mj-lt"/>
+                <a:ea typeface="+mj-ea"/>
+                <a:cs typeface="+mj-cs"/>
+              </a:defRPr>
+            </a:lvl1pPr>
+          </a:lstStyle>
+          <a:p>
+            <a:pPr algn="l"/>
+            <a:r>
+              <a:rPr lang="en-US" sz="2800">
+                <a:solidFill>
+                  <a:schemeClr val="bg1">
+                    <a:lumMod val="95000"/>
+                  </a:schemeClr>
+                </a:solidFill>
+              </a:rPr>
+              <a:t>Streaming with Virtual Desktop, an alternative way, try quest link later,</a:t>
+            </a:r>
+            <a:endParaRPr lang="en-US" sz="2800">
+              <a:solidFill>
+                <a:schemeClr val="bg1">
+                  <a:lumMod val="95000"/>
+                </a:schemeClr>
+              </a:solidFill>
+            </a:endParaRPr>
+          </a:p>
+          <a:p>
+            <a:pPr algn="l"/>
+            <a:r>
+              <a:rPr lang="en-US" sz="2800">
+                <a:solidFill>
+                  <a:schemeClr val="bg1">
+                    <a:lumMod val="95000"/>
+                  </a:schemeClr>
+                </a:solidFill>
+              </a:rPr>
+              <a:t> ≈15€ software, long time ago, streaming result estimated = quest link based on experience during lecture</a:t>
+            </a:r>
+            <a:endParaRPr lang="en-US" altLang="zh-CN" sz="2800">
+              <a:solidFill>
+                <a:schemeClr val="bg1">
+                  <a:lumMod val="95000"/>
+                </a:schemeClr>
+              </a:solidFill>
+            </a:endParaRPr>
+          </a:p>
+        </p:txBody>
+      </p:sp>
+      <p:sp>
+        <p:nvSpPr>
+          <p:cNvPr id="7" name="标题 5"/>
+          <p:cNvSpPr>
+            <a:spLocks noGrp="1"/>
+          </p:cNvSpPr>
+          <p:nvPr/>
+        </p:nvSpPr>
+        <p:spPr>
+          <a:xfrm>
+            <a:off x="347345" y="81280"/>
+            <a:ext cx="11012170" cy="5460365"/>
+          </a:xfrm>
+          <a:prstGeom prst="rect">
+            <a:avLst/>
+          </a:prstGeom>
+        </p:spPr>
+        <p:txBody>
+          <a:bodyPr vert="horz" lIns="91440" tIns="45720" rIns="91440" bIns="45720" rtlCol="0" anchor="b"/>
+          <a:lstStyle>
+            <a:lvl1pPr algn="ctr" defTabSz="914400" rtl="0" eaLnBrk="1" latinLnBrk="0" hangingPunct="1">
+              <a:lnSpc>
+                <a:spcPct val="90000"/>
+              </a:lnSpc>
+              <a:spcBef>
+                <a:spcPct val="0"/>
+              </a:spcBef>
+              <a:buNone/>
+              <a:defRPr sz="6000" kern="1200">
+                <a:solidFill>
+                  <a:schemeClr val="tx1"/>
+                </a:solidFill>
+                <a:latin typeface="+mj-lt"/>
+                <a:ea typeface="+mj-ea"/>
+                <a:cs typeface="+mj-cs"/>
+              </a:defRPr>
+            </a:lvl1pPr>
+          </a:lstStyle>
+          <a:p>
+            <a:pPr algn="l"/>
+            <a:endParaRPr lang="en-US" altLang="zh-CN" sz="2800">
+              <a:solidFill>
+                <a:schemeClr val="bg1">
+                  <a:lumMod val="95000"/>
+                </a:schemeClr>
+              </a:solidFill>
+            </a:endParaRPr>
+          </a:p>
+        </p:txBody>
+      </p:sp>
+      <p:pic>
+        <p:nvPicPr>
+          <p:cNvPr id="5" name="图片 4"/>
+          <p:cNvPicPr>
+            <a:picLocks noChangeAspect="1"/>
+          </p:cNvPicPr>
+          <p:nvPr/>
+        </p:nvPicPr>
+        <p:blipFill>
+          <a:blip r:embed="rId1"/>
+          <a:stretch>
+            <a:fillRect/>
+          </a:stretch>
+        </p:blipFill>
+        <p:spPr>
+          <a:xfrm>
+            <a:off x="347345" y="3061335"/>
+            <a:ext cx="4556760" cy="3298825"/>
+          </a:xfrm>
+          <a:prstGeom prst="rect">
+            <a:avLst/>
+          </a:prstGeom>
+        </p:spPr>
+      </p:pic>
+      <p:pic>
+        <p:nvPicPr>
+          <p:cNvPr id="9" name="图片 8"/>
+          <p:cNvPicPr>
+            <a:picLocks noChangeAspect="1"/>
+          </p:cNvPicPr>
+          <p:nvPr/>
+        </p:nvPicPr>
+        <p:blipFill>
+          <a:blip r:embed="rId2"/>
+          <a:stretch>
+            <a:fillRect/>
+          </a:stretch>
+        </p:blipFill>
+        <p:spPr>
+          <a:xfrm>
+            <a:off x="5374005" y="3320415"/>
+            <a:ext cx="6518275" cy="2780665"/>
+          </a:xfrm>
+          <a:prstGeom prst="rect">
+            <a:avLst/>
+          </a:prstGeom>
+        </p:spPr>
+      </p:pic>
+    </p:spTree>
+  </p:cSld>
+  <p:clrMapOvr>
+    <a:masterClrMapping/>
+  </p:clrMapOvr>
+</p:sld>
+</file>
+
+<file path=ppt/slides/slide6.xml><?xml version="1.0" encoding="utf-8"?>
+<p:sld xmlns:a="http://schemas.openxmlformats.org/drawingml/2006/main" xmlns:r="http://schemas.openxmlformats.org/officeDocument/2006/relationships" xmlns:p="http://schemas.openxmlformats.org/presentationml/2006/main">
+  <p:cSld>
+    <p:bg>
+      <p:bgPr>
+        <a:solidFill>
+          <a:schemeClr val="accent6"/>
+        </a:solidFill>
+        <a:effectLst/>
+      </p:bgPr>
+    </p:bg>
+    <p:spTree>
+      <p:nvGrpSpPr>
+        <p:cNvPr id="1" name=""/>
+        <p:cNvGrpSpPr/>
+        <p:nvPr/>
+      </p:nvGrpSpPr>
+      <p:grpSpPr/>
+      <p:sp>
+        <p:nvSpPr>
+          <p:cNvPr id="6" name="标题 5"/>
+          <p:cNvSpPr>
+            <a:spLocks noGrp="1"/>
+          </p:cNvSpPr>
+          <p:nvPr>
+            <p:ph type="ctrTitle"/>
+          </p:nvPr>
+        </p:nvSpPr>
+        <p:spPr>
+          <a:xfrm>
+            <a:off x="295910" y="703580"/>
+            <a:ext cx="11336655" cy="982980"/>
+          </a:xfrm>
+        </p:spPr>
+        <p:txBody>
+          <a:bodyPr>
+            <a:normAutofit fontScale="90000"/>
+          </a:bodyPr>
+          <a:p>
+            <a:pPr algn="l"/>
+            <a:r>
+              <a:rPr lang="en-US" altLang="zh-CN">
+                <a:solidFill>
+                  <a:schemeClr val="bg1">
+                    <a:lumMod val="95000"/>
+                    <a:alpha val="72000"/>
+                  </a:schemeClr>
+                </a:solidFill>
+                <a:sym typeface="+mn-ea"/>
+              </a:rPr>
+              <a:t>What has been achieved</a:t>
+            </a:r>
+            <a:br>
+              <a:rPr lang="en-US" altLang="zh-CN">
+                <a:solidFill>
+                  <a:schemeClr val="bg1">
+                    <a:alpha val="72000"/>
+                  </a:schemeClr>
+                </a:solidFill>
+              </a:rPr>
+            </a:br>
+            <a:endParaRPr lang="en-US" altLang="zh-CN" sz="4000">
+              <a:solidFill>
+                <a:schemeClr val="bg1">
+                  <a:alpha val="72000"/>
+                </a:schemeClr>
+              </a:solidFill>
+            </a:endParaRPr>
+          </a:p>
+        </p:txBody>
+      </p:sp>
+      <p:cxnSp>
+        <p:nvCxnSpPr>
+          <p:cNvPr id="2" name="直接连接符 1"/>
+          <p:cNvCxnSpPr/>
+          <p:nvPr/>
+        </p:nvCxnSpPr>
+        <p:spPr>
+          <a:xfrm>
+            <a:off x="295910" y="1195070"/>
+            <a:ext cx="2485390" cy="0"/>
+          </a:xfrm>
+          <a:prstGeom prst="line">
+            <a:avLst/>
+          </a:prstGeom>
+          <a:ln w="38100">
+            <a:gradFill>
+              <a:gsLst>
+                <a:gs pos="0">
+                  <a:schemeClr val="accent1">
+                    <a:hueOff val="-4200000"/>
+                    <a:lumMod val="99000"/>
+                    <a:alpha val="61000"/>
+                  </a:schemeClr>
+                </a:gs>
+                <a:gs pos="100000">
+                  <a:schemeClr val="accent1"/>
+                </a:gs>
+              </a:gsLst>
+            </a:gradFill>
+          </a:ln>
+        </p:spPr>
+        <p:style>
+          <a:lnRef idx="0">
+            <a:srgbClr val="FFFFFF"/>
+          </a:lnRef>
+          <a:fillRef idx="0">
+            <a:srgbClr val="FFFFFF"/>
+          </a:fillRef>
+          <a:effectRef idx="0">
+            <a:srgbClr val="FFFFFF"/>
+          </a:effectRef>
+          <a:fontRef idx="minor">
+            <a:schemeClr val="tx1"/>
+          </a:fontRef>
+        </p:style>
+      </p:cxnSp>
+      <p:sp>
+        <p:nvSpPr>
+          <p:cNvPr id="4" name="标题 5"/>
+          <p:cNvSpPr>
+            <a:spLocks noGrp="1"/>
+          </p:cNvSpPr>
+          <p:nvPr/>
+        </p:nvSpPr>
+        <p:spPr>
+          <a:xfrm>
+            <a:off x="295910" y="1345565"/>
+            <a:ext cx="10845165" cy="3693795"/>
+          </a:xfrm>
+          <a:prstGeom prst="rect">
+            <a:avLst/>
+          </a:prstGeom>
+        </p:spPr>
+        <p:txBody>
+          <a:bodyPr vert="horz" lIns="91440" tIns="45720" rIns="91440" bIns="45720" rtlCol="0" anchor="b"/>
+          <a:lstStyle>
+            <a:lvl1pPr algn="ctr" defTabSz="914400" rtl="0" eaLnBrk="1" latinLnBrk="0" hangingPunct="1">
+              <a:lnSpc>
+                <a:spcPct val="90000"/>
+              </a:lnSpc>
+              <a:spcBef>
+                <a:spcPct val="0"/>
+              </a:spcBef>
+              <a:buNone/>
+              <a:defRPr sz="6000" kern="1200">
+                <a:solidFill>
+                  <a:schemeClr val="tx1"/>
+                </a:solidFill>
+                <a:latin typeface="+mj-lt"/>
+                <a:ea typeface="+mj-ea"/>
+                <a:cs typeface="+mj-cs"/>
+              </a:defRPr>
+            </a:lvl1pPr>
+          </a:lstStyle>
+          <a:p>
+            <a:pPr algn="l"/>
+            <a:endParaRPr lang="en-US" altLang="zh-CN" sz="3600">
+              <a:solidFill>
+                <a:schemeClr val="bg1">
+                  <a:lumMod val="95000"/>
+                </a:schemeClr>
+              </a:solidFill>
+            </a:endParaRPr>
+          </a:p>
+        </p:txBody>
+      </p:sp>
+      <p:sp>
+        <p:nvSpPr>
+          <p:cNvPr id="3" name="标题 5"/>
+          <p:cNvSpPr>
+            <a:spLocks noGrp="1"/>
+          </p:cNvSpPr>
+          <p:nvPr/>
+        </p:nvSpPr>
+        <p:spPr>
+          <a:xfrm>
+            <a:off x="347345" y="1252220"/>
+            <a:ext cx="11400790" cy="871220"/>
+          </a:xfrm>
+          <a:prstGeom prst="rect">
+            <a:avLst/>
+          </a:prstGeom>
+        </p:spPr>
+        <p:txBody>
+          <a:bodyPr vert="horz" lIns="91440" tIns="45720" rIns="91440" bIns="45720" rtlCol="0" anchor="b"/>
+          <a:lstStyle>
+            <a:lvl1pPr algn="ctr" defTabSz="914400" rtl="0" eaLnBrk="1" latinLnBrk="0" hangingPunct="1">
+              <a:lnSpc>
+                <a:spcPct val="90000"/>
+              </a:lnSpc>
+              <a:spcBef>
+                <a:spcPct val="0"/>
+              </a:spcBef>
+              <a:buNone/>
+              <a:defRPr sz="6000" kern="1200">
+                <a:solidFill>
+                  <a:schemeClr val="tx1"/>
+                </a:solidFill>
+                <a:latin typeface="+mj-lt"/>
+                <a:ea typeface="+mj-ea"/>
+                <a:cs typeface="+mj-cs"/>
+              </a:defRPr>
+            </a:lvl1pPr>
+          </a:lstStyle>
+          <a:p>
+            <a:pPr algn="l"/>
+            <a:r>
+              <a:rPr lang="en-US" sz="2800">
+                <a:solidFill>
+                  <a:schemeClr val="bg1">
+                    <a:lumMod val="95000"/>
+                  </a:schemeClr>
+                </a:solidFill>
+              </a:rPr>
+              <a:t>Rendering in stereo mode(2 eyes) + steering of the user + network(enter the lobby as HMD)</a:t>
+            </a:r>
+            <a:endParaRPr lang="en-US" sz="2800">
+              <a:solidFill>
+                <a:schemeClr val="bg1">
+                  <a:lumMod val="95000"/>
+                </a:schemeClr>
+              </a:solidFill>
+            </a:endParaRPr>
+          </a:p>
+        </p:txBody>
+      </p:sp>
+      <p:sp>
+        <p:nvSpPr>
+          <p:cNvPr id="7" name="标题 5"/>
+          <p:cNvSpPr>
+            <a:spLocks noGrp="1"/>
+          </p:cNvSpPr>
+          <p:nvPr/>
+        </p:nvSpPr>
+        <p:spPr>
+          <a:xfrm>
+            <a:off x="347345" y="81280"/>
+            <a:ext cx="11012170" cy="5460365"/>
+          </a:xfrm>
+          <a:prstGeom prst="rect">
+            <a:avLst/>
+          </a:prstGeom>
+        </p:spPr>
+        <p:txBody>
+          <a:bodyPr vert="horz" lIns="91440" tIns="45720" rIns="91440" bIns="45720" rtlCol="0" anchor="b"/>
+          <a:lstStyle>
+            <a:lvl1pPr algn="ctr" defTabSz="914400" rtl="0" eaLnBrk="1" latinLnBrk="0" hangingPunct="1">
+              <a:lnSpc>
+                <a:spcPct val="90000"/>
+              </a:lnSpc>
+              <a:spcBef>
+                <a:spcPct val="0"/>
+              </a:spcBef>
+              <a:buNone/>
+              <a:defRPr sz="6000" kern="1200">
+                <a:solidFill>
+                  <a:schemeClr val="tx1"/>
+                </a:solidFill>
+                <a:latin typeface="+mj-lt"/>
+                <a:ea typeface="+mj-ea"/>
+                <a:cs typeface="+mj-cs"/>
+              </a:defRPr>
+            </a:lvl1pPr>
+          </a:lstStyle>
+          <a:p>
+            <a:pPr algn="l"/>
+            <a:endParaRPr lang="en-US" altLang="zh-CN" sz="2800">
+              <a:solidFill>
+                <a:schemeClr val="bg1">
+                  <a:lumMod val="95000"/>
+                </a:schemeClr>
+              </a:solidFill>
+            </a:endParaRPr>
+          </a:p>
+        </p:txBody>
+      </p:sp>
+      <p:pic>
+        <p:nvPicPr>
+          <p:cNvPr id="8" name="图片 7"/>
+          <p:cNvPicPr>
+            <a:picLocks noChangeAspect="1"/>
+          </p:cNvPicPr>
+          <p:nvPr/>
+        </p:nvPicPr>
+        <p:blipFill>
+          <a:blip r:embed="rId1"/>
+          <a:stretch>
+            <a:fillRect/>
+          </a:stretch>
+        </p:blipFill>
+        <p:spPr>
+          <a:xfrm>
+            <a:off x="295910" y="2340610"/>
+            <a:ext cx="4634230" cy="3878580"/>
+          </a:xfrm>
+          <a:prstGeom prst="rect">
+            <a:avLst/>
+          </a:prstGeom>
+        </p:spPr>
+      </p:pic>
+      <p:pic>
+        <p:nvPicPr>
+          <p:cNvPr id="9" name="图片 8"/>
+          <p:cNvPicPr>
+            <a:picLocks noChangeAspect="1"/>
+          </p:cNvPicPr>
+          <p:nvPr/>
+        </p:nvPicPr>
+        <p:blipFill>
+          <a:blip r:embed="rId2"/>
+          <a:stretch>
+            <a:fillRect/>
+          </a:stretch>
+        </p:blipFill>
+        <p:spPr>
+          <a:xfrm>
+            <a:off x="5060315" y="2553335"/>
+            <a:ext cx="7026275" cy="3337560"/>
+          </a:xfrm>
+          <a:prstGeom prst="rect">
+            <a:avLst/>
+          </a:prstGeom>
+        </p:spPr>
+      </p:pic>
+    </p:spTree>
+  </p:cSld>
+  <p:clrMapOvr>
+    <a:masterClrMapping/>
+  </p:clrMapOvr>
+</p:sld>
+</file>
+
+<file path=ppt/slides/slide7.xml><?xml version="1.0" encoding="utf-8"?>
+<p:sld xmlns:a="http://schemas.openxmlformats.org/drawingml/2006/main" xmlns:r="http://schemas.openxmlformats.org/officeDocument/2006/relationships" xmlns:p="http://schemas.openxmlformats.org/presentationml/2006/main">
+  <p:cSld>
+    <p:bg>
+      <p:bgPr>
+        <a:solidFill>
+          <a:schemeClr val="accent6"/>
+        </a:solidFill>
+        <a:effectLst/>
+      </p:bgPr>
+    </p:bg>
+    <p:spTree>
+      <p:nvGrpSpPr>
+        <p:cNvPr id="1" name=""/>
+        <p:cNvGrpSpPr/>
+        <p:nvPr/>
+      </p:nvGrpSpPr>
+      <p:grpSpPr/>
+      <p:sp>
+        <p:nvSpPr>
+          <p:cNvPr id="6" name="标题 5"/>
+          <p:cNvSpPr>
+            <a:spLocks noGrp="1"/>
+          </p:cNvSpPr>
+          <p:nvPr>
+            <p:ph type="ctrTitle"/>
+          </p:nvPr>
+        </p:nvSpPr>
+        <p:spPr>
+          <a:xfrm>
+            <a:off x="295910" y="703580"/>
+            <a:ext cx="11336655" cy="982980"/>
+          </a:xfrm>
+        </p:spPr>
+        <p:txBody>
+          <a:bodyPr>
+            <a:normAutofit fontScale="90000"/>
+          </a:bodyPr>
+          <a:p>
+            <a:pPr algn="l"/>
+            <a:r>
+              <a:rPr lang="en-US" altLang="zh-CN">
+                <a:solidFill>
+                  <a:schemeClr val="bg1">
+                    <a:lumMod val="95000"/>
+                    <a:alpha val="72000"/>
+                  </a:schemeClr>
+                </a:solidFill>
+                <a:sym typeface="+mn-ea"/>
+              </a:rPr>
+              <a:t>What has been achieved</a:t>
+            </a:r>
+            <a:br>
+              <a:rPr lang="en-US" altLang="zh-CN">
+                <a:solidFill>
+                  <a:schemeClr val="bg1">
+                    <a:alpha val="72000"/>
+                  </a:schemeClr>
+                </a:solidFill>
+              </a:rPr>
+            </a:br>
+            <a:endParaRPr lang="en-US" altLang="zh-CN" sz="4000">
+              <a:solidFill>
+                <a:schemeClr val="bg1">
+                  <a:alpha val="72000"/>
+                </a:schemeClr>
+              </a:solidFill>
+            </a:endParaRPr>
+          </a:p>
+        </p:txBody>
+      </p:sp>
+      <p:cxnSp>
+        <p:nvCxnSpPr>
+          <p:cNvPr id="2" name="直接连接符 1"/>
+          <p:cNvCxnSpPr/>
+          <p:nvPr/>
+        </p:nvCxnSpPr>
+        <p:spPr>
+          <a:xfrm>
+            <a:off x="295910" y="1195070"/>
+            <a:ext cx="2485390" cy="0"/>
+          </a:xfrm>
+          <a:prstGeom prst="line">
+            <a:avLst/>
+          </a:prstGeom>
+          <a:ln w="38100">
+            <a:gradFill>
+              <a:gsLst>
+                <a:gs pos="0">
+                  <a:schemeClr val="accent1">
+                    <a:hueOff val="-4200000"/>
+                    <a:lumMod val="99000"/>
+                    <a:alpha val="61000"/>
+                  </a:schemeClr>
+                </a:gs>
+                <a:gs pos="100000">
+                  <a:schemeClr val="accent1"/>
+                </a:gs>
+              </a:gsLst>
+            </a:gradFill>
+          </a:ln>
+        </p:spPr>
+        <p:style>
+          <a:lnRef idx="0">
+            <a:srgbClr val="FFFFFF"/>
+          </a:lnRef>
+          <a:fillRef idx="0">
+            <a:srgbClr val="FFFFFF"/>
+          </a:fillRef>
+          <a:effectRef idx="0">
+            <a:srgbClr val="FFFFFF"/>
+          </a:effectRef>
+          <a:fontRef idx="minor">
+            <a:schemeClr val="tx1"/>
+          </a:fontRef>
+        </p:style>
+      </p:cxnSp>
+      <p:sp>
+        <p:nvSpPr>
+          <p:cNvPr id="4" name="标题 5"/>
+          <p:cNvSpPr>
+            <a:spLocks noGrp="1"/>
+          </p:cNvSpPr>
+          <p:nvPr/>
+        </p:nvSpPr>
+        <p:spPr>
+          <a:xfrm>
+            <a:off x="499110" y="1345565"/>
+            <a:ext cx="8264525" cy="3693795"/>
+          </a:xfrm>
+          <a:prstGeom prst="rect">
+            <a:avLst/>
+          </a:prstGeom>
+        </p:spPr>
+        <p:txBody>
+          <a:bodyPr vert="horz" lIns="91440" tIns="45720" rIns="91440" bIns="45720" rtlCol="0" anchor="b"/>
+          <a:lstStyle>
+            <a:lvl1pPr algn="ctr" defTabSz="914400" rtl="0" eaLnBrk="1" latinLnBrk="0" hangingPunct="1">
+              <a:lnSpc>
+                <a:spcPct val="90000"/>
+              </a:lnSpc>
+              <a:spcBef>
+                <a:spcPct val="0"/>
+              </a:spcBef>
+              <a:buNone/>
+              <a:defRPr sz="6000" kern="1200">
+                <a:solidFill>
+                  <a:schemeClr val="tx1"/>
+                </a:solidFill>
+                <a:latin typeface="+mj-lt"/>
+                <a:ea typeface="+mj-ea"/>
+                <a:cs typeface="+mj-cs"/>
+              </a:defRPr>
+            </a:lvl1pPr>
+          </a:lstStyle>
+          <a:p>
+            <a:pPr algn="l"/>
+            <a:endParaRPr lang="en-US" altLang="zh-CN" sz="3600">
+              <a:solidFill>
+                <a:schemeClr val="bg1">
+                  <a:lumMod val="95000"/>
+                </a:schemeClr>
+              </a:solidFill>
+            </a:endParaRPr>
+          </a:p>
+        </p:txBody>
+      </p:sp>
+      <p:pic>
+        <p:nvPicPr>
+          <p:cNvPr id="3" name="图片 2"/>
+          <p:cNvPicPr>
+            <a:picLocks noChangeAspect="1"/>
+          </p:cNvPicPr>
+          <p:nvPr/>
+        </p:nvPicPr>
+        <p:blipFill>
+          <a:blip r:embed="rId1"/>
+          <a:stretch>
+            <a:fillRect/>
+          </a:stretch>
+        </p:blipFill>
+        <p:spPr>
+          <a:xfrm>
+            <a:off x="1352550" y="1807845"/>
+            <a:ext cx="9391015" cy="4974590"/>
+          </a:xfrm>
+          <a:prstGeom prst="rect">
+            <a:avLst/>
+          </a:prstGeom>
+        </p:spPr>
+      </p:pic>
+      <p:sp>
+        <p:nvSpPr>
+          <p:cNvPr id="5" name="标题 5"/>
+          <p:cNvSpPr>
+            <a:spLocks noGrp="1"/>
+          </p:cNvSpPr>
+          <p:nvPr/>
+        </p:nvSpPr>
+        <p:spPr>
+          <a:xfrm>
+            <a:off x="347345" y="936625"/>
+            <a:ext cx="11400790" cy="871220"/>
+          </a:xfrm>
+          <a:prstGeom prst="rect">
+            <a:avLst/>
+          </a:prstGeom>
+        </p:spPr>
+        <p:txBody>
+          <a:bodyPr vert="horz" lIns="91440" tIns="45720" rIns="91440" bIns="45720" rtlCol="0" anchor="b"/>
+          <a:lstStyle>
+            <a:lvl1pPr algn="ctr" defTabSz="914400" rtl="0" eaLnBrk="1" latinLnBrk="0" hangingPunct="1">
+              <a:lnSpc>
+                <a:spcPct val="90000"/>
+              </a:lnSpc>
+              <a:spcBef>
+                <a:spcPct val="0"/>
+              </a:spcBef>
+              <a:buNone/>
+              <a:defRPr sz="6000" kern="1200">
+                <a:solidFill>
+                  <a:schemeClr val="tx1"/>
+                </a:solidFill>
+                <a:latin typeface="+mj-lt"/>
+                <a:ea typeface="+mj-ea"/>
+                <a:cs typeface="+mj-cs"/>
+              </a:defRPr>
+            </a:lvl1pPr>
+          </a:lstStyle>
+          <a:p>
+            <a:pPr algn="l"/>
+            <a:r>
+              <a:rPr lang="en-US" sz="2800">
+                <a:solidFill>
+                  <a:schemeClr val="bg1">
+                    <a:lumMod val="95000"/>
+                  </a:schemeClr>
+                </a:solidFill>
+              </a:rPr>
+              <a:t>MathNet + NuGet, new packages, finer and more beautiful result, like crystal</a:t>
+            </a:r>
+            <a:endParaRPr lang="en-US" sz="2800">
+              <a:solidFill>
+                <a:schemeClr val="bg1">
+                  <a:lumMod val="95000"/>
+                </a:schemeClr>
+              </a:solidFill>
+            </a:endParaRPr>
+          </a:p>
+        </p:txBody>
+      </p:sp>
+    </p:spTree>
+  </p:cSld>
+  <p:clrMapOvr>
+    <a:masterClrMapping/>
+  </p:clrMapOvr>
+</p:sld>
+</file>
+
+<file path=ppt/slides/slide8.xml><?xml version="1.0" encoding="utf-8"?>
+<p:sld xmlns:a="http://schemas.openxmlformats.org/drawingml/2006/main" xmlns:r="http://schemas.openxmlformats.org/officeDocument/2006/relationships" xmlns:p="http://schemas.openxmlformats.org/presentationml/2006/main">
+  <p:cSld>
+    <p:bg>
+      <p:bgPr>
+        <a:solidFill>
+          <a:schemeClr val="accent6"/>
+        </a:solidFill>
+        <a:effectLst/>
+      </p:bgPr>
+    </p:bg>
+    <p:spTree>
+      <p:nvGrpSpPr>
+        <p:cNvPr id="1" name=""/>
+        <p:cNvGrpSpPr/>
+        <p:nvPr/>
+      </p:nvGrpSpPr>
+      <p:grpSpPr/>
+      <p:sp>
+        <p:nvSpPr>
+          <p:cNvPr id="6" name="标题 5"/>
+          <p:cNvSpPr>
+            <a:spLocks noGrp="1"/>
+          </p:cNvSpPr>
+          <p:nvPr>
+            <p:ph type="ctrTitle"/>
+          </p:nvPr>
+        </p:nvSpPr>
+        <p:spPr>
+          <a:xfrm>
+            <a:off x="295910" y="703580"/>
+            <a:ext cx="11336655" cy="982980"/>
+          </a:xfrm>
+        </p:spPr>
+        <p:txBody>
+          <a:bodyPr>
+            <a:normAutofit fontScale="90000"/>
+          </a:bodyPr>
+          <a:p>
+            <a:pPr algn="l"/>
+            <a:r>
+              <a:rPr lang="en-US" altLang="zh-CN">
+                <a:solidFill>
+                  <a:schemeClr val="bg1">
+                    <a:lumMod val="95000"/>
+                    <a:alpha val="72000"/>
+                  </a:schemeClr>
+                </a:solidFill>
+                <a:sym typeface="+mn-ea"/>
+              </a:rPr>
+              <a:t>What has been achieved</a:t>
+            </a:r>
+            <a:br>
+              <a:rPr lang="en-US" altLang="zh-CN">
+                <a:solidFill>
+                  <a:schemeClr val="bg1">
+                    <a:alpha val="72000"/>
+                  </a:schemeClr>
+                </a:solidFill>
+              </a:rPr>
+            </a:br>
+            <a:endParaRPr lang="en-US" altLang="zh-CN" sz="4000">
+              <a:solidFill>
+                <a:schemeClr val="bg1">
+                  <a:alpha val="72000"/>
+                </a:schemeClr>
+              </a:solidFill>
+            </a:endParaRPr>
+          </a:p>
+        </p:txBody>
+      </p:sp>
+      <p:cxnSp>
+        <p:nvCxnSpPr>
+          <p:cNvPr id="2" name="直接连接符 1"/>
+          <p:cNvCxnSpPr/>
+          <p:nvPr/>
+        </p:nvCxnSpPr>
+        <p:spPr>
+          <a:xfrm>
+            <a:off x="295910" y="1195070"/>
+            <a:ext cx="2485390" cy="0"/>
+          </a:xfrm>
+          <a:prstGeom prst="line">
+            <a:avLst/>
+          </a:prstGeom>
+          <a:ln w="38100">
+            <a:gradFill>
+              <a:gsLst>
+                <a:gs pos="0">
+                  <a:schemeClr val="accent1">
+                    <a:hueOff val="-4200000"/>
+                    <a:lumMod val="99000"/>
+                    <a:alpha val="61000"/>
+                  </a:schemeClr>
+                </a:gs>
+                <a:gs pos="100000">
+                  <a:schemeClr val="accent1"/>
+                </a:gs>
+              </a:gsLst>
+            </a:gradFill>
+          </a:ln>
+        </p:spPr>
+        <p:style>
+          <a:lnRef idx="0">
+            <a:srgbClr val="FFFFFF"/>
+          </a:lnRef>
+          <a:fillRef idx="0">
+            <a:srgbClr val="FFFFFF"/>
+          </a:fillRef>
+          <a:effectRef idx="0">
+            <a:srgbClr val="FFFFFF"/>
+          </a:effectRef>
+          <a:fontRef idx="minor">
+            <a:schemeClr val="tx1"/>
+          </a:fontRef>
+        </p:style>
+      </p:cxnSp>
+      <p:sp>
+        <p:nvSpPr>
+          <p:cNvPr id="4" name="标题 5"/>
+          <p:cNvSpPr>
+            <a:spLocks noGrp="1"/>
+          </p:cNvSpPr>
+          <p:nvPr/>
+        </p:nvSpPr>
+        <p:spPr>
+          <a:xfrm>
+            <a:off x="499110" y="1345565"/>
+            <a:ext cx="8264525" cy="3693795"/>
+          </a:xfrm>
+          <a:prstGeom prst="rect">
+            <a:avLst/>
+          </a:prstGeom>
+        </p:spPr>
+        <p:txBody>
+          <a:bodyPr vert="horz" lIns="91440" tIns="45720" rIns="91440" bIns="45720" rtlCol="0" anchor="b"/>
+          <a:lstStyle>
+            <a:lvl1pPr algn="ctr" defTabSz="914400" rtl="0" eaLnBrk="1" latinLnBrk="0" hangingPunct="1">
+              <a:lnSpc>
+                <a:spcPct val="90000"/>
+              </a:lnSpc>
+              <a:spcBef>
+                <a:spcPct val="0"/>
+              </a:spcBef>
+              <a:buNone/>
+              <a:defRPr sz="6000" kern="1200">
+                <a:solidFill>
+                  <a:schemeClr val="tx1"/>
+                </a:solidFill>
+                <a:latin typeface="+mj-lt"/>
+                <a:ea typeface="+mj-ea"/>
+                <a:cs typeface="+mj-cs"/>
+              </a:defRPr>
+            </a:lvl1pPr>
+          </a:lstStyle>
+          <a:p>
+            <a:pPr algn="l"/>
+            <a:endParaRPr lang="en-US" altLang="zh-CN" sz="3600">
+              <a:solidFill>
+                <a:schemeClr val="bg1">
+                  <a:lumMod val="95000"/>
+                </a:schemeClr>
+              </a:solidFill>
+            </a:endParaRPr>
+          </a:p>
+        </p:txBody>
+      </p:sp>
+      <p:sp>
+        <p:nvSpPr>
+          <p:cNvPr id="5" name="标题 5"/>
+          <p:cNvSpPr>
+            <a:spLocks noGrp="1"/>
+          </p:cNvSpPr>
+          <p:nvPr/>
+        </p:nvSpPr>
+        <p:spPr>
+          <a:xfrm>
+            <a:off x="347345" y="936625"/>
+            <a:ext cx="11400790" cy="871220"/>
+          </a:xfrm>
+          <a:prstGeom prst="rect">
+            <a:avLst/>
+          </a:prstGeom>
+        </p:spPr>
+        <p:txBody>
+          <a:bodyPr vert="horz" lIns="91440" tIns="45720" rIns="91440" bIns="45720" rtlCol="0" anchor="b"/>
+          <a:lstStyle>
+            <a:lvl1pPr algn="ctr" defTabSz="914400" rtl="0" eaLnBrk="1" latinLnBrk="0" hangingPunct="1">
+              <a:lnSpc>
+                <a:spcPct val="90000"/>
+              </a:lnSpc>
+              <a:spcBef>
+                <a:spcPct val="0"/>
+              </a:spcBef>
+              <a:buNone/>
+              <a:defRPr sz="6000" kern="1200">
+                <a:solidFill>
+                  <a:schemeClr val="tx1"/>
+                </a:solidFill>
+                <a:latin typeface="+mj-lt"/>
+                <a:ea typeface="+mj-ea"/>
+                <a:cs typeface="+mj-cs"/>
+              </a:defRPr>
+            </a:lvl1pPr>
+          </a:lstStyle>
+          <a:p>
+            <a:pPr algn="l"/>
+            <a:r>
+              <a:rPr lang="en-US" sz="2800">
+                <a:solidFill>
+                  <a:schemeClr val="bg1">
+                    <a:lumMod val="95000"/>
+                  </a:schemeClr>
+                </a:solidFill>
+              </a:rPr>
+              <a:t>MathNet + NuGet, new packages, finer and more beautiful result, like crystal</a:t>
+            </a:r>
+            <a:endParaRPr lang="en-US" sz="2800">
+              <a:solidFill>
+                <a:schemeClr val="bg1">
+                  <a:lumMod val="95000"/>
+                </a:schemeClr>
+              </a:solidFill>
+            </a:endParaRPr>
+          </a:p>
+        </p:txBody>
+      </p:sp>
+      <p:pic>
+        <p:nvPicPr>
+          <p:cNvPr id="9" name="图片 8"/>
+          <p:cNvPicPr>
+            <a:picLocks noChangeAspect="1"/>
+          </p:cNvPicPr>
+          <p:nvPr/>
+        </p:nvPicPr>
+        <p:blipFill>
+          <a:blip r:embed="rId1"/>
+          <a:stretch>
+            <a:fillRect/>
+          </a:stretch>
+        </p:blipFill>
+        <p:spPr>
+          <a:xfrm>
+            <a:off x="1192530" y="1807845"/>
+            <a:ext cx="9428480" cy="4964430"/>
+          </a:xfrm>
+          <a:prstGeom prst="rect">
+            <a:avLst/>
+          </a:prstGeom>
+        </p:spPr>
+      </p:pic>
+    </p:spTree>
+  </p:cSld>
+  <p:clrMapOvr>
+    <a:masterClrMapping/>
+  </p:clrMapOvr>
+</p:sld>
+</file>
+
+<file path=ppt/slides/slide9.xml><?xml version="1.0" encoding="utf-8"?>
+<p:sld xmlns:a="http://schemas.openxmlformats.org/drawingml/2006/main" xmlns:r="http://schemas.openxmlformats.org/officeDocument/2006/relationships" xmlns:p="http://schemas.openxmlformats.org/presentationml/2006/main">
+  <p:cSld>
+    <p:bg>
+      <p:bgPr>
+        <a:solidFill>
+          <a:schemeClr val="accent6"/>
+        </a:solidFill>
+        <a:effectLst/>
+      </p:bgPr>
+    </p:bg>
+    <p:spTree>
+      <p:nvGrpSpPr>
+        <p:cNvPr id="1" name=""/>
+        <p:cNvGrpSpPr/>
+        <p:nvPr/>
+      </p:nvGrpSpPr>
+      <p:grpSpPr/>
+      <p:sp>
+        <p:nvSpPr>
+          <p:cNvPr id="6" name="标题 5"/>
+          <p:cNvSpPr>
+            <a:spLocks noGrp="1"/>
+          </p:cNvSpPr>
+          <p:nvPr>
+            <p:ph type="ctrTitle"/>
+          </p:nvPr>
+        </p:nvSpPr>
+        <p:spPr>
+          <a:xfrm>
+            <a:off x="295910" y="703580"/>
+            <a:ext cx="11336655" cy="982980"/>
+          </a:xfrm>
+        </p:spPr>
+        <p:txBody>
+          <a:bodyPr>
+            <a:normAutofit fontScale="90000"/>
+          </a:bodyPr>
+          <a:p>
+            <a:pPr algn="l"/>
+            <a:r>
+              <a:rPr lang="en-US" altLang="zh-CN">
+                <a:solidFill>
+                  <a:schemeClr val="bg1">
+                    <a:lumMod val="95000"/>
+                    <a:alpha val="72000"/>
+                  </a:schemeClr>
+                </a:solidFill>
+                <a:sym typeface="+mn-ea"/>
+              </a:rPr>
+              <a:t>What has been achieved</a:t>
+            </a:r>
+            <a:br>
+              <a:rPr lang="en-US" altLang="zh-CN">
+                <a:solidFill>
+                  <a:schemeClr val="bg1">
+                    <a:alpha val="72000"/>
+                  </a:schemeClr>
+                </a:solidFill>
+              </a:rPr>
+            </a:br>
+            <a:endParaRPr lang="en-US" altLang="zh-CN" sz="4000">
+              <a:solidFill>
+                <a:schemeClr val="bg1">
+                  <a:alpha val="72000"/>
+                </a:schemeClr>
+              </a:solidFill>
+            </a:endParaRPr>
+          </a:p>
+        </p:txBody>
+      </p:sp>
+      <p:cxnSp>
+        <p:nvCxnSpPr>
+          <p:cNvPr id="2" name="直接连接符 1"/>
+          <p:cNvCxnSpPr/>
+          <p:nvPr/>
+        </p:nvCxnSpPr>
+        <p:spPr>
+          <a:xfrm>
+            <a:off x="295910" y="1195070"/>
+            <a:ext cx="2485390" cy="0"/>
+          </a:xfrm>
+          <a:prstGeom prst="line">
+            <a:avLst/>
+          </a:prstGeom>
+          <a:ln w="38100">
+            <a:gradFill>
+              <a:gsLst>
+                <a:gs pos="0">
+                  <a:schemeClr val="accent1">
+                    <a:hueOff val="-4200000"/>
+                    <a:lumMod val="99000"/>
+                    <a:alpha val="61000"/>
+                  </a:schemeClr>
+                </a:gs>
+                <a:gs pos="100000">
+                  <a:schemeClr val="accent1"/>
+                </a:gs>
+              </a:gsLst>
+            </a:gradFill>
+          </a:ln>
+        </p:spPr>
+        <p:style>
+          <a:lnRef idx="0">
+            <a:srgbClr val="FFFFFF"/>
+          </a:lnRef>
+          <a:fillRef idx="0">
+            <a:srgbClr val="FFFFFF"/>
+          </a:fillRef>
+          <a:effectRef idx="0">
+            <a:srgbClr val="FFFFFF"/>
+          </a:effectRef>
+          <a:fontRef idx="minor">
+            <a:schemeClr val="tx1"/>
+          </a:fontRef>
+        </p:style>
+      </p:cxnSp>
+      <p:sp>
+        <p:nvSpPr>
+          <p:cNvPr id="4" name="标题 5"/>
+          <p:cNvSpPr>
+            <a:spLocks noGrp="1"/>
+          </p:cNvSpPr>
+          <p:nvPr/>
+        </p:nvSpPr>
+        <p:spPr>
+          <a:xfrm>
+            <a:off x="499110" y="1345565"/>
+            <a:ext cx="8264525" cy="3693795"/>
+          </a:xfrm>
+          <a:prstGeom prst="rect">
+            <a:avLst/>
+          </a:prstGeom>
+        </p:spPr>
+        <p:txBody>
+          <a:bodyPr vert="horz" lIns="91440" tIns="45720" rIns="91440" bIns="45720" rtlCol="0" anchor="b"/>
+          <a:lstStyle>
+            <a:lvl1pPr algn="ctr" defTabSz="914400" rtl="0" eaLnBrk="1" latinLnBrk="0" hangingPunct="1">
+              <a:lnSpc>
+                <a:spcPct val="90000"/>
+              </a:lnSpc>
+              <a:spcBef>
+                <a:spcPct val="0"/>
+              </a:spcBef>
+              <a:buNone/>
+              <a:defRPr sz="6000" kern="1200">
+                <a:solidFill>
+                  <a:schemeClr val="tx1"/>
+                </a:solidFill>
+                <a:latin typeface="+mj-lt"/>
+                <a:ea typeface="+mj-ea"/>
+                <a:cs typeface="+mj-cs"/>
+              </a:defRPr>
+            </a:lvl1pPr>
+          </a:lstStyle>
+          <a:p>
+            <a:pPr algn="l"/>
+            <a:endParaRPr lang="en-US" altLang="zh-CN" sz="3600">
+              <a:solidFill>
+                <a:schemeClr val="bg1">
+                  <a:lumMod val="95000"/>
+                </a:schemeClr>
+              </a:solidFill>
+            </a:endParaRPr>
+          </a:p>
+        </p:txBody>
+      </p:sp>
+      <p:pic>
+        <p:nvPicPr>
+          <p:cNvPr id="5" name="图片 4"/>
+          <p:cNvPicPr>
+            <a:picLocks noChangeAspect="1"/>
+          </p:cNvPicPr>
+          <p:nvPr/>
+        </p:nvPicPr>
+        <p:blipFill>
+          <a:blip r:embed="rId1"/>
+          <a:stretch>
+            <a:fillRect/>
+          </a:stretch>
+        </p:blipFill>
+        <p:spPr>
+          <a:xfrm>
+            <a:off x="1276350" y="1744345"/>
+            <a:ext cx="9542780" cy="5024755"/>
+          </a:xfrm>
+          <a:prstGeom prst="rect">
+            <a:avLst/>
+          </a:prstGeom>
+        </p:spPr>
+      </p:pic>
+      <p:sp>
+        <p:nvSpPr>
+          <p:cNvPr id="7" name="标题 5"/>
+          <p:cNvSpPr>
+            <a:spLocks noGrp="1"/>
+          </p:cNvSpPr>
+          <p:nvPr/>
+        </p:nvSpPr>
+        <p:spPr>
+          <a:xfrm>
+            <a:off x="347345" y="936625"/>
+            <a:ext cx="11400790" cy="871220"/>
+          </a:xfrm>
+          <a:prstGeom prst="rect">
+            <a:avLst/>
+          </a:prstGeom>
+        </p:spPr>
+        <p:txBody>
+          <a:bodyPr vert="horz" lIns="91440" tIns="45720" rIns="91440" bIns="45720" rtlCol="0" anchor="b"/>
+          <a:lstStyle>
+            <a:lvl1pPr algn="ctr" defTabSz="914400" rtl="0" eaLnBrk="1" latinLnBrk="0" hangingPunct="1">
+              <a:lnSpc>
+                <a:spcPct val="90000"/>
+              </a:lnSpc>
+              <a:spcBef>
+                <a:spcPct val="0"/>
+              </a:spcBef>
+              <a:buNone/>
+              <a:defRPr sz="6000" kern="1200">
+                <a:solidFill>
+                  <a:schemeClr val="tx1"/>
+                </a:solidFill>
+                <a:latin typeface="+mj-lt"/>
+                <a:ea typeface="+mj-ea"/>
+                <a:cs typeface="+mj-cs"/>
+              </a:defRPr>
+            </a:lvl1pPr>
+          </a:lstStyle>
+          <a:p>
+            <a:pPr algn="l"/>
+            <a:r>
+              <a:rPr lang="en-US" sz="2800">
+                <a:solidFill>
+                  <a:schemeClr val="bg1">
+                    <a:lumMod val="95000"/>
+                  </a:schemeClr>
+                </a:solidFill>
+              </a:rPr>
+              <a:t>real time/render 3D texture one by one</a:t>
+            </a:r>
+            <a:endParaRPr lang="en-US" sz="2800">
+              <a:solidFill>
+                <a:schemeClr val="bg1">
+                  <a:lumMod val="95000"/>
+                </a:schemeClr>
+              </a:solidFill>
+            </a:endParaRPr>
+          </a:p>
+        </p:txBody>
+      </p:sp>
     </p:spTree>
   </p:cSld>
   <p:clrMapOvr>
